--- a/кп.pptx
+++ b/кп.pptx
@@ -4,17 +4,20 @@
   <p:sldMasterIdLst>
     <p:sldMasterId id="2147483648" r:id="rId1"/>
   </p:sldMasterIdLst>
+  <p:notesMasterIdLst>
+    <p:notesMasterId r:id="rId12"/>
+  </p:notesMasterIdLst>
   <p:sldIdLst>
-    <p:sldId id="256" r:id="rId2"/>
-    <p:sldId id="257" r:id="rId3"/>
+    <p:sldId id="258" r:id="rId2"/>
+    <p:sldId id="265" r:id="rId3"/>
     <p:sldId id="259" r:id="rId4"/>
     <p:sldId id="260" r:id="rId5"/>
-    <p:sldId id="261" r:id="rId6"/>
-    <p:sldId id="262" r:id="rId7"/>
-    <p:sldId id="263" r:id="rId8"/>
-    <p:sldId id="264" r:id="rId9"/>
-    <p:sldId id="265" r:id="rId10"/>
-    <p:sldId id="258" r:id="rId11"/>
+    <p:sldId id="264" r:id="rId6"/>
+    <p:sldId id="261" r:id="rId7"/>
+    <p:sldId id="262" r:id="rId8"/>
+    <p:sldId id="263" r:id="rId9"/>
+    <p:sldId id="267" r:id="rId10"/>
+    <p:sldId id="266" r:id="rId11"/>
   </p:sldIdLst>
   <p:sldSz cx="12192000" cy="6858000"/>
   <p:notesSz cx="6858000" cy="9144000"/>
@@ -113,12 +116,33 @@
       </a:defRPr>
     </a:lvl9pPr>
   </p:defaultTextStyle>
+  <p:extLst>
+    <p:ext uri="{EFAFB233-063F-42B5-8137-9DF3F51BA10A}">
+      <p15:sldGuideLst xmlns:p15="http://schemas.microsoft.com/office/powerpoint/2012/main">
+        <p15:guide id="1" orient="horz" pos="2137" userDrawn="1">
+          <p15:clr>
+            <a:srgbClr val="A4A3A4"/>
+          </p15:clr>
+        </p15:guide>
+        <p15:guide id="2" pos="3840" userDrawn="1">
+          <p15:clr>
+            <a:srgbClr val="A4A3A4"/>
+          </p15:clr>
+        </p15:guide>
+      </p15:sldGuideLst>
+    </p:ext>
+  </p:extLst>
 </p:presentation>
 </file>
 
-<file path=ppt/slideLayouts/slideLayout1.xml><?xml version="1.0" encoding="utf-8"?>
-<p:sldLayout xmlns:a="http://schemas.openxmlformats.org/drawingml/2006/main" xmlns:r="http://schemas.openxmlformats.org/officeDocument/2006/relationships" xmlns:p="http://schemas.openxmlformats.org/presentationml/2006/main" type="title" preserve="1">
-  <p:cSld name="Титульный слайд">
+<file path=ppt/notesMasters/notesMaster1.xml><?xml version="1.0" encoding="utf-8"?>
+<p:notesMaster xmlns:a="http://schemas.openxmlformats.org/drawingml/2006/main" xmlns:r="http://schemas.openxmlformats.org/officeDocument/2006/relationships" xmlns:p="http://schemas.openxmlformats.org/presentationml/2006/main">
+  <p:cSld>
+    <p:bg>
+      <p:bgRef idx="1001">
+        <a:schemeClr val="bg1"/>
+      </p:bgRef>
+    </p:bg>
     <p:spTree>
       <p:nvGrpSpPr>
         <p:cNvPr id="1" name=""/>
@@ -135,7 +159,609 @@
       </p:grpSpPr>
       <p:sp>
         <p:nvSpPr>
-          <p:cNvPr id="2" name="Заголовок 1"/>
+          <p:cNvPr id="2" name="Верхний колонтитул 1"/>
+          <p:cNvSpPr>
+            <a:spLocks noGrp="1"/>
+          </p:cNvSpPr>
+          <p:nvPr>
+            <p:ph type="hdr" sz="quarter"/>
+          </p:nvPr>
+        </p:nvSpPr>
+        <p:spPr>
+          <a:xfrm>
+            <a:off x="0" y="0"/>
+            <a:ext cx="2971800" cy="458788"/>
+          </a:xfrm>
+          <a:prstGeom prst="rect">
+            <a:avLst/>
+          </a:prstGeom>
+        </p:spPr>
+        <p:txBody>
+          <a:bodyPr vert="horz" lIns="91440" tIns="45720" rIns="91440" bIns="45720" rtlCol="0"/>
+          <a:lstStyle>
+            <a:lvl1pPr algn="l">
+              <a:defRPr sz="1200"/>
+            </a:lvl1pPr>
+          </a:lstStyle>
+          <a:p>
+            <a:endParaRPr lang="ru-RU"/>
+          </a:p>
+        </p:txBody>
+      </p:sp>
+      <p:sp>
+        <p:nvSpPr>
+          <p:cNvPr id="3" name="Дата 2"/>
+          <p:cNvSpPr>
+            <a:spLocks noGrp="1"/>
+          </p:cNvSpPr>
+          <p:nvPr>
+            <p:ph type="dt" idx="1"/>
+          </p:nvPr>
+        </p:nvSpPr>
+        <p:spPr>
+          <a:xfrm>
+            <a:off x="3884613" y="0"/>
+            <a:ext cx="2971800" cy="458788"/>
+          </a:xfrm>
+          <a:prstGeom prst="rect">
+            <a:avLst/>
+          </a:prstGeom>
+        </p:spPr>
+        <p:txBody>
+          <a:bodyPr vert="horz" lIns="91440" tIns="45720" rIns="91440" bIns="45720" rtlCol="0"/>
+          <a:lstStyle>
+            <a:lvl1pPr algn="r">
+              <a:defRPr sz="1200"/>
+            </a:lvl1pPr>
+          </a:lstStyle>
+          <a:p>
+            <a:fld id="{875E98A4-0572-4532-A180-6655DC1106DD}" type="datetimeFigureOut">
+              <a:rPr lang="ru-RU" smtClean="0"/>
+              <a:t>26.11.2025</a:t>
+            </a:fld>
+            <a:endParaRPr lang="ru-RU"/>
+          </a:p>
+        </p:txBody>
+      </p:sp>
+      <p:sp>
+        <p:nvSpPr>
+          <p:cNvPr id="4" name="Образ слайда 3"/>
+          <p:cNvSpPr>
+            <a:spLocks noGrp="1" noRot="1" noChangeAspect="1"/>
+          </p:cNvSpPr>
+          <p:nvPr>
+            <p:ph type="sldImg" idx="2"/>
+          </p:nvPr>
+        </p:nvSpPr>
+        <p:spPr>
+          <a:xfrm>
+            <a:off x="685800" y="1143000"/>
+            <a:ext cx="5486400" cy="3086100"/>
+          </a:xfrm>
+          <a:prstGeom prst="rect">
+            <a:avLst/>
+          </a:prstGeom>
+          <a:noFill/>
+          <a:ln w="12700">
+            <a:solidFill>
+              <a:prstClr val="black"/>
+            </a:solidFill>
+          </a:ln>
+        </p:spPr>
+        <p:txBody>
+          <a:bodyPr vert="horz" lIns="91440" tIns="45720" rIns="91440" bIns="45720" rtlCol="0" anchor="ctr"/>
+          <a:lstStyle/>
+          <a:p>
+            <a:endParaRPr lang="ru-RU"/>
+          </a:p>
+        </p:txBody>
+      </p:sp>
+      <p:sp>
+        <p:nvSpPr>
+          <p:cNvPr id="5" name="Заметки 4"/>
+          <p:cNvSpPr>
+            <a:spLocks noGrp="1"/>
+          </p:cNvSpPr>
+          <p:nvPr>
+            <p:ph type="body" sz="quarter" idx="3"/>
+          </p:nvPr>
+        </p:nvSpPr>
+        <p:spPr>
+          <a:xfrm>
+            <a:off x="685800" y="4400550"/>
+            <a:ext cx="5486400" cy="3600450"/>
+          </a:xfrm>
+          <a:prstGeom prst="rect">
+            <a:avLst/>
+          </a:prstGeom>
+        </p:spPr>
+        <p:txBody>
+          <a:bodyPr vert="horz" lIns="91440" tIns="45720" rIns="91440" bIns="45720" rtlCol="0"/>
+          <a:lstStyle/>
+          <a:p>
+            <a:pPr lvl="0"/>
+            <a:r>
+              <a:rPr lang="ru-RU" smtClean="0"/>
+              <a:t>Образец текста</a:t>
+            </a:r>
+          </a:p>
+          <a:p>
+            <a:pPr lvl="1"/>
+            <a:r>
+              <a:rPr lang="ru-RU" smtClean="0"/>
+              <a:t>Второй уровень</a:t>
+            </a:r>
+          </a:p>
+          <a:p>
+            <a:pPr lvl="2"/>
+            <a:r>
+              <a:rPr lang="ru-RU" smtClean="0"/>
+              <a:t>Третий уровень</a:t>
+            </a:r>
+          </a:p>
+          <a:p>
+            <a:pPr lvl="3"/>
+            <a:r>
+              <a:rPr lang="ru-RU" smtClean="0"/>
+              <a:t>Четвертый уровень</a:t>
+            </a:r>
+          </a:p>
+          <a:p>
+            <a:pPr lvl="4"/>
+            <a:r>
+              <a:rPr lang="ru-RU" smtClean="0"/>
+              <a:t>Пятый уровень</a:t>
+            </a:r>
+            <a:endParaRPr lang="ru-RU"/>
+          </a:p>
+        </p:txBody>
+      </p:sp>
+      <p:sp>
+        <p:nvSpPr>
+          <p:cNvPr id="6" name="Нижний колонтитул 5"/>
+          <p:cNvSpPr>
+            <a:spLocks noGrp="1"/>
+          </p:cNvSpPr>
+          <p:nvPr>
+            <p:ph type="ftr" sz="quarter" idx="4"/>
+          </p:nvPr>
+        </p:nvSpPr>
+        <p:spPr>
+          <a:xfrm>
+            <a:off x="0" y="8685213"/>
+            <a:ext cx="2971800" cy="458787"/>
+          </a:xfrm>
+          <a:prstGeom prst="rect">
+            <a:avLst/>
+          </a:prstGeom>
+        </p:spPr>
+        <p:txBody>
+          <a:bodyPr vert="horz" lIns="91440" tIns="45720" rIns="91440" bIns="45720" rtlCol="0" anchor="b"/>
+          <a:lstStyle>
+            <a:lvl1pPr algn="l">
+              <a:defRPr sz="1200"/>
+            </a:lvl1pPr>
+          </a:lstStyle>
+          <a:p>
+            <a:endParaRPr lang="ru-RU"/>
+          </a:p>
+        </p:txBody>
+      </p:sp>
+      <p:sp>
+        <p:nvSpPr>
+          <p:cNvPr id="7" name="Номер слайда 6"/>
+          <p:cNvSpPr>
+            <a:spLocks noGrp="1"/>
+          </p:cNvSpPr>
+          <p:nvPr>
+            <p:ph type="sldNum" sz="quarter" idx="5"/>
+          </p:nvPr>
+        </p:nvSpPr>
+        <p:spPr>
+          <a:xfrm>
+            <a:off x="3884613" y="8685213"/>
+            <a:ext cx="2971800" cy="458787"/>
+          </a:xfrm>
+          <a:prstGeom prst="rect">
+            <a:avLst/>
+          </a:prstGeom>
+        </p:spPr>
+        <p:txBody>
+          <a:bodyPr vert="horz" lIns="91440" tIns="45720" rIns="91440" bIns="45720" rtlCol="0" anchor="b"/>
+          <a:lstStyle>
+            <a:lvl1pPr algn="r">
+              <a:defRPr sz="1200"/>
+            </a:lvl1pPr>
+          </a:lstStyle>
+          <a:p>
+            <a:fld id="{993DDE97-A755-4DCF-AC44-22FE28DFC25C}" type="slidenum">
+              <a:rPr lang="ru-RU" smtClean="0"/>
+              <a:t>‹#›</a:t>
+            </a:fld>
+            <a:endParaRPr lang="ru-RU"/>
+          </a:p>
+        </p:txBody>
+      </p:sp>
+    </p:spTree>
+    <p:extLst>
+      <p:ext uri="{BB962C8B-B14F-4D97-AF65-F5344CB8AC3E}">
+        <p14:creationId xmlns:p14="http://schemas.microsoft.com/office/powerpoint/2010/main" val="3696533560"/>
+      </p:ext>
+    </p:extLst>
+  </p:cSld>
+  <p:clrMap bg1="lt1" tx1="dk1" bg2="lt2" tx2="dk2" accent1="accent1" accent2="accent2" accent3="accent3" accent4="accent4" accent5="accent5" accent6="accent6" hlink="hlink" folHlink="folHlink"/>
+  <p:notesStyle>
+    <a:lvl1pPr marL="0" algn="l" defTabSz="914400" rtl="0" eaLnBrk="1" latinLnBrk="0" hangingPunct="1">
+      <a:defRPr sz="1200" kern="1200">
+        <a:solidFill>
+          <a:schemeClr val="tx1"/>
+        </a:solidFill>
+        <a:latin typeface="+mn-lt"/>
+        <a:ea typeface="+mn-ea"/>
+        <a:cs typeface="+mn-cs"/>
+      </a:defRPr>
+    </a:lvl1pPr>
+    <a:lvl2pPr marL="457200" algn="l" defTabSz="914400" rtl="0" eaLnBrk="1" latinLnBrk="0" hangingPunct="1">
+      <a:defRPr sz="1200" kern="1200">
+        <a:solidFill>
+          <a:schemeClr val="tx1"/>
+        </a:solidFill>
+        <a:latin typeface="+mn-lt"/>
+        <a:ea typeface="+mn-ea"/>
+        <a:cs typeface="+mn-cs"/>
+      </a:defRPr>
+    </a:lvl2pPr>
+    <a:lvl3pPr marL="914400" algn="l" defTabSz="914400" rtl="0" eaLnBrk="1" latinLnBrk="0" hangingPunct="1">
+      <a:defRPr sz="1200" kern="1200">
+        <a:solidFill>
+          <a:schemeClr val="tx1"/>
+        </a:solidFill>
+        <a:latin typeface="+mn-lt"/>
+        <a:ea typeface="+mn-ea"/>
+        <a:cs typeface="+mn-cs"/>
+      </a:defRPr>
+    </a:lvl3pPr>
+    <a:lvl4pPr marL="1371600" algn="l" defTabSz="914400" rtl="0" eaLnBrk="1" latinLnBrk="0" hangingPunct="1">
+      <a:defRPr sz="1200" kern="1200">
+        <a:solidFill>
+          <a:schemeClr val="tx1"/>
+        </a:solidFill>
+        <a:latin typeface="+mn-lt"/>
+        <a:ea typeface="+mn-ea"/>
+        <a:cs typeface="+mn-cs"/>
+      </a:defRPr>
+    </a:lvl4pPr>
+    <a:lvl5pPr marL="1828800" algn="l" defTabSz="914400" rtl="0" eaLnBrk="1" latinLnBrk="0" hangingPunct="1">
+      <a:defRPr sz="1200" kern="1200">
+        <a:solidFill>
+          <a:schemeClr val="tx1"/>
+        </a:solidFill>
+        <a:latin typeface="+mn-lt"/>
+        <a:ea typeface="+mn-ea"/>
+        <a:cs typeface="+mn-cs"/>
+      </a:defRPr>
+    </a:lvl5pPr>
+    <a:lvl6pPr marL="2286000" algn="l" defTabSz="914400" rtl="0" eaLnBrk="1" latinLnBrk="0" hangingPunct="1">
+      <a:defRPr sz="1200" kern="1200">
+        <a:solidFill>
+          <a:schemeClr val="tx1"/>
+        </a:solidFill>
+        <a:latin typeface="+mn-lt"/>
+        <a:ea typeface="+mn-ea"/>
+        <a:cs typeface="+mn-cs"/>
+      </a:defRPr>
+    </a:lvl6pPr>
+    <a:lvl7pPr marL="2743200" algn="l" defTabSz="914400" rtl="0" eaLnBrk="1" latinLnBrk="0" hangingPunct="1">
+      <a:defRPr sz="1200" kern="1200">
+        <a:solidFill>
+          <a:schemeClr val="tx1"/>
+        </a:solidFill>
+        <a:latin typeface="+mn-lt"/>
+        <a:ea typeface="+mn-ea"/>
+        <a:cs typeface="+mn-cs"/>
+      </a:defRPr>
+    </a:lvl7pPr>
+    <a:lvl8pPr marL="3200400" algn="l" defTabSz="914400" rtl="0" eaLnBrk="1" latinLnBrk="0" hangingPunct="1">
+      <a:defRPr sz="1200" kern="1200">
+        <a:solidFill>
+          <a:schemeClr val="tx1"/>
+        </a:solidFill>
+        <a:latin typeface="+mn-lt"/>
+        <a:ea typeface="+mn-ea"/>
+        <a:cs typeface="+mn-cs"/>
+      </a:defRPr>
+    </a:lvl8pPr>
+    <a:lvl9pPr marL="3657600" algn="l" defTabSz="914400" rtl="0" eaLnBrk="1" latinLnBrk="0" hangingPunct="1">
+      <a:defRPr sz="1200" kern="1200">
+        <a:solidFill>
+          <a:schemeClr val="tx1"/>
+        </a:solidFill>
+        <a:latin typeface="+mn-lt"/>
+        <a:ea typeface="+mn-ea"/>
+        <a:cs typeface="+mn-cs"/>
+      </a:defRPr>
+    </a:lvl9pPr>
+  </p:notesStyle>
+</p:notesMaster>
+</file>
+
+<file path=ppt/notesSlides/notesSlide1.xml><?xml version="1.0" encoding="utf-8"?>
+<p:notes xmlns:a="http://schemas.openxmlformats.org/drawingml/2006/main" xmlns:r="http://schemas.openxmlformats.org/officeDocument/2006/relationships" xmlns:p="http://schemas.openxmlformats.org/presentationml/2006/main">
+  <p:cSld>
+    <p:spTree>
+      <p:nvGrpSpPr>
+        <p:cNvPr id="1" name=""/>
+        <p:cNvGrpSpPr/>
+        <p:nvPr/>
+      </p:nvGrpSpPr>
+      <p:grpSpPr>
+        <a:xfrm>
+          <a:off x="0" y="0"/>
+          <a:ext cx="0" cy="0"/>
+          <a:chOff x="0" y="0"/>
+          <a:chExt cx="0" cy="0"/>
+        </a:xfrm>
+      </p:grpSpPr>
+      <p:sp>
+        <p:nvSpPr>
+          <p:cNvPr id="2" name="Образ слайда 1"/>
+          <p:cNvSpPr>
+            <a:spLocks noGrp="1" noRot="1" noChangeAspect="1"/>
+          </p:cNvSpPr>
+          <p:nvPr>
+            <p:ph type="sldImg"/>
+          </p:nvPr>
+        </p:nvSpPr>
+        <p:spPr/>
+      </p:sp>
+      <p:sp>
+        <p:nvSpPr>
+          <p:cNvPr id="3" name="Заметки 2"/>
+          <p:cNvSpPr>
+            <a:spLocks noGrp="1"/>
+          </p:cNvSpPr>
+          <p:nvPr>
+            <p:ph type="body" idx="1"/>
+          </p:nvPr>
+        </p:nvSpPr>
+        <p:spPr/>
+        <p:txBody>
+          <a:bodyPr/>
+          <a:lstStyle/>
+          <a:p>
+            <a:r>
+              <a:rPr lang="ru-RU" dirty="0" smtClean="0"/>
+              <a:t>Необходимо</a:t>
+            </a:r>
+            <a:r>
+              <a:rPr lang="ru-RU" baseline="0" dirty="0" smtClean="0"/>
+              <a:t> упростить процесс оформление </a:t>
+            </a:r>
+            <a:r>
+              <a:rPr lang="ru-RU" sz="1200" kern="1200" dirty="0" smtClean="0">
+                <a:solidFill>
+                  <a:schemeClr val="tx1"/>
+                </a:solidFill>
+                <a:effectLst/>
+                <a:latin typeface="+mn-lt"/>
+                <a:ea typeface="+mn-ea"/>
+                <a:cs typeface="+mn-cs"/>
+              </a:rPr>
+              <a:t>заявок на подключение к услугам домашнего интернета и телевидения в условиях возрастающей конкуренции на рынке телекоммуникаций. Сложность текущих систем негативно влияют на качество обслуживания клиентов, что, в свою очередь, может приводить к потере потенциальных клиентов. Внедрение подсистемы позволит оптимизировать взаимодействие сотрудников отдела </a:t>
+            </a:r>
+            <a:r>
+              <a:rPr lang="ru-RU" sz="1200" kern="1200" dirty="0" err="1" smtClean="0">
+                <a:solidFill>
+                  <a:schemeClr val="tx1"/>
+                </a:solidFill>
+                <a:effectLst/>
+                <a:latin typeface="+mn-lt"/>
+                <a:ea typeface="+mn-ea"/>
+                <a:cs typeface="+mn-cs"/>
+              </a:rPr>
+              <a:t>телемаркетинга</a:t>
+            </a:r>
+            <a:r>
+              <a:rPr lang="ru-RU" sz="1200" kern="1200" dirty="0" smtClean="0">
+                <a:solidFill>
+                  <a:schemeClr val="tx1"/>
+                </a:solidFill>
+                <a:effectLst/>
+                <a:latin typeface="+mn-lt"/>
+                <a:ea typeface="+mn-ea"/>
+                <a:cs typeface="+mn-cs"/>
+              </a:rPr>
+              <a:t>, упростить контроль над статусами заявок, что создаст более прозрачную и быструю систему обработки клиентских заявок</a:t>
+            </a:r>
+            <a:endParaRPr lang="ru-RU" dirty="0"/>
+          </a:p>
+        </p:txBody>
+      </p:sp>
+      <p:sp>
+        <p:nvSpPr>
+          <p:cNvPr id="4" name="Номер слайда 3"/>
+          <p:cNvSpPr>
+            <a:spLocks noGrp="1"/>
+          </p:cNvSpPr>
+          <p:nvPr>
+            <p:ph type="sldNum" sz="quarter" idx="10"/>
+          </p:nvPr>
+        </p:nvSpPr>
+        <p:spPr/>
+        <p:txBody>
+          <a:bodyPr/>
+          <a:lstStyle/>
+          <a:p>
+            <a:fld id="{993DDE97-A755-4DCF-AC44-22FE28DFC25C}" type="slidenum">
+              <a:rPr lang="ru-RU" smtClean="0"/>
+              <a:t>2</a:t>
+            </a:fld>
+            <a:endParaRPr lang="ru-RU"/>
+          </a:p>
+        </p:txBody>
+      </p:sp>
+    </p:spTree>
+    <p:extLst>
+      <p:ext uri="{BB962C8B-B14F-4D97-AF65-F5344CB8AC3E}">
+        <p14:creationId xmlns:p14="http://schemas.microsoft.com/office/powerpoint/2010/main" val="2800214557"/>
+      </p:ext>
+    </p:extLst>
+  </p:cSld>
+  <p:clrMapOvr>
+    <a:masterClrMapping/>
+  </p:clrMapOvr>
+</p:notes>
+</file>
+
+<file path=ppt/notesSlides/notesSlide2.xml><?xml version="1.0" encoding="utf-8"?>
+<p:notes xmlns:a="http://schemas.openxmlformats.org/drawingml/2006/main" xmlns:r="http://schemas.openxmlformats.org/officeDocument/2006/relationships" xmlns:p="http://schemas.openxmlformats.org/presentationml/2006/main">
+  <p:cSld>
+    <p:spTree>
+      <p:nvGrpSpPr>
+        <p:cNvPr id="1" name=""/>
+        <p:cNvGrpSpPr/>
+        <p:nvPr/>
+      </p:nvGrpSpPr>
+      <p:grpSpPr>
+        <a:xfrm>
+          <a:off x="0" y="0"/>
+          <a:ext cx="0" cy="0"/>
+          <a:chOff x="0" y="0"/>
+          <a:chExt cx="0" cy="0"/>
+        </a:xfrm>
+      </p:grpSpPr>
+      <p:sp>
+        <p:nvSpPr>
+          <p:cNvPr id="2" name="Образ слайда 1"/>
+          <p:cNvSpPr>
+            <a:spLocks noGrp="1" noRot="1" noChangeAspect="1"/>
+          </p:cNvSpPr>
+          <p:nvPr>
+            <p:ph type="sldImg"/>
+          </p:nvPr>
+        </p:nvSpPr>
+        <p:spPr/>
+      </p:sp>
+      <p:sp>
+        <p:nvSpPr>
+          <p:cNvPr id="3" name="Заметки 2"/>
+          <p:cNvSpPr>
+            <a:spLocks noGrp="1"/>
+          </p:cNvSpPr>
+          <p:nvPr>
+            <p:ph type="body" idx="1"/>
+          </p:nvPr>
+        </p:nvSpPr>
+        <p:spPr/>
+        <p:txBody>
+          <a:bodyPr/>
+          <a:lstStyle/>
+          <a:p>
+            <a:pPr marL="0" marR="0" indent="0" algn="l" defTabSz="914400" rtl="0" eaLnBrk="1" fontAlgn="auto" latinLnBrk="0" hangingPunct="1">
+              <a:lnSpc>
+                <a:spcPct val="100000"/>
+              </a:lnSpc>
+              <a:spcBef>
+                <a:spcPts val="0"/>
+              </a:spcBef>
+              <a:spcAft>
+                <a:spcPts val="0"/>
+              </a:spcAft>
+              <a:buClrTx/>
+              <a:buSzTx/>
+              <a:buFontTx/>
+              <a:buNone/>
+              <a:tabLst/>
+              <a:defRPr/>
+            </a:pPr>
+            <a:r>
+              <a:rPr lang="ru-RU" sz="1200" kern="1200" dirty="0" smtClean="0">
+                <a:solidFill>
+                  <a:schemeClr val="tx1"/>
+                </a:solidFill>
+                <a:effectLst/>
+                <a:latin typeface="+mn-lt"/>
+                <a:ea typeface="+mn-ea"/>
+                <a:cs typeface="+mn-cs"/>
+              </a:rPr>
+              <a:t>Основными пользователями ПО являются сотрудники отдела: супервайзер, операторы и неавторизованный сотрудник.</a:t>
+            </a:r>
+          </a:p>
+        </p:txBody>
+      </p:sp>
+      <p:sp>
+        <p:nvSpPr>
+          <p:cNvPr id="4" name="Номер слайда 3"/>
+          <p:cNvSpPr>
+            <a:spLocks noGrp="1"/>
+          </p:cNvSpPr>
+          <p:nvPr>
+            <p:ph type="sldNum" sz="quarter" idx="10"/>
+          </p:nvPr>
+        </p:nvSpPr>
+        <p:spPr/>
+        <p:txBody>
+          <a:bodyPr/>
+          <a:lstStyle/>
+          <a:p>
+            <a:fld id="{993DDE97-A755-4DCF-AC44-22FE28DFC25C}" type="slidenum">
+              <a:rPr lang="ru-RU" smtClean="0"/>
+              <a:t>3</a:t>
+            </a:fld>
+            <a:endParaRPr lang="ru-RU"/>
+          </a:p>
+        </p:txBody>
+      </p:sp>
+    </p:spTree>
+    <p:extLst>
+      <p:ext uri="{BB962C8B-B14F-4D97-AF65-F5344CB8AC3E}">
+        <p14:creationId xmlns:p14="http://schemas.microsoft.com/office/powerpoint/2010/main" val="392070667"/>
+      </p:ext>
+    </p:extLst>
+  </p:cSld>
+  <p:clrMapOvr>
+    <a:masterClrMapping/>
+  </p:clrMapOvr>
+</p:notes>
+</file>
+
+<file path=ppt/slideLayouts/slideLayout1.xml><?xml version="1.0" encoding="utf-8"?>
+<p:sldLayout xmlns:a="http://schemas.openxmlformats.org/drawingml/2006/main" xmlns:r="http://schemas.openxmlformats.org/officeDocument/2006/relationships" xmlns:p="http://schemas.openxmlformats.org/presentationml/2006/main" type="title" preserve="1">
+  <p:cSld name="Титульный слайд">
+    <p:bg>
+      <p:bgPr>
+        <a:solidFill>
+          <a:schemeClr val="accent2">
+            <a:lumMod val="40000"/>
+            <a:lumOff val="60000"/>
+          </a:schemeClr>
+        </a:solidFill>
+        <a:effectLst/>
+      </p:bgPr>
+    </p:bg>
+    <p:spTree>
+      <p:nvGrpSpPr>
+        <p:cNvPr id="1" name=""/>
+        <p:cNvGrpSpPr/>
+        <p:nvPr/>
+      </p:nvGrpSpPr>
+      <p:grpSpPr>
+        <a:xfrm>
+          <a:off x="0" y="0"/>
+          <a:ext cx="0" cy="0"/>
+          <a:chOff x="0" y="0"/>
+          <a:chExt cx="0" cy="0"/>
+        </a:xfrm>
+      </p:grpSpPr>
+      <p:sp>
+        <p:nvSpPr>
+          <p:cNvPr id="2" name="Заголовок 1">
+            <a:extLst>
+              <a:ext uri="{FF2B5EF4-FFF2-40B4-BE49-F238E27FC236}">
+                <a16:creationId xmlns:a16="http://schemas.microsoft.com/office/drawing/2014/main" id="{9EB3B6D4-8099-4756-8908-56250037577A}"/>
+              </a:ext>
+            </a:extLst>
+          </p:cNvPr>
           <p:cNvSpPr>
             <a:spLocks noGrp="1"/>
           </p:cNvSpPr>
@@ -153,21 +779,33 @@
           <a:bodyPr anchor="b"/>
           <a:lstStyle>
             <a:lvl1pPr algn="ctr">
-              <a:defRPr sz="6000"/>
+              <a:defRPr sz="6000">
+                <a:solidFill>
+                  <a:schemeClr val="tx1">
+                    <a:lumMod val="85000"/>
+                    <a:lumOff val="15000"/>
+                  </a:schemeClr>
+                </a:solidFill>
+              </a:defRPr>
             </a:lvl1pPr>
           </a:lstStyle>
           <a:p>
             <a:r>
-              <a:rPr lang="ru-RU" smtClean="0"/>
+              <a:rPr lang="ru-RU" dirty="0"/>
               <a:t>Образец заголовка</a:t>
             </a:r>
-            <a:endParaRPr lang="ru-RU"/>
-          </a:p>
-        </p:txBody>
-      </p:sp>
-      <p:sp>
-        <p:nvSpPr>
-          <p:cNvPr id="3" name="Подзаголовок 2"/>
+          </a:p>
+        </p:txBody>
+      </p:sp>
+      <p:sp>
+        <p:nvSpPr>
+          <p:cNvPr id="3" name="Подзаголовок 2">
+            <a:extLst>
+              <a:ext uri="{FF2B5EF4-FFF2-40B4-BE49-F238E27FC236}">
+                <a16:creationId xmlns:a16="http://schemas.microsoft.com/office/drawing/2014/main" id="{A40E2CC7-777D-448D-B56E-B8CD1C18693F}"/>
+              </a:ext>
+            </a:extLst>
+          </p:cNvPr>
           <p:cNvSpPr>
             <a:spLocks noGrp="1"/>
           </p:cNvSpPr>
@@ -186,7 +824,14 @@
           <a:lstStyle>
             <a:lvl1pPr marL="0" indent="0" algn="ctr">
               <a:buNone/>
-              <a:defRPr sz="2400"/>
+              <a:defRPr sz="2400">
+                <a:solidFill>
+                  <a:schemeClr val="tx1">
+                    <a:lumMod val="85000"/>
+                    <a:lumOff val="15000"/>
+                  </a:schemeClr>
+                </a:solidFill>
+              </a:defRPr>
             </a:lvl1pPr>
             <a:lvl2pPr marL="457200" indent="0" algn="ctr">
               <a:buNone/>
@@ -223,31 +868,47 @@
           </a:lstStyle>
           <a:p>
             <a:r>
+              <a:rPr lang="ru-RU"/>
+              <a:t>Образец подзаголовка</a:t>
+            </a:r>
+          </a:p>
+        </p:txBody>
+      </p:sp>
+      <p:sp>
+        <p:nvSpPr>
+          <p:cNvPr id="4" name="Дата 3">
+            <a:extLst>
+              <a:ext uri="{FF2B5EF4-FFF2-40B4-BE49-F238E27FC236}">
+                <a16:creationId xmlns:a16="http://schemas.microsoft.com/office/drawing/2014/main" id="{63BF387E-AB7B-4B4B-897D-81514C7BA28B}"/>
+              </a:ext>
+            </a:extLst>
+          </p:cNvPr>
+          <p:cNvSpPr>
+            <a:spLocks noGrp="1"/>
+          </p:cNvSpPr>
+          <p:nvPr>
+            <p:ph type="dt" sz="half" idx="10"/>
+          </p:nvPr>
+        </p:nvSpPr>
+        <p:spPr/>
+        <p:txBody>
+          <a:bodyPr/>
+          <a:lstStyle>
+            <a:lvl1pPr>
+              <a:defRPr>
+                <a:solidFill>
+                  <a:schemeClr val="bg2">
+                    <a:lumMod val="50000"/>
+                  </a:schemeClr>
+                </a:solidFill>
+              </a:defRPr>
+            </a:lvl1pPr>
+          </a:lstStyle>
+          <a:p>
+            <a:fld id="{66F6873F-BC63-4C77-8C1F-6337C0BA4F5E}" type="datetimeFigureOut">
               <a:rPr lang="ru-RU" smtClean="0"/>
-              <a:t>Образец подзаголовка</a:t>
-            </a:r>
-            <a:endParaRPr lang="ru-RU"/>
-          </a:p>
-        </p:txBody>
-      </p:sp>
-      <p:sp>
-        <p:nvSpPr>
-          <p:cNvPr id="4" name="Дата 3"/>
-          <p:cNvSpPr>
-            <a:spLocks noGrp="1"/>
-          </p:cNvSpPr>
-          <p:nvPr>
-            <p:ph type="dt" sz="half" idx="10"/>
-          </p:nvPr>
-        </p:nvSpPr>
-        <p:spPr/>
-        <p:txBody>
-          <a:bodyPr/>
-          <a:lstStyle/>
-          <a:p>
-            <a:fld id="{FE00ED1C-3B6C-4F79-8362-7565E475EFDC}" type="datetimeFigureOut">
-              <a:rPr lang="ru-RU" smtClean="0"/>
-              <a:t>24.11.2025</a:t>
+              <a:pPr/>
+              <a:t>26.11.2025</a:t>
             </a:fld>
             <a:endParaRPr lang="ru-RU"/>
           </a:p>
@@ -255,60 +916,992 @@
       </p:sp>
       <p:sp>
         <p:nvSpPr>
-          <p:cNvPr id="5" name="Нижний колонтитул 4"/>
-          <p:cNvSpPr>
-            <a:spLocks noGrp="1"/>
-          </p:cNvSpPr>
-          <p:nvPr>
-            <p:ph type="ftr" sz="quarter" idx="11"/>
+          <p:cNvPr id="6" name="Номер слайда 5">
+            <a:extLst>
+              <a:ext uri="{FF2B5EF4-FFF2-40B4-BE49-F238E27FC236}">
+                <a16:creationId xmlns:a16="http://schemas.microsoft.com/office/drawing/2014/main" id="{AE0FBE17-044B-4AF6-A289-0A782F3B7702}"/>
+              </a:ext>
+            </a:extLst>
+          </p:cNvPr>
+          <p:cNvSpPr>
+            <a:spLocks noGrp="1"/>
+          </p:cNvSpPr>
+          <p:nvPr>
+            <p:ph type="sldNum" sz="quarter" idx="12"/>
           </p:nvPr>
         </p:nvSpPr>
         <p:spPr/>
         <p:txBody>
           <a:bodyPr/>
-          <a:lstStyle/>
-          <a:p>
-            <a:endParaRPr lang="ru-RU"/>
-          </a:p>
-        </p:txBody>
-      </p:sp>
-      <p:sp>
-        <p:nvSpPr>
-          <p:cNvPr id="6" name="Номер слайда 5"/>
-          <p:cNvSpPr>
-            <a:spLocks noGrp="1"/>
-          </p:cNvSpPr>
-          <p:nvPr>
-            <p:ph type="sldNum" sz="quarter" idx="12"/>
-          </p:nvPr>
-        </p:nvSpPr>
-        <p:spPr/>
-        <p:txBody>
-          <a:bodyPr/>
-          <a:lstStyle/>
-          <a:p>
-            <a:fld id="{85CF150C-D96E-47FE-8644-83569D9BBCDF}" type="slidenum">
+          <a:lstStyle>
+            <a:lvl1pPr>
+              <a:defRPr>
+                <a:solidFill>
+                  <a:schemeClr val="bg2">
+                    <a:lumMod val="50000"/>
+                  </a:schemeClr>
+                </a:solidFill>
+              </a:defRPr>
+            </a:lvl1pPr>
+          </a:lstStyle>
+          <a:p>
+            <a:fld id="{A932D385-1C5C-4B8C-A1C5-1E6FA26AB176}" type="slidenum">
               <a:rPr lang="ru-RU" smtClean="0"/>
+              <a:pPr/>
               <a:t>‹#›</a:t>
             </a:fld>
             <a:endParaRPr lang="ru-RU"/>
           </a:p>
         </p:txBody>
       </p:sp>
+      <p:sp>
+        <p:nvSpPr>
+          <p:cNvPr id="12" name="Прямоугольник 11">
+            <a:extLst>
+              <a:ext uri="{FF2B5EF4-FFF2-40B4-BE49-F238E27FC236}">
+                <a16:creationId xmlns:a16="http://schemas.microsoft.com/office/drawing/2014/main" id="{C0144957-439D-47CC-A8ED-6A2C122E5876}"/>
+              </a:ext>
+            </a:extLst>
+          </p:cNvPr>
+          <p:cNvSpPr/>
+          <p:nvPr userDrawn="1"/>
+        </p:nvSpPr>
+        <p:spPr>
+          <a:xfrm>
+            <a:off x="4854698" y="6346745"/>
+            <a:ext cx="2482603" cy="369332"/>
+          </a:xfrm>
+          <a:prstGeom prst="rect">
+            <a:avLst/>
+          </a:prstGeom>
+        </p:spPr>
+        <p:txBody>
+          <a:bodyPr wrap="none">
+            <a:spAutoFit/>
+          </a:bodyPr>
+          <a:lstStyle/>
+          <a:p>
+            <a:r>
+              <a:rPr lang="ru-RU" dirty="0">
+                <a:solidFill>
+                  <a:schemeClr val="accent2">
+                    <a:lumMod val="40000"/>
+                    <a:lumOff val="60000"/>
+                  </a:schemeClr>
+                </a:solidFill>
+              </a:rPr>
+              <a:t>presentation-creation.ru</a:t>
+            </a:r>
+          </a:p>
+        </p:txBody>
+      </p:sp>
+      <p:sp>
+        <p:nvSpPr>
+          <p:cNvPr id="5" name="Нижний колонтитул 4">
+            <a:extLst>
+              <a:ext uri="{FF2B5EF4-FFF2-40B4-BE49-F238E27FC236}">
+                <a16:creationId xmlns:a16="http://schemas.microsoft.com/office/drawing/2014/main" id="{3F59A56F-C8EE-4028-B120-76C4E70D06D4}"/>
+              </a:ext>
+            </a:extLst>
+          </p:cNvPr>
+          <p:cNvSpPr>
+            <a:spLocks noGrp="1"/>
+          </p:cNvSpPr>
+          <p:nvPr>
+            <p:ph type="ftr" sz="quarter" idx="11"/>
+          </p:nvPr>
+        </p:nvSpPr>
+        <p:spPr/>
+        <p:txBody>
+          <a:bodyPr/>
+          <a:lstStyle>
+            <a:lvl1pPr>
+              <a:defRPr>
+                <a:solidFill>
+                  <a:schemeClr val="accent2">
+                    <a:lumMod val="40000"/>
+                    <a:lumOff val="60000"/>
+                  </a:schemeClr>
+                </a:solidFill>
+              </a:defRPr>
+            </a:lvl1pPr>
+          </a:lstStyle>
+          <a:p>
+            <a:r>
+              <a:rPr lang="en-US"/>
+              <a:t>presentation-creation.ru</a:t>
+            </a:r>
+            <a:endParaRPr lang="ru-RU" dirty="0"/>
+          </a:p>
+        </p:txBody>
+      </p:sp>
+      <p:sp>
+        <p:nvSpPr>
+          <p:cNvPr id="8" name="Прямоугольник 7">
+            <a:extLst>
+              <a:ext uri="{FF2B5EF4-FFF2-40B4-BE49-F238E27FC236}">
+                <a16:creationId xmlns:a16="http://schemas.microsoft.com/office/drawing/2014/main" id="{9915E017-FBEA-43E5-BEF2-B852B6A94906}"/>
+              </a:ext>
+            </a:extLst>
+          </p:cNvPr>
+          <p:cNvSpPr/>
+          <p:nvPr userDrawn="1"/>
+        </p:nvSpPr>
+        <p:spPr>
+          <a:xfrm rot="5400000">
+            <a:off x="11135364" y="890195"/>
+            <a:ext cx="2482603" cy="369332"/>
+          </a:xfrm>
+          <a:prstGeom prst="rect">
+            <a:avLst/>
+          </a:prstGeom>
+        </p:spPr>
+        <p:txBody>
+          <a:bodyPr wrap="none">
+            <a:spAutoFit/>
+          </a:bodyPr>
+          <a:lstStyle/>
+          <a:p>
+            <a:r>
+              <a:rPr lang="ru-RU" dirty="0">
+                <a:solidFill>
+                  <a:srgbClr val="E6E6E6"/>
+                </a:solidFill>
+              </a:rPr>
+              <a:t>presentation-creation.ru</a:t>
+            </a:r>
+          </a:p>
+        </p:txBody>
+      </p:sp>
+      <p:sp>
+        <p:nvSpPr>
+          <p:cNvPr id="7" name="Овал 6">
+            <a:extLst>
+              <a:ext uri="{FF2B5EF4-FFF2-40B4-BE49-F238E27FC236}">
+                <a16:creationId xmlns:a16="http://schemas.microsoft.com/office/drawing/2014/main" id="{F0DB0974-8DAE-4930-B0E4-D6947F1CF9DB}"/>
+              </a:ext>
+            </a:extLst>
+          </p:cNvPr>
+          <p:cNvSpPr/>
+          <p:nvPr userDrawn="1"/>
+        </p:nvSpPr>
+        <p:spPr>
+          <a:xfrm>
+            <a:off x="10706858" y="558324"/>
+            <a:ext cx="5903277" cy="5903277"/>
+          </a:xfrm>
+          <a:prstGeom prst="ellipse">
+            <a:avLst/>
+          </a:prstGeom>
+          <a:solidFill>
+            <a:schemeClr val="accent2">
+              <a:lumMod val="60000"/>
+              <a:lumOff val="40000"/>
+            </a:schemeClr>
+          </a:solidFill>
+          <a:ln>
+            <a:noFill/>
+          </a:ln>
+        </p:spPr>
+        <p:style>
+          <a:lnRef idx="2">
+            <a:schemeClr val="accent1">
+              <a:shade val="50000"/>
+            </a:schemeClr>
+          </a:lnRef>
+          <a:fillRef idx="1">
+            <a:schemeClr val="accent1"/>
+          </a:fillRef>
+          <a:effectRef idx="0">
+            <a:schemeClr val="accent1"/>
+          </a:effectRef>
+          <a:fontRef idx="minor">
+            <a:schemeClr val="lt1"/>
+          </a:fontRef>
+        </p:style>
+        <p:txBody>
+          <a:bodyPr rtlCol="0" anchor="ctr"/>
+          <a:lstStyle/>
+          <a:p>
+            <a:pPr algn="ctr"/>
+            <a:endParaRPr lang="ru-RU"/>
+          </a:p>
+        </p:txBody>
+      </p:sp>
     </p:spTree>
     <p:extLst>
       <p:ext uri="{BB962C8B-B14F-4D97-AF65-F5344CB8AC3E}">
-        <p14:creationId xmlns:p14="http://schemas.microsoft.com/office/powerpoint/2010/main" val="1923063010"/>
+        <p14:creationId xmlns:p14="http://schemas.microsoft.com/office/powerpoint/2010/main" val="3908449787"/>
       </p:ext>
     </p:extLst>
   </p:cSld>
   <p:clrMapOvr>
     <a:masterClrMapping/>
   </p:clrMapOvr>
+  <mc:AlternateContent xmlns:mc="http://schemas.openxmlformats.org/markup-compatibility/2006" xmlns:p14="http://schemas.microsoft.com/office/powerpoint/2010/main">
+    <mc:Choice Requires="p14">
+      <p:transition spd="med" p14:dur="700">
+        <p:fade/>
+      </p:transition>
+    </mc:Choice>
+    <mc:Fallback xmlns="">
+      <p:transition spd="med">
+        <p:fade/>
+      </p:transition>
+    </mc:Fallback>
+  </mc:AlternateContent>
 </p:sldLayout>
 </file>
 
 <file path=ppt/slideLayouts/slideLayout10.xml><?xml version="1.0" encoding="utf-8"?>
+<p:sldLayout xmlns:a="http://schemas.openxmlformats.org/drawingml/2006/main" xmlns:r="http://schemas.openxmlformats.org/officeDocument/2006/relationships" xmlns:p="http://schemas.openxmlformats.org/presentationml/2006/main" type="blank" preserve="1">
+  <p:cSld name="Пустой слайд">
+    <p:spTree>
+      <p:nvGrpSpPr>
+        <p:cNvPr id="1" name=""/>
+        <p:cNvGrpSpPr/>
+        <p:nvPr/>
+      </p:nvGrpSpPr>
+      <p:grpSpPr>
+        <a:xfrm>
+          <a:off x="0" y="0"/>
+          <a:ext cx="0" cy="0"/>
+          <a:chOff x="0" y="0"/>
+          <a:chExt cx="0" cy="0"/>
+        </a:xfrm>
+      </p:grpSpPr>
+      <p:sp>
+        <p:nvSpPr>
+          <p:cNvPr id="2" name="Дата 1">
+            <a:extLst>
+              <a:ext uri="{FF2B5EF4-FFF2-40B4-BE49-F238E27FC236}">
+                <a16:creationId xmlns:a16="http://schemas.microsoft.com/office/drawing/2014/main" id="{1499FCD3-56A4-4284-81DF-E3E50BDCE1A7}"/>
+              </a:ext>
+            </a:extLst>
+          </p:cNvPr>
+          <p:cNvSpPr>
+            <a:spLocks noGrp="1"/>
+          </p:cNvSpPr>
+          <p:nvPr>
+            <p:ph type="dt" sz="half" idx="10"/>
+          </p:nvPr>
+        </p:nvSpPr>
+        <p:spPr/>
+        <p:txBody>
+          <a:bodyPr/>
+          <a:lstStyle/>
+          <a:p>
+            <a:fld id="{66F6873F-BC63-4C77-8C1F-6337C0BA4F5E}" type="datetimeFigureOut">
+              <a:rPr lang="ru-RU" smtClean="0"/>
+              <a:t>26.11.2025</a:t>
+            </a:fld>
+            <a:endParaRPr lang="ru-RU"/>
+          </a:p>
+        </p:txBody>
+      </p:sp>
+      <p:sp>
+        <p:nvSpPr>
+          <p:cNvPr id="3" name="Нижний колонтитул 2">
+            <a:extLst>
+              <a:ext uri="{FF2B5EF4-FFF2-40B4-BE49-F238E27FC236}">
+                <a16:creationId xmlns:a16="http://schemas.microsoft.com/office/drawing/2014/main" id="{86047691-5406-41FC-B8DB-B022027BF826}"/>
+              </a:ext>
+            </a:extLst>
+          </p:cNvPr>
+          <p:cNvSpPr>
+            <a:spLocks noGrp="1"/>
+          </p:cNvSpPr>
+          <p:nvPr>
+            <p:ph type="ftr" sz="quarter" idx="11"/>
+          </p:nvPr>
+        </p:nvSpPr>
+        <p:spPr/>
+        <p:txBody>
+          <a:bodyPr/>
+          <a:lstStyle/>
+          <a:p>
+            <a:endParaRPr lang="ru-RU"/>
+          </a:p>
+        </p:txBody>
+      </p:sp>
+      <p:sp>
+        <p:nvSpPr>
+          <p:cNvPr id="4" name="Номер слайда 3">
+            <a:extLst>
+              <a:ext uri="{FF2B5EF4-FFF2-40B4-BE49-F238E27FC236}">
+                <a16:creationId xmlns:a16="http://schemas.microsoft.com/office/drawing/2014/main" id="{097AEBC5-6561-4B36-B570-3860569505BA}"/>
+              </a:ext>
+            </a:extLst>
+          </p:cNvPr>
+          <p:cNvSpPr>
+            <a:spLocks noGrp="1"/>
+          </p:cNvSpPr>
+          <p:nvPr>
+            <p:ph type="sldNum" sz="quarter" idx="12"/>
+          </p:nvPr>
+        </p:nvSpPr>
+        <p:spPr/>
+        <p:txBody>
+          <a:bodyPr/>
+          <a:lstStyle/>
+          <a:p>
+            <a:fld id="{A932D385-1C5C-4B8C-A1C5-1E6FA26AB176}" type="slidenum">
+              <a:rPr lang="ru-RU" smtClean="0"/>
+              <a:t>‹#›</a:t>
+            </a:fld>
+            <a:endParaRPr lang="ru-RU"/>
+          </a:p>
+        </p:txBody>
+      </p:sp>
+    </p:spTree>
+    <p:extLst>
+      <p:ext uri="{BB962C8B-B14F-4D97-AF65-F5344CB8AC3E}">
+        <p14:creationId xmlns:p14="http://schemas.microsoft.com/office/powerpoint/2010/main" val="2517354844"/>
+      </p:ext>
+    </p:extLst>
+  </p:cSld>
+  <p:clrMapOvr>
+    <a:masterClrMapping/>
+  </p:clrMapOvr>
+  <mc:AlternateContent xmlns:mc="http://schemas.openxmlformats.org/markup-compatibility/2006" xmlns:p14="http://schemas.microsoft.com/office/powerpoint/2010/main">
+    <mc:Choice Requires="p14">
+      <p:transition spd="med" p14:dur="700">
+        <p:fade/>
+      </p:transition>
+    </mc:Choice>
+    <mc:Fallback xmlns="">
+      <p:transition spd="med">
+        <p:fade/>
+      </p:transition>
+    </mc:Fallback>
+  </mc:AlternateContent>
+</p:sldLayout>
+</file>
+
+<file path=ppt/slideLayouts/slideLayout11.xml><?xml version="1.0" encoding="utf-8"?>
+<p:sldLayout xmlns:a="http://schemas.openxmlformats.org/drawingml/2006/main" xmlns:r="http://schemas.openxmlformats.org/officeDocument/2006/relationships" xmlns:p="http://schemas.openxmlformats.org/presentationml/2006/main" type="objTx" preserve="1">
+  <p:cSld name="Объект с подписью">
+    <p:spTree>
+      <p:nvGrpSpPr>
+        <p:cNvPr id="1" name=""/>
+        <p:cNvGrpSpPr/>
+        <p:nvPr/>
+      </p:nvGrpSpPr>
+      <p:grpSpPr>
+        <a:xfrm>
+          <a:off x="0" y="0"/>
+          <a:ext cx="0" cy="0"/>
+          <a:chOff x="0" y="0"/>
+          <a:chExt cx="0" cy="0"/>
+        </a:xfrm>
+      </p:grpSpPr>
+      <p:sp>
+        <p:nvSpPr>
+          <p:cNvPr id="2" name="Заголовок 1">
+            <a:extLst>
+              <a:ext uri="{FF2B5EF4-FFF2-40B4-BE49-F238E27FC236}">
+                <a16:creationId xmlns:a16="http://schemas.microsoft.com/office/drawing/2014/main" id="{350F69B2-4FAE-42A4-BBC5-8BF096DE8166}"/>
+              </a:ext>
+            </a:extLst>
+          </p:cNvPr>
+          <p:cNvSpPr>
+            <a:spLocks noGrp="1"/>
+          </p:cNvSpPr>
+          <p:nvPr>
+            <p:ph type="title"/>
+          </p:nvPr>
+        </p:nvSpPr>
+        <p:spPr>
+          <a:xfrm>
+            <a:off x="839788" y="457200"/>
+            <a:ext cx="3932237" cy="1600200"/>
+          </a:xfrm>
+        </p:spPr>
+        <p:txBody>
+          <a:bodyPr anchor="b"/>
+          <a:lstStyle>
+            <a:lvl1pPr>
+              <a:defRPr sz="3200"/>
+            </a:lvl1pPr>
+          </a:lstStyle>
+          <a:p>
+            <a:r>
+              <a:rPr lang="ru-RU"/>
+              <a:t>Образец заголовка</a:t>
+            </a:r>
+          </a:p>
+        </p:txBody>
+      </p:sp>
+      <p:sp>
+        <p:nvSpPr>
+          <p:cNvPr id="3" name="Объект 2">
+            <a:extLst>
+              <a:ext uri="{FF2B5EF4-FFF2-40B4-BE49-F238E27FC236}">
+                <a16:creationId xmlns:a16="http://schemas.microsoft.com/office/drawing/2014/main" id="{0FCD1947-0CD2-42BD-BFD1-5C441661848F}"/>
+              </a:ext>
+            </a:extLst>
+          </p:cNvPr>
+          <p:cNvSpPr>
+            <a:spLocks noGrp="1"/>
+          </p:cNvSpPr>
+          <p:nvPr>
+            <p:ph idx="1"/>
+          </p:nvPr>
+        </p:nvSpPr>
+        <p:spPr>
+          <a:xfrm>
+            <a:off x="5183188" y="987425"/>
+            <a:ext cx="6172200" cy="4873625"/>
+          </a:xfrm>
+        </p:spPr>
+        <p:txBody>
+          <a:bodyPr/>
+          <a:lstStyle>
+            <a:lvl1pPr>
+              <a:defRPr sz="3200"/>
+            </a:lvl1pPr>
+            <a:lvl2pPr>
+              <a:defRPr sz="2800"/>
+            </a:lvl2pPr>
+            <a:lvl3pPr>
+              <a:defRPr sz="2400"/>
+            </a:lvl3pPr>
+            <a:lvl4pPr>
+              <a:defRPr sz="2000"/>
+            </a:lvl4pPr>
+            <a:lvl5pPr>
+              <a:defRPr sz="2000"/>
+            </a:lvl5pPr>
+            <a:lvl6pPr>
+              <a:defRPr sz="2000"/>
+            </a:lvl6pPr>
+            <a:lvl7pPr>
+              <a:defRPr sz="2000"/>
+            </a:lvl7pPr>
+            <a:lvl8pPr>
+              <a:defRPr sz="2000"/>
+            </a:lvl8pPr>
+            <a:lvl9pPr>
+              <a:defRPr sz="2000"/>
+            </a:lvl9pPr>
+          </a:lstStyle>
+          <a:p>
+            <a:pPr lvl="0"/>
+            <a:r>
+              <a:rPr lang="ru-RU"/>
+              <a:t>Образец текста</a:t>
+            </a:r>
+          </a:p>
+          <a:p>
+            <a:pPr lvl="1"/>
+            <a:r>
+              <a:rPr lang="ru-RU"/>
+              <a:t>Второй уровень</a:t>
+            </a:r>
+          </a:p>
+          <a:p>
+            <a:pPr lvl="2"/>
+            <a:r>
+              <a:rPr lang="ru-RU"/>
+              <a:t>Третий уровень</a:t>
+            </a:r>
+          </a:p>
+          <a:p>
+            <a:pPr lvl="3"/>
+            <a:r>
+              <a:rPr lang="ru-RU"/>
+              <a:t>Четвертый уровень</a:t>
+            </a:r>
+          </a:p>
+          <a:p>
+            <a:pPr lvl="4"/>
+            <a:r>
+              <a:rPr lang="ru-RU"/>
+              <a:t>Пятый уровень</a:t>
+            </a:r>
+          </a:p>
+        </p:txBody>
+      </p:sp>
+      <p:sp>
+        <p:nvSpPr>
+          <p:cNvPr id="4" name="Текст 3">
+            <a:extLst>
+              <a:ext uri="{FF2B5EF4-FFF2-40B4-BE49-F238E27FC236}">
+                <a16:creationId xmlns:a16="http://schemas.microsoft.com/office/drawing/2014/main" id="{A0CDABD2-BF7A-4C8F-8B16-EA52A5F14833}"/>
+              </a:ext>
+            </a:extLst>
+          </p:cNvPr>
+          <p:cNvSpPr>
+            <a:spLocks noGrp="1"/>
+          </p:cNvSpPr>
+          <p:nvPr>
+            <p:ph type="body" sz="half" idx="2"/>
+          </p:nvPr>
+        </p:nvSpPr>
+        <p:spPr>
+          <a:xfrm>
+            <a:off x="839788" y="2057400"/>
+            <a:ext cx="3932237" cy="3811588"/>
+          </a:xfrm>
+        </p:spPr>
+        <p:txBody>
+          <a:bodyPr/>
+          <a:lstStyle>
+            <a:lvl1pPr marL="0" indent="0">
+              <a:buNone/>
+              <a:defRPr sz="1600"/>
+            </a:lvl1pPr>
+            <a:lvl2pPr marL="457200" indent="0">
+              <a:buNone/>
+              <a:defRPr sz="1400"/>
+            </a:lvl2pPr>
+            <a:lvl3pPr marL="914400" indent="0">
+              <a:buNone/>
+              <a:defRPr sz="1200"/>
+            </a:lvl3pPr>
+            <a:lvl4pPr marL="1371600" indent="0">
+              <a:buNone/>
+              <a:defRPr sz="1000"/>
+            </a:lvl4pPr>
+            <a:lvl5pPr marL="1828800" indent="0">
+              <a:buNone/>
+              <a:defRPr sz="1000"/>
+            </a:lvl5pPr>
+            <a:lvl6pPr marL="2286000" indent="0">
+              <a:buNone/>
+              <a:defRPr sz="1000"/>
+            </a:lvl6pPr>
+            <a:lvl7pPr marL="2743200" indent="0">
+              <a:buNone/>
+              <a:defRPr sz="1000"/>
+            </a:lvl7pPr>
+            <a:lvl8pPr marL="3200400" indent="0">
+              <a:buNone/>
+              <a:defRPr sz="1000"/>
+            </a:lvl8pPr>
+            <a:lvl9pPr marL="3657600" indent="0">
+              <a:buNone/>
+              <a:defRPr sz="1000"/>
+            </a:lvl9pPr>
+          </a:lstStyle>
+          <a:p>
+            <a:pPr lvl="0"/>
+            <a:r>
+              <a:rPr lang="ru-RU"/>
+              <a:t>Образец текста</a:t>
+            </a:r>
+          </a:p>
+        </p:txBody>
+      </p:sp>
+      <p:sp>
+        <p:nvSpPr>
+          <p:cNvPr id="5" name="Дата 4">
+            <a:extLst>
+              <a:ext uri="{FF2B5EF4-FFF2-40B4-BE49-F238E27FC236}">
+                <a16:creationId xmlns:a16="http://schemas.microsoft.com/office/drawing/2014/main" id="{AE72B473-E977-441B-A8EB-3301D765AFA1}"/>
+              </a:ext>
+            </a:extLst>
+          </p:cNvPr>
+          <p:cNvSpPr>
+            <a:spLocks noGrp="1"/>
+          </p:cNvSpPr>
+          <p:nvPr>
+            <p:ph type="dt" sz="half" idx="10"/>
+          </p:nvPr>
+        </p:nvSpPr>
+        <p:spPr/>
+        <p:txBody>
+          <a:bodyPr/>
+          <a:lstStyle/>
+          <a:p>
+            <a:fld id="{66F6873F-BC63-4C77-8C1F-6337C0BA4F5E}" type="datetimeFigureOut">
+              <a:rPr lang="ru-RU" smtClean="0"/>
+              <a:t>26.11.2025</a:t>
+            </a:fld>
+            <a:endParaRPr lang="ru-RU"/>
+          </a:p>
+        </p:txBody>
+      </p:sp>
+      <p:sp>
+        <p:nvSpPr>
+          <p:cNvPr id="6" name="Нижний колонтитул 5">
+            <a:extLst>
+              <a:ext uri="{FF2B5EF4-FFF2-40B4-BE49-F238E27FC236}">
+                <a16:creationId xmlns:a16="http://schemas.microsoft.com/office/drawing/2014/main" id="{EC7E1CEE-3915-4259-A6A7-D1B01B39668D}"/>
+              </a:ext>
+            </a:extLst>
+          </p:cNvPr>
+          <p:cNvSpPr>
+            <a:spLocks noGrp="1"/>
+          </p:cNvSpPr>
+          <p:nvPr>
+            <p:ph type="ftr" sz="quarter" idx="11"/>
+          </p:nvPr>
+        </p:nvSpPr>
+        <p:spPr/>
+        <p:txBody>
+          <a:bodyPr/>
+          <a:lstStyle/>
+          <a:p>
+            <a:endParaRPr lang="ru-RU"/>
+          </a:p>
+        </p:txBody>
+      </p:sp>
+      <p:sp>
+        <p:nvSpPr>
+          <p:cNvPr id="7" name="Номер слайда 6">
+            <a:extLst>
+              <a:ext uri="{FF2B5EF4-FFF2-40B4-BE49-F238E27FC236}">
+                <a16:creationId xmlns:a16="http://schemas.microsoft.com/office/drawing/2014/main" id="{2EEB3D31-7ACD-4C98-9D8E-2BDDE7B0A2B2}"/>
+              </a:ext>
+            </a:extLst>
+          </p:cNvPr>
+          <p:cNvSpPr>
+            <a:spLocks noGrp="1"/>
+          </p:cNvSpPr>
+          <p:nvPr>
+            <p:ph type="sldNum" sz="quarter" idx="12"/>
+          </p:nvPr>
+        </p:nvSpPr>
+        <p:spPr/>
+        <p:txBody>
+          <a:bodyPr/>
+          <a:lstStyle/>
+          <a:p>
+            <a:fld id="{A932D385-1C5C-4B8C-A1C5-1E6FA26AB176}" type="slidenum">
+              <a:rPr lang="ru-RU" smtClean="0"/>
+              <a:t>‹#›</a:t>
+            </a:fld>
+            <a:endParaRPr lang="ru-RU"/>
+          </a:p>
+        </p:txBody>
+      </p:sp>
+    </p:spTree>
+    <p:extLst>
+      <p:ext uri="{BB962C8B-B14F-4D97-AF65-F5344CB8AC3E}">
+        <p14:creationId xmlns:p14="http://schemas.microsoft.com/office/powerpoint/2010/main" val="2143233155"/>
+      </p:ext>
+    </p:extLst>
+  </p:cSld>
+  <p:clrMapOvr>
+    <a:masterClrMapping/>
+  </p:clrMapOvr>
+  <mc:AlternateContent xmlns:mc="http://schemas.openxmlformats.org/markup-compatibility/2006" xmlns:p14="http://schemas.microsoft.com/office/powerpoint/2010/main">
+    <mc:Choice Requires="p14">
+      <p:transition spd="med" p14:dur="700">
+        <p:fade/>
+      </p:transition>
+    </mc:Choice>
+    <mc:Fallback xmlns="">
+      <p:transition spd="med">
+        <p:fade/>
+      </p:transition>
+    </mc:Fallback>
+  </mc:AlternateContent>
+</p:sldLayout>
+</file>
+
+<file path=ppt/slideLayouts/slideLayout12.xml><?xml version="1.0" encoding="utf-8"?>
+<p:sldLayout xmlns:a="http://schemas.openxmlformats.org/drawingml/2006/main" xmlns:r="http://schemas.openxmlformats.org/officeDocument/2006/relationships" xmlns:p="http://schemas.openxmlformats.org/presentationml/2006/main" type="picTx" preserve="1">
+  <p:cSld name="Рисунок с подписью">
+    <p:spTree>
+      <p:nvGrpSpPr>
+        <p:cNvPr id="1" name=""/>
+        <p:cNvGrpSpPr/>
+        <p:nvPr/>
+      </p:nvGrpSpPr>
+      <p:grpSpPr>
+        <a:xfrm>
+          <a:off x="0" y="0"/>
+          <a:ext cx="0" cy="0"/>
+          <a:chOff x="0" y="0"/>
+          <a:chExt cx="0" cy="0"/>
+        </a:xfrm>
+      </p:grpSpPr>
+      <p:sp>
+        <p:nvSpPr>
+          <p:cNvPr id="2" name="Заголовок 1">
+            <a:extLst>
+              <a:ext uri="{FF2B5EF4-FFF2-40B4-BE49-F238E27FC236}">
+                <a16:creationId xmlns:a16="http://schemas.microsoft.com/office/drawing/2014/main" id="{AB405F6B-C902-4B3E-9912-C6E442B658D8}"/>
+              </a:ext>
+            </a:extLst>
+          </p:cNvPr>
+          <p:cNvSpPr>
+            <a:spLocks noGrp="1"/>
+          </p:cNvSpPr>
+          <p:nvPr>
+            <p:ph type="title"/>
+          </p:nvPr>
+        </p:nvSpPr>
+        <p:spPr>
+          <a:xfrm>
+            <a:off x="839788" y="457200"/>
+            <a:ext cx="3932237" cy="1600200"/>
+          </a:xfrm>
+        </p:spPr>
+        <p:txBody>
+          <a:bodyPr anchor="b"/>
+          <a:lstStyle>
+            <a:lvl1pPr>
+              <a:defRPr sz="3200"/>
+            </a:lvl1pPr>
+          </a:lstStyle>
+          <a:p>
+            <a:r>
+              <a:rPr lang="ru-RU"/>
+              <a:t>Образец заголовка</a:t>
+            </a:r>
+          </a:p>
+        </p:txBody>
+      </p:sp>
+      <p:sp>
+        <p:nvSpPr>
+          <p:cNvPr id="3" name="Рисунок 2">
+            <a:extLst>
+              <a:ext uri="{FF2B5EF4-FFF2-40B4-BE49-F238E27FC236}">
+                <a16:creationId xmlns:a16="http://schemas.microsoft.com/office/drawing/2014/main" id="{97BC53AF-8425-4939-91AE-F683272D0D60}"/>
+              </a:ext>
+            </a:extLst>
+          </p:cNvPr>
+          <p:cNvSpPr>
+            <a:spLocks noGrp="1"/>
+          </p:cNvSpPr>
+          <p:nvPr>
+            <p:ph type="pic" idx="1"/>
+          </p:nvPr>
+        </p:nvSpPr>
+        <p:spPr>
+          <a:xfrm>
+            <a:off x="5183188" y="987425"/>
+            <a:ext cx="6172200" cy="4873625"/>
+          </a:xfrm>
+        </p:spPr>
+        <p:txBody>
+          <a:bodyPr/>
+          <a:lstStyle>
+            <a:lvl1pPr marL="0" indent="0">
+              <a:buNone/>
+              <a:defRPr sz="3200"/>
+            </a:lvl1pPr>
+            <a:lvl2pPr marL="457200" indent="0">
+              <a:buNone/>
+              <a:defRPr sz="2800"/>
+            </a:lvl2pPr>
+            <a:lvl3pPr marL="914400" indent="0">
+              <a:buNone/>
+              <a:defRPr sz="2400"/>
+            </a:lvl3pPr>
+            <a:lvl4pPr marL="1371600" indent="0">
+              <a:buNone/>
+              <a:defRPr sz="2000"/>
+            </a:lvl4pPr>
+            <a:lvl5pPr marL="1828800" indent="0">
+              <a:buNone/>
+              <a:defRPr sz="2000"/>
+            </a:lvl5pPr>
+            <a:lvl6pPr marL="2286000" indent="0">
+              <a:buNone/>
+              <a:defRPr sz="2000"/>
+            </a:lvl6pPr>
+            <a:lvl7pPr marL="2743200" indent="0">
+              <a:buNone/>
+              <a:defRPr sz="2000"/>
+            </a:lvl7pPr>
+            <a:lvl8pPr marL="3200400" indent="0">
+              <a:buNone/>
+              <a:defRPr sz="2000"/>
+            </a:lvl8pPr>
+            <a:lvl9pPr marL="3657600" indent="0">
+              <a:buNone/>
+              <a:defRPr sz="2000"/>
+            </a:lvl9pPr>
+          </a:lstStyle>
+          <a:p>
+            <a:endParaRPr lang="ru-RU"/>
+          </a:p>
+        </p:txBody>
+      </p:sp>
+      <p:sp>
+        <p:nvSpPr>
+          <p:cNvPr id="4" name="Текст 3">
+            <a:extLst>
+              <a:ext uri="{FF2B5EF4-FFF2-40B4-BE49-F238E27FC236}">
+                <a16:creationId xmlns:a16="http://schemas.microsoft.com/office/drawing/2014/main" id="{7A02FBB3-E12C-46E0-9C0A-AECE9178DAB9}"/>
+              </a:ext>
+            </a:extLst>
+          </p:cNvPr>
+          <p:cNvSpPr>
+            <a:spLocks noGrp="1"/>
+          </p:cNvSpPr>
+          <p:nvPr>
+            <p:ph type="body" sz="half" idx="2"/>
+          </p:nvPr>
+        </p:nvSpPr>
+        <p:spPr>
+          <a:xfrm>
+            <a:off x="839788" y="2057400"/>
+            <a:ext cx="3932237" cy="3811588"/>
+          </a:xfrm>
+        </p:spPr>
+        <p:txBody>
+          <a:bodyPr/>
+          <a:lstStyle>
+            <a:lvl1pPr marL="0" indent="0">
+              <a:buNone/>
+              <a:defRPr sz="1600"/>
+            </a:lvl1pPr>
+            <a:lvl2pPr marL="457200" indent="0">
+              <a:buNone/>
+              <a:defRPr sz="1400"/>
+            </a:lvl2pPr>
+            <a:lvl3pPr marL="914400" indent="0">
+              <a:buNone/>
+              <a:defRPr sz="1200"/>
+            </a:lvl3pPr>
+            <a:lvl4pPr marL="1371600" indent="0">
+              <a:buNone/>
+              <a:defRPr sz="1000"/>
+            </a:lvl4pPr>
+            <a:lvl5pPr marL="1828800" indent="0">
+              <a:buNone/>
+              <a:defRPr sz="1000"/>
+            </a:lvl5pPr>
+            <a:lvl6pPr marL="2286000" indent="0">
+              <a:buNone/>
+              <a:defRPr sz="1000"/>
+            </a:lvl6pPr>
+            <a:lvl7pPr marL="2743200" indent="0">
+              <a:buNone/>
+              <a:defRPr sz="1000"/>
+            </a:lvl7pPr>
+            <a:lvl8pPr marL="3200400" indent="0">
+              <a:buNone/>
+              <a:defRPr sz="1000"/>
+            </a:lvl8pPr>
+            <a:lvl9pPr marL="3657600" indent="0">
+              <a:buNone/>
+              <a:defRPr sz="1000"/>
+            </a:lvl9pPr>
+          </a:lstStyle>
+          <a:p>
+            <a:pPr lvl="0"/>
+            <a:r>
+              <a:rPr lang="ru-RU"/>
+              <a:t>Образец текста</a:t>
+            </a:r>
+          </a:p>
+        </p:txBody>
+      </p:sp>
+      <p:sp>
+        <p:nvSpPr>
+          <p:cNvPr id="5" name="Дата 4">
+            <a:extLst>
+              <a:ext uri="{FF2B5EF4-FFF2-40B4-BE49-F238E27FC236}">
+                <a16:creationId xmlns:a16="http://schemas.microsoft.com/office/drawing/2014/main" id="{D6AFC505-F1A6-46C8-AAC8-934BC95DC392}"/>
+              </a:ext>
+            </a:extLst>
+          </p:cNvPr>
+          <p:cNvSpPr>
+            <a:spLocks noGrp="1"/>
+          </p:cNvSpPr>
+          <p:nvPr>
+            <p:ph type="dt" sz="half" idx="10"/>
+          </p:nvPr>
+        </p:nvSpPr>
+        <p:spPr/>
+        <p:txBody>
+          <a:bodyPr/>
+          <a:lstStyle/>
+          <a:p>
+            <a:fld id="{66F6873F-BC63-4C77-8C1F-6337C0BA4F5E}" type="datetimeFigureOut">
+              <a:rPr lang="ru-RU" smtClean="0"/>
+              <a:t>26.11.2025</a:t>
+            </a:fld>
+            <a:endParaRPr lang="ru-RU"/>
+          </a:p>
+        </p:txBody>
+      </p:sp>
+      <p:sp>
+        <p:nvSpPr>
+          <p:cNvPr id="6" name="Нижний колонтитул 5">
+            <a:extLst>
+              <a:ext uri="{FF2B5EF4-FFF2-40B4-BE49-F238E27FC236}">
+                <a16:creationId xmlns:a16="http://schemas.microsoft.com/office/drawing/2014/main" id="{D50E9474-4172-432C-832B-FEC719D7702A}"/>
+              </a:ext>
+            </a:extLst>
+          </p:cNvPr>
+          <p:cNvSpPr>
+            <a:spLocks noGrp="1"/>
+          </p:cNvSpPr>
+          <p:nvPr>
+            <p:ph type="ftr" sz="quarter" idx="11"/>
+          </p:nvPr>
+        </p:nvSpPr>
+        <p:spPr/>
+        <p:txBody>
+          <a:bodyPr/>
+          <a:lstStyle/>
+          <a:p>
+            <a:endParaRPr lang="ru-RU"/>
+          </a:p>
+        </p:txBody>
+      </p:sp>
+      <p:sp>
+        <p:nvSpPr>
+          <p:cNvPr id="7" name="Номер слайда 6">
+            <a:extLst>
+              <a:ext uri="{FF2B5EF4-FFF2-40B4-BE49-F238E27FC236}">
+                <a16:creationId xmlns:a16="http://schemas.microsoft.com/office/drawing/2014/main" id="{7FF9343C-F37B-47D0-875B-2AF377328569}"/>
+              </a:ext>
+            </a:extLst>
+          </p:cNvPr>
+          <p:cNvSpPr>
+            <a:spLocks noGrp="1"/>
+          </p:cNvSpPr>
+          <p:nvPr>
+            <p:ph type="sldNum" sz="quarter" idx="12"/>
+          </p:nvPr>
+        </p:nvSpPr>
+        <p:spPr/>
+        <p:txBody>
+          <a:bodyPr/>
+          <a:lstStyle/>
+          <a:p>
+            <a:fld id="{A932D385-1C5C-4B8C-A1C5-1E6FA26AB176}" type="slidenum">
+              <a:rPr lang="ru-RU" smtClean="0"/>
+              <a:t>‹#›</a:t>
+            </a:fld>
+            <a:endParaRPr lang="ru-RU"/>
+          </a:p>
+        </p:txBody>
+      </p:sp>
+    </p:spTree>
+    <p:extLst>
+      <p:ext uri="{BB962C8B-B14F-4D97-AF65-F5344CB8AC3E}">
+        <p14:creationId xmlns:p14="http://schemas.microsoft.com/office/powerpoint/2010/main" val="1179473996"/>
+      </p:ext>
+    </p:extLst>
+  </p:cSld>
+  <p:clrMapOvr>
+    <a:masterClrMapping/>
+  </p:clrMapOvr>
+  <mc:AlternateContent xmlns:mc="http://schemas.openxmlformats.org/markup-compatibility/2006" xmlns:p14="http://schemas.microsoft.com/office/powerpoint/2010/main">
+    <mc:Choice Requires="p14">
+      <p:transition spd="med" p14:dur="700">
+        <p:fade/>
+      </p:transition>
+    </mc:Choice>
+    <mc:Fallback xmlns="">
+      <p:transition spd="med">
+        <p:fade/>
+      </p:transition>
+    </mc:Fallback>
+  </mc:AlternateContent>
+</p:sldLayout>
+</file>
+
+<file path=ppt/slideLayouts/slideLayout13.xml><?xml version="1.0" encoding="utf-8"?>
 <p:sldLayout xmlns:a="http://schemas.openxmlformats.org/drawingml/2006/main" xmlns:r="http://schemas.openxmlformats.org/officeDocument/2006/relationships" xmlns:p="http://schemas.openxmlformats.org/presentationml/2006/main" type="vertTx" preserve="1">
   <p:cSld name="Заголовок и вертикальный текст">
     <p:spTree>
@@ -327,7 +1920,13 @@
       </p:grpSpPr>
       <p:sp>
         <p:nvSpPr>
-          <p:cNvPr id="2" name="Заголовок 1"/>
+          <p:cNvPr id="2" name="Заголовок 1">
+            <a:extLst>
+              <a:ext uri="{FF2B5EF4-FFF2-40B4-BE49-F238E27FC236}">
+                <a16:creationId xmlns:a16="http://schemas.microsoft.com/office/drawing/2014/main" id="{D1A3A611-4217-496F-A970-40D336B59983}"/>
+              </a:ext>
+            </a:extLst>
+          </p:cNvPr>
           <p:cNvSpPr>
             <a:spLocks noGrp="1"/>
           </p:cNvSpPr>
@@ -341,16 +1940,21 @@
           <a:lstStyle/>
           <a:p>
             <a:r>
-              <a:rPr lang="ru-RU" smtClean="0"/>
+              <a:rPr lang="ru-RU"/>
               <a:t>Образец заголовка</a:t>
             </a:r>
-            <a:endParaRPr lang="ru-RU"/>
-          </a:p>
-        </p:txBody>
-      </p:sp>
-      <p:sp>
-        <p:nvSpPr>
-          <p:cNvPr id="3" name="Вертикальный текст 2"/>
+          </a:p>
+        </p:txBody>
+      </p:sp>
+      <p:sp>
+        <p:nvSpPr>
+          <p:cNvPr id="3" name="Вертикальный текст 2">
+            <a:extLst>
+              <a:ext uri="{FF2B5EF4-FFF2-40B4-BE49-F238E27FC236}">
+                <a16:creationId xmlns:a16="http://schemas.microsoft.com/office/drawing/2014/main" id="{6BA99D7E-740A-449C-B04F-6390E5DB211B}"/>
+              </a:ext>
+            </a:extLst>
+          </p:cNvPr>
           <p:cNvSpPr>
             <a:spLocks noGrp="1"/>
           </p:cNvSpPr>
@@ -365,44 +1969,49 @@
           <a:p>
             <a:pPr lvl="0"/>
             <a:r>
-              <a:rPr lang="ru-RU" smtClean="0"/>
+              <a:rPr lang="ru-RU"/>
               <a:t>Образец текста</a:t>
             </a:r>
           </a:p>
           <a:p>
             <a:pPr lvl="1"/>
             <a:r>
-              <a:rPr lang="ru-RU" smtClean="0"/>
+              <a:rPr lang="ru-RU"/>
               <a:t>Второй уровень</a:t>
             </a:r>
           </a:p>
           <a:p>
             <a:pPr lvl="2"/>
             <a:r>
-              <a:rPr lang="ru-RU" smtClean="0"/>
+              <a:rPr lang="ru-RU"/>
               <a:t>Третий уровень</a:t>
             </a:r>
           </a:p>
           <a:p>
             <a:pPr lvl="3"/>
             <a:r>
-              <a:rPr lang="ru-RU" smtClean="0"/>
+              <a:rPr lang="ru-RU"/>
               <a:t>Четвертый уровень</a:t>
             </a:r>
           </a:p>
           <a:p>
             <a:pPr lvl="4"/>
             <a:r>
-              <a:rPr lang="ru-RU" smtClean="0"/>
+              <a:rPr lang="ru-RU"/>
               <a:t>Пятый уровень</a:t>
             </a:r>
-            <a:endParaRPr lang="ru-RU"/>
-          </a:p>
-        </p:txBody>
-      </p:sp>
-      <p:sp>
-        <p:nvSpPr>
-          <p:cNvPr id="4" name="Дата 3"/>
+          </a:p>
+        </p:txBody>
+      </p:sp>
+      <p:sp>
+        <p:nvSpPr>
+          <p:cNvPr id="4" name="Дата 3">
+            <a:extLst>
+              <a:ext uri="{FF2B5EF4-FFF2-40B4-BE49-F238E27FC236}">
+                <a16:creationId xmlns:a16="http://schemas.microsoft.com/office/drawing/2014/main" id="{84607AD3-B579-44BB-B354-6F0449D5A0D3}"/>
+              </a:ext>
+            </a:extLst>
+          </p:cNvPr>
           <p:cNvSpPr>
             <a:spLocks noGrp="1"/>
           </p:cNvSpPr>
@@ -415,9 +2024,9 @@
           <a:bodyPr/>
           <a:lstStyle/>
           <a:p>
-            <a:fld id="{FE00ED1C-3B6C-4F79-8362-7565E475EFDC}" type="datetimeFigureOut">
+            <a:fld id="{66F6873F-BC63-4C77-8C1F-6337C0BA4F5E}" type="datetimeFigureOut">
               <a:rPr lang="ru-RU" smtClean="0"/>
-              <a:t>24.11.2025</a:t>
+              <a:t>26.11.2025</a:t>
             </a:fld>
             <a:endParaRPr lang="ru-RU"/>
           </a:p>
@@ -425,7 +2034,13 @@
       </p:sp>
       <p:sp>
         <p:nvSpPr>
-          <p:cNvPr id="5" name="Нижний колонтитул 4"/>
+          <p:cNvPr id="5" name="Нижний колонтитул 4">
+            <a:extLst>
+              <a:ext uri="{FF2B5EF4-FFF2-40B4-BE49-F238E27FC236}">
+                <a16:creationId xmlns:a16="http://schemas.microsoft.com/office/drawing/2014/main" id="{AABF37B6-1BF7-43A4-81B9-1EFFAFF2C2CF}"/>
+              </a:ext>
+            </a:extLst>
+          </p:cNvPr>
           <p:cNvSpPr>
             <a:spLocks noGrp="1"/>
           </p:cNvSpPr>
@@ -444,7 +2059,13 @@
       </p:sp>
       <p:sp>
         <p:nvSpPr>
-          <p:cNvPr id="6" name="Номер слайда 5"/>
+          <p:cNvPr id="6" name="Номер слайда 5">
+            <a:extLst>
+              <a:ext uri="{FF2B5EF4-FFF2-40B4-BE49-F238E27FC236}">
+                <a16:creationId xmlns:a16="http://schemas.microsoft.com/office/drawing/2014/main" id="{FF56BAB7-98C3-43DF-A563-53F5C2CD65B7}"/>
+              </a:ext>
+            </a:extLst>
+          </p:cNvPr>
           <p:cNvSpPr>
             <a:spLocks noGrp="1"/>
           </p:cNvSpPr>
@@ -457,7 +2078,7 @@
           <a:bodyPr/>
           <a:lstStyle/>
           <a:p>
-            <a:fld id="{85CF150C-D96E-47FE-8644-83569D9BBCDF}" type="slidenum">
+            <a:fld id="{A932D385-1C5C-4B8C-A1C5-1E6FA26AB176}" type="slidenum">
               <a:rPr lang="ru-RU" smtClean="0"/>
               <a:t>‹#›</a:t>
             </a:fld>
@@ -468,17 +2089,29 @@
     </p:spTree>
     <p:extLst>
       <p:ext uri="{BB962C8B-B14F-4D97-AF65-F5344CB8AC3E}">
-        <p14:creationId xmlns:p14="http://schemas.microsoft.com/office/powerpoint/2010/main" val="1566113697"/>
+        <p14:creationId xmlns:p14="http://schemas.microsoft.com/office/powerpoint/2010/main" val="2353774367"/>
       </p:ext>
     </p:extLst>
   </p:cSld>
   <p:clrMapOvr>
     <a:masterClrMapping/>
   </p:clrMapOvr>
+  <mc:AlternateContent xmlns:mc="http://schemas.openxmlformats.org/markup-compatibility/2006" xmlns:p14="http://schemas.microsoft.com/office/powerpoint/2010/main">
+    <mc:Choice Requires="p14">
+      <p:transition spd="med" p14:dur="700">
+        <p:fade/>
+      </p:transition>
+    </mc:Choice>
+    <mc:Fallback xmlns="">
+      <p:transition spd="med">
+        <p:fade/>
+      </p:transition>
+    </mc:Fallback>
+  </mc:AlternateContent>
 </p:sldLayout>
 </file>
 
-<file path=ppt/slideLayouts/slideLayout11.xml><?xml version="1.0" encoding="utf-8"?>
+<file path=ppt/slideLayouts/slideLayout14.xml><?xml version="1.0" encoding="utf-8"?>
 <p:sldLayout xmlns:a="http://schemas.openxmlformats.org/drawingml/2006/main" xmlns:r="http://schemas.openxmlformats.org/officeDocument/2006/relationships" xmlns:p="http://schemas.openxmlformats.org/presentationml/2006/main" type="vertTitleAndTx" preserve="1">
   <p:cSld name="Вертикальный заголовок и текст">
     <p:spTree>
@@ -497,7 +2130,13 @@
       </p:grpSpPr>
       <p:sp>
         <p:nvSpPr>
-          <p:cNvPr id="2" name="Вертикальный заголовок 1"/>
+          <p:cNvPr id="2" name="Вертикальный заголовок 1">
+            <a:extLst>
+              <a:ext uri="{FF2B5EF4-FFF2-40B4-BE49-F238E27FC236}">
+                <a16:creationId xmlns:a16="http://schemas.microsoft.com/office/drawing/2014/main" id="{457C772B-141C-4727-B105-B525D7504E44}"/>
+              </a:ext>
+            </a:extLst>
+          </p:cNvPr>
           <p:cNvSpPr>
             <a:spLocks noGrp="1"/>
           </p:cNvSpPr>
@@ -516,16 +2155,21 @@
           <a:lstStyle/>
           <a:p>
             <a:r>
-              <a:rPr lang="ru-RU" smtClean="0"/>
+              <a:rPr lang="ru-RU"/>
               <a:t>Образец заголовка</a:t>
             </a:r>
-            <a:endParaRPr lang="ru-RU"/>
-          </a:p>
-        </p:txBody>
-      </p:sp>
-      <p:sp>
-        <p:nvSpPr>
-          <p:cNvPr id="3" name="Вертикальный текст 2"/>
+          </a:p>
+        </p:txBody>
+      </p:sp>
+      <p:sp>
+        <p:nvSpPr>
+          <p:cNvPr id="3" name="Вертикальный текст 2">
+            <a:extLst>
+              <a:ext uri="{FF2B5EF4-FFF2-40B4-BE49-F238E27FC236}">
+                <a16:creationId xmlns:a16="http://schemas.microsoft.com/office/drawing/2014/main" id="{53AF9FFA-49AD-4472-B85D-6ACC9C4B27DC}"/>
+              </a:ext>
+            </a:extLst>
+          </p:cNvPr>
           <p:cNvSpPr>
             <a:spLocks noGrp="1"/>
           </p:cNvSpPr>
@@ -545,44 +2189,49 @@
           <a:p>
             <a:pPr lvl="0"/>
             <a:r>
-              <a:rPr lang="ru-RU" smtClean="0"/>
+              <a:rPr lang="ru-RU"/>
               <a:t>Образец текста</a:t>
             </a:r>
           </a:p>
           <a:p>
             <a:pPr lvl="1"/>
             <a:r>
-              <a:rPr lang="ru-RU" smtClean="0"/>
+              <a:rPr lang="ru-RU"/>
               <a:t>Второй уровень</a:t>
             </a:r>
           </a:p>
           <a:p>
             <a:pPr lvl="2"/>
             <a:r>
-              <a:rPr lang="ru-RU" smtClean="0"/>
+              <a:rPr lang="ru-RU"/>
               <a:t>Третий уровень</a:t>
             </a:r>
           </a:p>
           <a:p>
             <a:pPr lvl="3"/>
             <a:r>
-              <a:rPr lang="ru-RU" smtClean="0"/>
+              <a:rPr lang="ru-RU"/>
               <a:t>Четвертый уровень</a:t>
             </a:r>
           </a:p>
           <a:p>
             <a:pPr lvl="4"/>
             <a:r>
-              <a:rPr lang="ru-RU" smtClean="0"/>
+              <a:rPr lang="ru-RU"/>
               <a:t>Пятый уровень</a:t>
             </a:r>
-            <a:endParaRPr lang="ru-RU"/>
-          </a:p>
-        </p:txBody>
-      </p:sp>
-      <p:sp>
-        <p:nvSpPr>
-          <p:cNvPr id="4" name="Дата 3"/>
+          </a:p>
+        </p:txBody>
+      </p:sp>
+      <p:sp>
+        <p:nvSpPr>
+          <p:cNvPr id="4" name="Дата 3">
+            <a:extLst>
+              <a:ext uri="{FF2B5EF4-FFF2-40B4-BE49-F238E27FC236}">
+                <a16:creationId xmlns:a16="http://schemas.microsoft.com/office/drawing/2014/main" id="{2EAE0885-5569-4FF3-8865-96B5AEB0CA0B}"/>
+              </a:ext>
+            </a:extLst>
+          </p:cNvPr>
           <p:cNvSpPr>
             <a:spLocks noGrp="1"/>
           </p:cNvSpPr>
@@ -595,9 +2244,9 @@
           <a:bodyPr/>
           <a:lstStyle/>
           <a:p>
-            <a:fld id="{FE00ED1C-3B6C-4F79-8362-7565E475EFDC}" type="datetimeFigureOut">
+            <a:fld id="{66F6873F-BC63-4C77-8C1F-6337C0BA4F5E}" type="datetimeFigureOut">
               <a:rPr lang="ru-RU" smtClean="0"/>
-              <a:t>24.11.2025</a:t>
+              <a:t>26.11.2025</a:t>
             </a:fld>
             <a:endParaRPr lang="ru-RU"/>
           </a:p>
@@ -605,7 +2254,13 @@
       </p:sp>
       <p:sp>
         <p:nvSpPr>
-          <p:cNvPr id="5" name="Нижний колонтитул 4"/>
+          <p:cNvPr id="5" name="Нижний колонтитул 4">
+            <a:extLst>
+              <a:ext uri="{FF2B5EF4-FFF2-40B4-BE49-F238E27FC236}">
+                <a16:creationId xmlns:a16="http://schemas.microsoft.com/office/drawing/2014/main" id="{2421D7BD-2437-400A-B0D7-8AFEDE158814}"/>
+              </a:ext>
+            </a:extLst>
+          </p:cNvPr>
           <p:cNvSpPr>
             <a:spLocks noGrp="1"/>
           </p:cNvSpPr>
@@ -624,7 +2279,13 @@
       </p:sp>
       <p:sp>
         <p:nvSpPr>
-          <p:cNvPr id="6" name="Номер слайда 5"/>
+          <p:cNvPr id="6" name="Номер слайда 5">
+            <a:extLst>
+              <a:ext uri="{FF2B5EF4-FFF2-40B4-BE49-F238E27FC236}">
+                <a16:creationId xmlns:a16="http://schemas.microsoft.com/office/drawing/2014/main" id="{C605A581-BC3B-448C-8E3E-BD317415A6D6}"/>
+              </a:ext>
+            </a:extLst>
+          </p:cNvPr>
           <p:cNvSpPr>
             <a:spLocks noGrp="1"/>
           </p:cNvSpPr>
@@ -637,7 +2298,7 @@
           <a:bodyPr/>
           <a:lstStyle/>
           <a:p>
-            <a:fld id="{85CF150C-D96E-47FE-8644-83569D9BBCDF}" type="slidenum">
+            <a:fld id="{A932D385-1C5C-4B8C-A1C5-1E6FA26AB176}" type="slidenum">
               <a:rPr lang="ru-RU" smtClean="0"/>
               <a:t>‹#›</a:t>
             </a:fld>
@@ -648,19 +2309,42 @@
     </p:spTree>
     <p:extLst>
       <p:ext uri="{BB962C8B-B14F-4D97-AF65-F5344CB8AC3E}">
-        <p14:creationId xmlns:p14="http://schemas.microsoft.com/office/powerpoint/2010/main" val="1815726293"/>
+        <p14:creationId xmlns:p14="http://schemas.microsoft.com/office/powerpoint/2010/main" val="1499407651"/>
       </p:ext>
     </p:extLst>
   </p:cSld>
   <p:clrMapOvr>
     <a:masterClrMapping/>
   </p:clrMapOvr>
+  <mc:AlternateContent xmlns:mc="http://schemas.openxmlformats.org/markup-compatibility/2006" xmlns:p14="http://schemas.microsoft.com/office/powerpoint/2010/main">
+    <mc:Choice Requires="p14">
+      <p:transition spd="med" p14:dur="700">
+        <p:fade/>
+      </p:transition>
+    </mc:Choice>
+    <mc:Fallback xmlns="">
+      <p:transition spd="med">
+        <p:fade/>
+      </p:transition>
+    </mc:Fallback>
+  </mc:AlternateContent>
 </p:sldLayout>
 </file>
 
 <file path=ppt/slideLayouts/slideLayout2.xml><?xml version="1.0" encoding="utf-8"?>
 <p:sldLayout xmlns:a="http://schemas.openxmlformats.org/drawingml/2006/main" xmlns:r="http://schemas.openxmlformats.org/officeDocument/2006/relationships" xmlns:p="http://schemas.openxmlformats.org/presentationml/2006/main" type="obj" preserve="1">
   <p:cSld name="Заголовок и объект">
+    <p:bg>
+      <p:bgPr>
+        <a:solidFill>
+          <a:schemeClr val="accent2">
+            <a:lumMod val="40000"/>
+            <a:lumOff val="60000"/>
+          </a:schemeClr>
+        </a:solidFill>
+        <a:effectLst/>
+      </p:bgPr>
+    </p:bg>
     <p:spTree>
       <p:nvGrpSpPr>
         <p:cNvPr id="1" name=""/>
@@ -677,7 +2361,13 @@
       </p:grpSpPr>
       <p:sp>
         <p:nvSpPr>
-          <p:cNvPr id="2" name="Заголовок 1"/>
+          <p:cNvPr id="2" name="Заголовок 1">
+            <a:extLst>
+              <a:ext uri="{FF2B5EF4-FFF2-40B4-BE49-F238E27FC236}">
+                <a16:creationId xmlns:a16="http://schemas.microsoft.com/office/drawing/2014/main" id="{577FFB97-38B4-42A7-80AE-69C69F7282D9}"/>
+              </a:ext>
+            </a:extLst>
+          </p:cNvPr>
           <p:cNvSpPr>
             <a:spLocks noGrp="1"/>
           </p:cNvSpPr>
@@ -688,86 +2378,170 @@
         <p:spPr/>
         <p:txBody>
           <a:bodyPr/>
-          <a:lstStyle/>
-          <a:p>
-            <a:r>
+          <a:lstStyle>
+            <a:lvl1pPr>
+              <a:defRPr>
+                <a:solidFill>
+                  <a:schemeClr val="tx1">
+                    <a:lumMod val="85000"/>
+                    <a:lumOff val="15000"/>
+                  </a:schemeClr>
+                </a:solidFill>
+              </a:defRPr>
+            </a:lvl1pPr>
+          </a:lstStyle>
+          <a:p>
+            <a:r>
+              <a:rPr lang="ru-RU"/>
+              <a:t>Образец заголовка</a:t>
+            </a:r>
+          </a:p>
+        </p:txBody>
+      </p:sp>
+      <p:sp>
+        <p:nvSpPr>
+          <p:cNvPr id="3" name="Объект 2">
+            <a:extLst>
+              <a:ext uri="{FF2B5EF4-FFF2-40B4-BE49-F238E27FC236}">
+                <a16:creationId xmlns:a16="http://schemas.microsoft.com/office/drawing/2014/main" id="{13230E6E-34A3-4404-8606-8589BD170677}"/>
+              </a:ext>
+            </a:extLst>
+          </p:cNvPr>
+          <p:cNvSpPr>
+            <a:spLocks noGrp="1"/>
+          </p:cNvSpPr>
+          <p:nvPr>
+            <p:ph idx="1"/>
+          </p:nvPr>
+        </p:nvSpPr>
+        <p:spPr/>
+        <p:txBody>
+          <a:bodyPr/>
+          <a:lstStyle>
+            <a:lvl1pPr>
+              <a:defRPr>
+                <a:solidFill>
+                  <a:schemeClr val="tx1">
+                    <a:lumMod val="85000"/>
+                    <a:lumOff val="15000"/>
+                  </a:schemeClr>
+                </a:solidFill>
+              </a:defRPr>
+            </a:lvl1pPr>
+            <a:lvl2pPr>
+              <a:defRPr>
+                <a:solidFill>
+                  <a:schemeClr val="tx1">
+                    <a:lumMod val="85000"/>
+                    <a:lumOff val="15000"/>
+                  </a:schemeClr>
+                </a:solidFill>
+              </a:defRPr>
+            </a:lvl2pPr>
+            <a:lvl3pPr>
+              <a:defRPr>
+                <a:solidFill>
+                  <a:schemeClr val="tx1">
+                    <a:lumMod val="85000"/>
+                    <a:lumOff val="15000"/>
+                  </a:schemeClr>
+                </a:solidFill>
+              </a:defRPr>
+            </a:lvl3pPr>
+            <a:lvl4pPr>
+              <a:defRPr>
+                <a:solidFill>
+                  <a:schemeClr val="tx1">
+                    <a:lumMod val="85000"/>
+                    <a:lumOff val="15000"/>
+                  </a:schemeClr>
+                </a:solidFill>
+              </a:defRPr>
+            </a:lvl4pPr>
+            <a:lvl5pPr>
+              <a:defRPr>
+                <a:solidFill>
+                  <a:schemeClr val="tx1">
+                    <a:lumMod val="85000"/>
+                    <a:lumOff val="15000"/>
+                  </a:schemeClr>
+                </a:solidFill>
+              </a:defRPr>
+            </a:lvl5pPr>
+          </a:lstStyle>
+          <a:p>
+            <a:pPr lvl="0"/>
+            <a:r>
+              <a:rPr lang="ru-RU"/>
+              <a:t>Образец текста</a:t>
+            </a:r>
+          </a:p>
+          <a:p>
+            <a:pPr lvl="1"/>
+            <a:r>
+              <a:rPr lang="ru-RU"/>
+              <a:t>Второй уровень</a:t>
+            </a:r>
+          </a:p>
+          <a:p>
+            <a:pPr lvl="2"/>
+            <a:r>
+              <a:rPr lang="ru-RU"/>
+              <a:t>Третий уровень</a:t>
+            </a:r>
+          </a:p>
+          <a:p>
+            <a:pPr lvl="3"/>
+            <a:r>
+              <a:rPr lang="ru-RU"/>
+              <a:t>Четвертый уровень</a:t>
+            </a:r>
+          </a:p>
+          <a:p>
+            <a:pPr lvl="4"/>
+            <a:r>
+              <a:rPr lang="ru-RU"/>
+              <a:t>Пятый уровень</a:t>
+            </a:r>
+          </a:p>
+        </p:txBody>
+      </p:sp>
+      <p:sp>
+        <p:nvSpPr>
+          <p:cNvPr id="4" name="Дата 3">
+            <a:extLst>
+              <a:ext uri="{FF2B5EF4-FFF2-40B4-BE49-F238E27FC236}">
+                <a16:creationId xmlns:a16="http://schemas.microsoft.com/office/drawing/2014/main" id="{4393BDCE-95F6-4EC6-A9C0-FF77CF83D1DF}"/>
+              </a:ext>
+            </a:extLst>
+          </p:cNvPr>
+          <p:cNvSpPr>
+            <a:spLocks noGrp="1"/>
+          </p:cNvSpPr>
+          <p:nvPr>
+            <p:ph type="dt" sz="half" idx="10"/>
+          </p:nvPr>
+        </p:nvSpPr>
+        <p:spPr/>
+        <p:txBody>
+          <a:bodyPr/>
+          <a:lstStyle>
+            <a:lvl1pPr>
+              <a:defRPr>
+                <a:solidFill>
+                  <a:schemeClr val="tx1">
+                    <a:lumMod val="85000"/>
+                    <a:lumOff val="15000"/>
+                  </a:schemeClr>
+                </a:solidFill>
+              </a:defRPr>
+            </a:lvl1pPr>
+          </a:lstStyle>
+          <a:p>
+            <a:fld id="{66F6873F-BC63-4C77-8C1F-6337C0BA4F5E}" type="datetimeFigureOut">
               <a:rPr lang="ru-RU" smtClean="0"/>
-              <a:t>Образец заголовка</a:t>
-            </a:r>
-            <a:endParaRPr lang="ru-RU"/>
-          </a:p>
-        </p:txBody>
-      </p:sp>
-      <p:sp>
-        <p:nvSpPr>
-          <p:cNvPr id="3" name="Объект 2"/>
-          <p:cNvSpPr>
-            <a:spLocks noGrp="1"/>
-          </p:cNvSpPr>
-          <p:nvPr>
-            <p:ph idx="1"/>
-          </p:nvPr>
-        </p:nvSpPr>
-        <p:spPr/>
-        <p:txBody>
-          <a:bodyPr/>
-          <a:lstStyle/>
-          <a:p>
-            <a:pPr lvl="0"/>
-            <a:r>
-              <a:rPr lang="ru-RU" smtClean="0"/>
-              <a:t>Образец текста</a:t>
-            </a:r>
-          </a:p>
-          <a:p>
-            <a:pPr lvl="1"/>
-            <a:r>
-              <a:rPr lang="ru-RU" smtClean="0"/>
-              <a:t>Второй уровень</a:t>
-            </a:r>
-          </a:p>
-          <a:p>
-            <a:pPr lvl="2"/>
-            <a:r>
-              <a:rPr lang="ru-RU" smtClean="0"/>
-              <a:t>Третий уровень</a:t>
-            </a:r>
-          </a:p>
-          <a:p>
-            <a:pPr lvl="3"/>
-            <a:r>
-              <a:rPr lang="ru-RU" smtClean="0"/>
-              <a:t>Четвертый уровень</a:t>
-            </a:r>
-          </a:p>
-          <a:p>
-            <a:pPr lvl="4"/>
-            <a:r>
-              <a:rPr lang="ru-RU" smtClean="0"/>
-              <a:t>Пятый уровень</a:t>
-            </a:r>
-            <a:endParaRPr lang="ru-RU"/>
-          </a:p>
-        </p:txBody>
-      </p:sp>
-      <p:sp>
-        <p:nvSpPr>
-          <p:cNvPr id="4" name="Дата 3"/>
-          <p:cNvSpPr>
-            <a:spLocks noGrp="1"/>
-          </p:cNvSpPr>
-          <p:nvPr>
-            <p:ph type="dt" sz="half" idx="10"/>
-          </p:nvPr>
-        </p:nvSpPr>
-        <p:spPr/>
-        <p:txBody>
-          <a:bodyPr/>
-          <a:lstStyle/>
-          <a:p>
-            <a:fld id="{FE00ED1C-3B6C-4F79-8362-7565E475EFDC}" type="datetimeFigureOut">
-              <a:rPr lang="ru-RU" smtClean="0"/>
-              <a:t>24.11.2025</a:t>
+              <a:pPr/>
+              <a:t>26.11.2025</a:t>
             </a:fld>
             <a:endParaRPr lang="ru-RU"/>
           </a:p>
@@ -775,7 +2549,13 @@
       </p:sp>
       <p:sp>
         <p:nvSpPr>
-          <p:cNvPr id="5" name="Нижний колонтитул 4"/>
+          <p:cNvPr id="5" name="Нижний колонтитул 4">
+            <a:extLst>
+              <a:ext uri="{FF2B5EF4-FFF2-40B4-BE49-F238E27FC236}">
+                <a16:creationId xmlns:a16="http://schemas.microsoft.com/office/drawing/2014/main" id="{4DAE2F2B-EDB8-4986-A685-68299F3740C1}"/>
+              </a:ext>
+            </a:extLst>
+          </p:cNvPr>
           <p:cNvSpPr>
             <a:spLocks noGrp="1"/>
           </p:cNvSpPr>
@@ -786,7 +2566,18 @@
         <p:spPr/>
         <p:txBody>
           <a:bodyPr/>
-          <a:lstStyle/>
+          <a:lstStyle>
+            <a:lvl1pPr>
+              <a:defRPr>
+                <a:solidFill>
+                  <a:schemeClr val="tx1">
+                    <a:lumMod val="85000"/>
+                    <a:lumOff val="15000"/>
+                  </a:schemeClr>
+                </a:solidFill>
+              </a:defRPr>
+            </a:lvl1pPr>
+          </a:lstStyle>
           <a:p>
             <a:endParaRPr lang="ru-RU"/>
           </a:p>
@@ -794,7 +2585,13 @@
       </p:sp>
       <p:sp>
         <p:nvSpPr>
-          <p:cNvPr id="6" name="Номер слайда 5"/>
+          <p:cNvPr id="6" name="Номер слайда 5">
+            <a:extLst>
+              <a:ext uri="{FF2B5EF4-FFF2-40B4-BE49-F238E27FC236}">
+                <a16:creationId xmlns:a16="http://schemas.microsoft.com/office/drawing/2014/main" id="{180DE953-C93F-4FA1-80E3-31B9BEC7AA6E}"/>
+              </a:ext>
+            </a:extLst>
+          </p:cNvPr>
           <p:cNvSpPr>
             <a:spLocks noGrp="1"/>
           </p:cNvSpPr>
@@ -805,30 +2602,1705 @@
         <p:spPr/>
         <p:txBody>
           <a:bodyPr/>
-          <a:lstStyle/>
-          <a:p>
-            <a:fld id="{85CF150C-D96E-47FE-8644-83569D9BBCDF}" type="slidenum">
+          <a:lstStyle>
+            <a:lvl1pPr>
+              <a:defRPr>
+                <a:solidFill>
+                  <a:schemeClr val="tx1">
+                    <a:lumMod val="85000"/>
+                    <a:lumOff val="15000"/>
+                  </a:schemeClr>
+                </a:solidFill>
+              </a:defRPr>
+            </a:lvl1pPr>
+          </a:lstStyle>
+          <a:p>
+            <a:fld id="{A932D385-1C5C-4B8C-A1C5-1E6FA26AB176}" type="slidenum">
               <a:rPr lang="ru-RU" smtClean="0"/>
+              <a:pPr/>
               <a:t>‹#›</a:t>
             </a:fld>
             <a:endParaRPr lang="ru-RU"/>
           </a:p>
         </p:txBody>
       </p:sp>
+      <p:sp>
+        <p:nvSpPr>
+          <p:cNvPr id="10" name="Овал 9">
+            <a:extLst>
+              <a:ext uri="{FF2B5EF4-FFF2-40B4-BE49-F238E27FC236}">
+                <a16:creationId xmlns:a16="http://schemas.microsoft.com/office/drawing/2014/main" id="{0CF4848C-182A-48DE-86CF-3C8368C3121A}"/>
+              </a:ext>
+            </a:extLst>
+          </p:cNvPr>
+          <p:cNvSpPr/>
+          <p:nvPr userDrawn="1"/>
+        </p:nvSpPr>
+        <p:spPr>
+          <a:xfrm>
+            <a:off x="10675699" y="5341699"/>
+            <a:ext cx="3032601" cy="3032601"/>
+          </a:xfrm>
+          <a:prstGeom prst="ellipse">
+            <a:avLst/>
+          </a:prstGeom>
+          <a:solidFill>
+            <a:schemeClr val="accent2">
+              <a:lumMod val="60000"/>
+              <a:lumOff val="40000"/>
+            </a:schemeClr>
+          </a:solidFill>
+          <a:ln>
+            <a:noFill/>
+          </a:ln>
+        </p:spPr>
+        <p:style>
+          <a:lnRef idx="2">
+            <a:schemeClr val="accent1">
+              <a:shade val="50000"/>
+            </a:schemeClr>
+          </a:lnRef>
+          <a:fillRef idx="1">
+            <a:schemeClr val="accent1"/>
+          </a:fillRef>
+          <a:effectRef idx="0">
+            <a:schemeClr val="accent1"/>
+          </a:effectRef>
+          <a:fontRef idx="minor">
+            <a:schemeClr val="lt1"/>
+          </a:fontRef>
+        </p:style>
+        <p:txBody>
+          <a:bodyPr rtlCol="0" anchor="ctr"/>
+          <a:lstStyle/>
+          <a:p>
+            <a:pPr algn="ctr"/>
+            <a:endParaRPr lang="ru-RU"/>
+          </a:p>
+        </p:txBody>
+      </p:sp>
     </p:spTree>
     <p:extLst>
       <p:ext uri="{BB962C8B-B14F-4D97-AF65-F5344CB8AC3E}">
-        <p14:creationId xmlns:p14="http://schemas.microsoft.com/office/powerpoint/2010/main" val="3764117502"/>
+        <p14:creationId xmlns:p14="http://schemas.microsoft.com/office/powerpoint/2010/main" val="4291592704"/>
       </p:ext>
     </p:extLst>
   </p:cSld>
   <p:clrMapOvr>
     <a:masterClrMapping/>
   </p:clrMapOvr>
+  <mc:AlternateContent xmlns:mc="http://schemas.openxmlformats.org/markup-compatibility/2006" xmlns:p14="http://schemas.microsoft.com/office/powerpoint/2010/main">
+    <mc:Choice Requires="p14">
+      <p:transition spd="med" p14:dur="700">
+        <p:fade/>
+      </p:transition>
+    </mc:Choice>
+    <mc:Fallback xmlns="">
+      <p:transition spd="med">
+        <p:fade/>
+      </p:transition>
+    </mc:Fallback>
+  </mc:AlternateContent>
 </p:sldLayout>
 </file>
 
 <file path=ppt/slideLayouts/slideLayout3.xml><?xml version="1.0" encoding="utf-8"?>
+<p:sldLayout xmlns:a="http://schemas.openxmlformats.org/drawingml/2006/main" xmlns:r="http://schemas.openxmlformats.org/officeDocument/2006/relationships" xmlns:p="http://schemas.openxmlformats.org/presentationml/2006/main" type="obj" preserve="1">
+  <p:cSld name="3_Заголовок и объект">
+    <p:bg>
+      <p:bgPr>
+        <a:solidFill>
+          <a:schemeClr val="accent2">
+            <a:lumMod val="40000"/>
+            <a:lumOff val="60000"/>
+          </a:schemeClr>
+        </a:solidFill>
+        <a:effectLst/>
+      </p:bgPr>
+    </p:bg>
+    <p:spTree>
+      <p:nvGrpSpPr>
+        <p:cNvPr id="1" name=""/>
+        <p:cNvGrpSpPr/>
+        <p:nvPr/>
+      </p:nvGrpSpPr>
+      <p:grpSpPr>
+        <a:xfrm>
+          <a:off x="0" y="0"/>
+          <a:ext cx="0" cy="0"/>
+          <a:chOff x="0" y="0"/>
+          <a:chExt cx="0" cy="0"/>
+        </a:xfrm>
+      </p:grpSpPr>
+      <p:sp>
+        <p:nvSpPr>
+          <p:cNvPr id="2" name="Заголовок 1">
+            <a:extLst>
+              <a:ext uri="{FF2B5EF4-FFF2-40B4-BE49-F238E27FC236}">
+                <a16:creationId xmlns:a16="http://schemas.microsoft.com/office/drawing/2014/main" id="{577FFB97-38B4-42A7-80AE-69C69F7282D9}"/>
+              </a:ext>
+            </a:extLst>
+          </p:cNvPr>
+          <p:cNvSpPr>
+            <a:spLocks noGrp="1"/>
+          </p:cNvSpPr>
+          <p:nvPr>
+            <p:ph type="title"/>
+          </p:nvPr>
+        </p:nvSpPr>
+        <p:spPr/>
+        <p:txBody>
+          <a:bodyPr/>
+          <a:lstStyle>
+            <a:lvl1pPr>
+              <a:defRPr>
+                <a:solidFill>
+                  <a:schemeClr val="tx1">
+                    <a:lumMod val="85000"/>
+                    <a:lumOff val="15000"/>
+                  </a:schemeClr>
+                </a:solidFill>
+              </a:defRPr>
+            </a:lvl1pPr>
+          </a:lstStyle>
+          <a:p>
+            <a:r>
+              <a:rPr lang="ru-RU"/>
+              <a:t>Образец заголовка</a:t>
+            </a:r>
+          </a:p>
+        </p:txBody>
+      </p:sp>
+      <p:sp>
+        <p:nvSpPr>
+          <p:cNvPr id="3" name="Объект 2">
+            <a:extLst>
+              <a:ext uri="{FF2B5EF4-FFF2-40B4-BE49-F238E27FC236}">
+                <a16:creationId xmlns:a16="http://schemas.microsoft.com/office/drawing/2014/main" id="{13230E6E-34A3-4404-8606-8589BD170677}"/>
+              </a:ext>
+            </a:extLst>
+          </p:cNvPr>
+          <p:cNvSpPr>
+            <a:spLocks noGrp="1"/>
+          </p:cNvSpPr>
+          <p:nvPr>
+            <p:ph idx="1"/>
+          </p:nvPr>
+        </p:nvSpPr>
+        <p:spPr/>
+        <p:txBody>
+          <a:bodyPr/>
+          <a:lstStyle>
+            <a:lvl1pPr>
+              <a:defRPr>
+                <a:solidFill>
+                  <a:schemeClr val="tx1">
+                    <a:lumMod val="85000"/>
+                    <a:lumOff val="15000"/>
+                  </a:schemeClr>
+                </a:solidFill>
+              </a:defRPr>
+            </a:lvl1pPr>
+            <a:lvl2pPr>
+              <a:defRPr>
+                <a:solidFill>
+                  <a:schemeClr val="tx1">
+                    <a:lumMod val="85000"/>
+                    <a:lumOff val="15000"/>
+                  </a:schemeClr>
+                </a:solidFill>
+              </a:defRPr>
+            </a:lvl2pPr>
+            <a:lvl3pPr>
+              <a:defRPr>
+                <a:solidFill>
+                  <a:schemeClr val="tx1">
+                    <a:lumMod val="85000"/>
+                    <a:lumOff val="15000"/>
+                  </a:schemeClr>
+                </a:solidFill>
+              </a:defRPr>
+            </a:lvl3pPr>
+            <a:lvl4pPr>
+              <a:defRPr>
+                <a:solidFill>
+                  <a:schemeClr val="tx1">
+                    <a:lumMod val="85000"/>
+                    <a:lumOff val="15000"/>
+                  </a:schemeClr>
+                </a:solidFill>
+              </a:defRPr>
+            </a:lvl4pPr>
+            <a:lvl5pPr>
+              <a:defRPr>
+                <a:solidFill>
+                  <a:schemeClr val="tx1">
+                    <a:lumMod val="85000"/>
+                    <a:lumOff val="15000"/>
+                  </a:schemeClr>
+                </a:solidFill>
+              </a:defRPr>
+            </a:lvl5pPr>
+          </a:lstStyle>
+          <a:p>
+            <a:pPr lvl="0"/>
+            <a:r>
+              <a:rPr lang="ru-RU"/>
+              <a:t>Образец текста</a:t>
+            </a:r>
+          </a:p>
+          <a:p>
+            <a:pPr lvl="1"/>
+            <a:r>
+              <a:rPr lang="ru-RU"/>
+              <a:t>Второй уровень</a:t>
+            </a:r>
+          </a:p>
+          <a:p>
+            <a:pPr lvl="2"/>
+            <a:r>
+              <a:rPr lang="ru-RU"/>
+              <a:t>Третий уровень</a:t>
+            </a:r>
+          </a:p>
+          <a:p>
+            <a:pPr lvl="3"/>
+            <a:r>
+              <a:rPr lang="ru-RU"/>
+              <a:t>Четвертый уровень</a:t>
+            </a:r>
+          </a:p>
+          <a:p>
+            <a:pPr lvl="4"/>
+            <a:r>
+              <a:rPr lang="ru-RU"/>
+              <a:t>Пятый уровень</a:t>
+            </a:r>
+          </a:p>
+        </p:txBody>
+      </p:sp>
+      <p:sp>
+        <p:nvSpPr>
+          <p:cNvPr id="4" name="Дата 3">
+            <a:extLst>
+              <a:ext uri="{FF2B5EF4-FFF2-40B4-BE49-F238E27FC236}">
+                <a16:creationId xmlns:a16="http://schemas.microsoft.com/office/drawing/2014/main" id="{4393BDCE-95F6-4EC6-A9C0-FF77CF83D1DF}"/>
+              </a:ext>
+            </a:extLst>
+          </p:cNvPr>
+          <p:cNvSpPr>
+            <a:spLocks noGrp="1"/>
+          </p:cNvSpPr>
+          <p:nvPr>
+            <p:ph type="dt" sz="half" idx="10"/>
+          </p:nvPr>
+        </p:nvSpPr>
+        <p:spPr/>
+        <p:txBody>
+          <a:bodyPr/>
+          <a:lstStyle>
+            <a:lvl1pPr>
+              <a:defRPr>
+                <a:solidFill>
+                  <a:schemeClr val="tx1">
+                    <a:lumMod val="85000"/>
+                    <a:lumOff val="15000"/>
+                  </a:schemeClr>
+                </a:solidFill>
+              </a:defRPr>
+            </a:lvl1pPr>
+          </a:lstStyle>
+          <a:p>
+            <a:fld id="{66F6873F-BC63-4C77-8C1F-6337C0BA4F5E}" type="datetimeFigureOut">
+              <a:rPr lang="ru-RU" smtClean="0"/>
+              <a:pPr/>
+              <a:t>26.11.2025</a:t>
+            </a:fld>
+            <a:endParaRPr lang="ru-RU"/>
+          </a:p>
+        </p:txBody>
+      </p:sp>
+      <p:sp>
+        <p:nvSpPr>
+          <p:cNvPr id="5" name="Нижний колонтитул 4">
+            <a:extLst>
+              <a:ext uri="{FF2B5EF4-FFF2-40B4-BE49-F238E27FC236}">
+                <a16:creationId xmlns:a16="http://schemas.microsoft.com/office/drawing/2014/main" id="{4DAE2F2B-EDB8-4986-A685-68299F3740C1}"/>
+              </a:ext>
+            </a:extLst>
+          </p:cNvPr>
+          <p:cNvSpPr>
+            <a:spLocks noGrp="1"/>
+          </p:cNvSpPr>
+          <p:nvPr>
+            <p:ph type="ftr" sz="quarter" idx="11"/>
+          </p:nvPr>
+        </p:nvSpPr>
+        <p:spPr/>
+        <p:txBody>
+          <a:bodyPr/>
+          <a:lstStyle>
+            <a:lvl1pPr>
+              <a:defRPr>
+                <a:solidFill>
+                  <a:schemeClr val="tx1">
+                    <a:lumMod val="85000"/>
+                    <a:lumOff val="15000"/>
+                  </a:schemeClr>
+                </a:solidFill>
+              </a:defRPr>
+            </a:lvl1pPr>
+          </a:lstStyle>
+          <a:p>
+            <a:endParaRPr lang="ru-RU"/>
+          </a:p>
+        </p:txBody>
+      </p:sp>
+      <p:sp>
+        <p:nvSpPr>
+          <p:cNvPr id="6" name="Номер слайда 5">
+            <a:extLst>
+              <a:ext uri="{FF2B5EF4-FFF2-40B4-BE49-F238E27FC236}">
+                <a16:creationId xmlns:a16="http://schemas.microsoft.com/office/drawing/2014/main" id="{180DE953-C93F-4FA1-80E3-31B9BEC7AA6E}"/>
+              </a:ext>
+            </a:extLst>
+          </p:cNvPr>
+          <p:cNvSpPr>
+            <a:spLocks noGrp="1"/>
+          </p:cNvSpPr>
+          <p:nvPr>
+            <p:ph type="sldNum" sz="quarter" idx="12"/>
+          </p:nvPr>
+        </p:nvSpPr>
+        <p:spPr/>
+        <p:txBody>
+          <a:bodyPr/>
+          <a:lstStyle>
+            <a:lvl1pPr>
+              <a:defRPr>
+                <a:solidFill>
+                  <a:schemeClr val="tx1">
+                    <a:lumMod val="85000"/>
+                    <a:lumOff val="15000"/>
+                  </a:schemeClr>
+                </a:solidFill>
+              </a:defRPr>
+            </a:lvl1pPr>
+          </a:lstStyle>
+          <a:p>
+            <a:fld id="{A932D385-1C5C-4B8C-A1C5-1E6FA26AB176}" type="slidenum">
+              <a:rPr lang="ru-RU" smtClean="0"/>
+              <a:pPr/>
+              <a:t>‹#›</a:t>
+            </a:fld>
+            <a:endParaRPr lang="ru-RU"/>
+          </a:p>
+        </p:txBody>
+      </p:sp>
+      <p:sp>
+        <p:nvSpPr>
+          <p:cNvPr id="11" name="Овал 10">
+            <a:extLst>
+              <a:ext uri="{FF2B5EF4-FFF2-40B4-BE49-F238E27FC236}">
+                <a16:creationId xmlns:a16="http://schemas.microsoft.com/office/drawing/2014/main" id="{B4ED40E4-D66C-4EAD-BA0C-819E90B5C1FE}"/>
+              </a:ext>
+            </a:extLst>
+          </p:cNvPr>
+          <p:cNvSpPr/>
+          <p:nvPr userDrawn="1"/>
+        </p:nvSpPr>
+        <p:spPr>
+          <a:xfrm>
+            <a:off x="-1516301" y="5341699"/>
+            <a:ext cx="3032601" cy="3032601"/>
+          </a:xfrm>
+          <a:prstGeom prst="ellipse">
+            <a:avLst/>
+          </a:prstGeom>
+          <a:solidFill>
+            <a:schemeClr val="accent2">
+              <a:lumMod val="60000"/>
+              <a:lumOff val="40000"/>
+            </a:schemeClr>
+          </a:solidFill>
+          <a:ln>
+            <a:noFill/>
+          </a:ln>
+        </p:spPr>
+        <p:style>
+          <a:lnRef idx="2">
+            <a:schemeClr val="accent1">
+              <a:shade val="50000"/>
+            </a:schemeClr>
+          </a:lnRef>
+          <a:fillRef idx="1">
+            <a:schemeClr val="accent1"/>
+          </a:fillRef>
+          <a:effectRef idx="0">
+            <a:schemeClr val="accent1"/>
+          </a:effectRef>
+          <a:fontRef idx="minor">
+            <a:schemeClr val="lt1"/>
+          </a:fontRef>
+        </p:style>
+        <p:txBody>
+          <a:bodyPr rtlCol="0" anchor="ctr"/>
+          <a:lstStyle/>
+          <a:p>
+            <a:pPr algn="ctr"/>
+            <a:endParaRPr lang="ru-RU"/>
+          </a:p>
+        </p:txBody>
+      </p:sp>
+    </p:spTree>
+    <p:extLst>
+      <p:ext uri="{BB962C8B-B14F-4D97-AF65-F5344CB8AC3E}">
+        <p14:creationId xmlns:p14="http://schemas.microsoft.com/office/powerpoint/2010/main" val="4111922380"/>
+      </p:ext>
+    </p:extLst>
+  </p:cSld>
+  <p:clrMapOvr>
+    <a:masterClrMapping/>
+  </p:clrMapOvr>
+  <mc:AlternateContent xmlns:mc="http://schemas.openxmlformats.org/markup-compatibility/2006" xmlns:p14="http://schemas.microsoft.com/office/powerpoint/2010/main">
+    <mc:Choice Requires="p14">
+      <p:transition spd="med" p14:dur="700">
+        <p:fade/>
+      </p:transition>
+    </mc:Choice>
+    <mc:Fallback xmlns="">
+      <p:transition spd="med">
+        <p:fade/>
+      </p:transition>
+    </mc:Fallback>
+  </mc:AlternateContent>
+</p:sldLayout>
+</file>
+
+<file path=ppt/slideLayouts/slideLayout4.xml><?xml version="1.0" encoding="utf-8"?>
+<p:sldLayout xmlns:a="http://schemas.openxmlformats.org/drawingml/2006/main" xmlns:r="http://schemas.openxmlformats.org/officeDocument/2006/relationships" xmlns:p="http://schemas.openxmlformats.org/presentationml/2006/main" preserve="1" userDrawn="1">
+  <p:cSld name="1_Заголовок и объект">
+    <p:bg>
+      <p:bgPr>
+        <a:solidFill>
+          <a:schemeClr val="accent2">
+            <a:lumMod val="40000"/>
+            <a:lumOff val="60000"/>
+          </a:schemeClr>
+        </a:solidFill>
+        <a:effectLst/>
+      </p:bgPr>
+    </p:bg>
+    <p:spTree>
+      <p:nvGrpSpPr>
+        <p:cNvPr id="1" name=""/>
+        <p:cNvGrpSpPr/>
+        <p:nvPr/>
+      </p:nvGrpSpPr>
+      <p:grpSpPr>
+        <a:xfrm>
+          <a:off x="0" y="0"/>
+          <a:ext cx="0" cy="0"/>
+          <a:chOff x="0" y="0"/>
+          <a:chExt cx="0" cy="0"/>
+        </a:xfrm>
+      </p:grpSpPr>
+      <p:sp>
+        <p:nvSpPr>
+          <p:cNvPr id="2" name="Заголовок 1">
+            <a:extLst>
+              <a:ext uri="{FF2B5EF4-FFF2-40B4-BE49-F238E27FC236}">
+                <a16:creationId xmlns:a16="http://schemas.microsoft.com/office/drawing/2014/main" id="{577FFB97-38B4-42A7-80AE-69C69F7282D9}"/>
+              </a:ext>
+            </a:extLst>
+          </p:cNvPr>
+          <p:cNvSpPr>
+            <a:spLocks noGrp="1"/>
+          </p:cNvSpPr>
+          <p:nvPr>
+            <p:ph type="title"/>
+          </p:nvPr>
+        </p:nvSpPr>
+        <p:spPr/>
+        <p:txBody>
+          <a:bodyPr/>
+          <a:lstStyle>
+            <a:lvl1pPr>
+              <a:defRPr>
+                <a:solidFill>
+                  <a:schemeClr val="tx1">
+                    <a:lumMod val="85000"/>
+                    <a:lumOff val="15000"/>
+                  </a:schemeClr>
+                </a:solidFill>
+              </a:defRPr>
+            </a:lvl1pPr>
+          </a:lstStyle>
+          <a:p>
+            <a:r>
+              <a:rPr lang="ru-RU"/>
+              <a:t>Образец заголовка</a:t>
+            </a:r>
+          </a:p>
+        </p:txBody>
+      </p:sp>
+      <p:sp>
+        <p:nvSpPr>
+          <p:cNvPr id="3" name="Объект 2">
+            <a:extLst>
+              <a:ext uri="{FF2B5EF4-FFF2-40B4-BE49-F238E27FC236}">
+                <a16:creationId xmlns:a16="http://schemas.microsoft.com/office/drawing/2014/main" id="{13230E6E-34A3-4404-8606-8589BD170677}"/>
+              </a:ext>
+            </a:extLst>
+          </p:cNvPr>
+          <p:cNvSpPr>
+            <a:spLocks noGrp="1"/>
+          </p:cNvSpPr>
+          <p:nvPr>
+            <p:ph idx="1" hasCustomPrompt="1"/>
+          </p:nvPr>
+        </p:nvSpPr>
+        <p:spPr>
+          <a:xfrm>
+            <a:off x="1354238" y="1825625"/>
+            <a:ext cx="7870785" cy="555150"/>
+          </a:xfrm>
+        </p:spPr>
+        <p:txBody>
+          <a:bodyPr/>
+          <a:lstStyle>
+            <a:lvl1pPr marL="0" indent="0">
+              <a:buNone/>
+              <a:defRPr>
+                <a:solidFill>
+                  <a:schemeClr val="tx1">
+                    <a:lumMod val="85000"/>
+                    <a:lumOff val="15000"/>
+                  </a:schemeClr>
+                </a:solidFill>
+              </a:defRPr>
+            </a:lvl1pPr>
+            <a:lvl2pPr>
+              <a:defRPr>
+                <a:solidFill>
+                  <a:schemeClr val="accent1"/>
+                </a:solidFill>
+              </a:defRPr>
+            </a:lvl2pPr>
+            <a:lvl3pPr>
+              <a:defRPr>
+                <a:solidFill>
+                  <a:schemeClr val="accent1"/>
+                </a:solidFill>
+              </a:defRPr>
+            </a:lvl3pPr>
+            <a:lvl4pPr>
+              <a:defRPr>
+                <a:solidFill>
+                  <a:schemeClr val="accent1"/>
+                </a:solidFill>
+              </a:defRPr>
+            </a:lvl4pPr>
+            <a:lvl5pPr>
+              <a:defRPr>
+                <a:solidFill>
+                  <a:schemeClr val="accent1"/>
+                </a:solidFill>
+              </a:defRPr>
+            </a:lvl5pPr>
+          </a:lstStyle>
+          <a:p>
+            <a:pPr lvl="0"/>
+            <a:r>
+              <a:rPr lang="ru-RU" dirty="0"/>
+              <a:t>Заголовок</a:t>
+            </a:r>
+          </a:p>
+        </p:txBody>
+      </p:sp>
+      <p:sp>
+        <p:nvSpPr>
+          <p:cNvPr id="4" name="Дата 3">
+            <a:extLst>
+              <a:ext uri="{FF2B5EF4-FFF2-40B4-BE49-F238E27FC236}">
+                <a16:creationId xmlns:a16="http://schemas.microsoft.com/office/drawing/2014/main" id="{4393BDCE-95F6-4EC6-A9C0-FF77CF83D1DF}"/>
+              </a:ext>
+            </a:extLst>
+          </p:cNvPr>
+          <p:cNvSpPr>
+            <a:spLocks noGrp="1"/>
+          </p:cNvSpPr>
+          <p:nvPr>
+            <p:ph type="dt" sz="half" idx="10"/>
+          </p:nvPr>
+        </p:nvSpPr>
+        <p:spPr/>
+        <p:txBody>
+          <a:bodyPr/>
+          <a:lstStyle>
+            <a:lvl1pPr>
+              <a:defRPr>
+                <a:solidFill>
+                  <a:schemeClr val="tx1">
+                    <a:lumMod val="85000"/>
+                    <a:lumOff val="15000"/>
+                  </a:schemeClr>
+                </a:solidFill>
+              </a:defRPr>
+            </a:lvl1pPr>
+          </a:lstStyle>
+          <a:p>
+            <a:fld id="{66F6873F-BC63-4C77-8C1F-6337C0BA4F5E}" type="datetimeFigureOut">
+              <a:rPr lang="ru-RU" smtClean="0"/>
+              <a:pPr/>
+              <a:t>26.11.2025</a:t>
+            </a:fld>
+            <a:endParaRPr lang="ru-RU"/>
+          </a:p>
+        </p:txBody>
+      </p:sp>
+      <p:sp>
+        <p:nvSpPr>
+          <p:cNvPr id="5" name="Нижний колонтитул 4">
+            <a:extLst>
+              <a:ext uri="{FF2B5EF4-FFF2-40B4-BE49-F238E27FC236}">
+                <a16:creationId xmlns:a16="http://schemas.microsoft.com/office/drawing/2014/main" id="{4DAE2F2B-EDB8-4986-A685-68299F3740C1}"/>
+              </a:ext>
+            </a:extLst>
+          </p:cNvPr>
+          <p:cNvSpPr>
+            <a:spLocks noGrp="1"/>
+          </p:cNvSpPr>
+          <p:nvPr>
+            <p:ph type="ftr" sz="quarter" idx="11"/>
+          </p:nvPr>
+        </p:nvSpPr>
+        <p:spPr/>
+        <p:txBody>
+          <a:bodyPr/>
+          <a:lstStyle>
+            <a:lvl1pPr>
+              <a:defRPr>
+                <a:solidFill>
+                  <a:schemeClr val="tx1">
+                    <a:lumMod val="85000"/>
+                    <a:lumOff val="15000"/>
+                  </a:schemeClr>
+                </a:solidFill>
+              </a:defRPr>
+            </a:lvl1pPr>
+          </a:lstStyle>
+          <a:p>
+            <a:endParaRPr lang="ru-RU"/>
+          </a:p>
+        </p:txBody>
+      </p:sp>
+      <p:sp>
+        <p:nvSpPr>
+          <p:cNvPr id="6" name="Номер слайда 5">
+            <a:extLst>
+              <a:ext uri="{FF2B5EF4-FFF2-40B4-BE49-F238E27FC236}">
+                <a16:creationId xmlns:a16="http://schemas.microsoft.com/office/drawing/2014/main" id="{180DE953-C93F-4FA1-80E3-31B9BEC7AA6E}"/>
+              </a:ext>
+            </a:extLst>
+          </p:cNvPr>
+          <p:cNvSpPr>
+            <a:spLocks noGrp="1"/>
+          </p:cNvSpPr>
+          <p:nvPr>
+            <p:ph type="sldNum" sz="quarter" idx="12"/>
+          </p:nvPr>
+        </p:nvSpPr>
+        <p:spPr/>
+        <p:txBody>
+          <a:bodyPr/>
+          <a:lstStyle>
+            <a:lvl1pPr>
+              <a:defRPr>
+                <a:solidFill>
+                  <a:schemeClr val="tx1">
+                    <a:lumMod val="85000"/>
+                    <a:lumOff val="15000"/>
+                  </a:schemeClr>
+                </a:solidFill>
+              </a:defRPr>
+            </a:lvl1pPr>
+          </a:lstStyle>
+          <a:p>
+            <a:fld id="{A932D385-1C5C-4B8C-A1C5-1E6FA26AB176}" type="slidenum">
+              <a:rPr lang="ru-RU" smtClean="0"/>
+              <a:pPr/>
+              <a:t>‹#›</a:t>
+            </a:fld>
+            <a:endParaRPr lang="ru-RU"/>
+          </a:p>
+        </p:txBody>
+      </p:sp>
+      <p:sp>
+        <p:nvSpPr>
+          <p:cNvPr id="9" name="Объект 2">
+            <a:extLst>
+              <a:ext uri="{FF2B5EF4-FFF2-40B4-BE49-F238E27FC236}">
+                <a16:creationId xmlns:a16="http://schemas.microsoft.com/office/drawing/2014/main" id="{1B639A41-DCFC-4CBD-95A9-00918D1E0C5A}"/>
+              </a:ext>
+            </a:extLst>
+          </p:cNvPr>
+          <p:cNvSpPr>
+            <a:spLocks noGrp="1"/>
+          </p:cNvSpPr>
+          <p:nvPr>
+            <p:ph idx="13" hasCustomPrompt="1"/>
+          </p:nvPr>
+        </p:nvSpPr>
+        <p:spPr>
+          <a:xfrm>
+            <a:off x="1354237" y="2515712"/>
+            <a:ext cx="7870785" cy="555150"/>
+          </a:xfrm>
+        </p:spPr>
+        <p:txBody>
+          <a:bodyPr>
+            <a:normAutofit/>
+          </a:bodyPr>
+          <a:lstStyle>
+            <a:lvl1pPr marL="0" indent="0">
+              <a:buNone/>
+              <a:defRPr sz="2000">
+                <a:solidFill>
+                  <a:schemeClr val="tx1">
+                    <a:lumMod val="85000"/>
+                    <a:lumOff val="15000"/>
+                  </a:schemeClr>
+                </a:solidFill>
+              </a:defRPr>
+            </a:lvl1pPr>
+            <a:lvl2pPr>
+              <a:defRPr>
+                <a:solidFill>
+                  <a:schemeClr val="accent1"/>
+                </a:solidFill>
+              </a:defRPr>
+            </a:lvl2pPr>
+            <a:lvl3pPr>
+              <a:defRPr>
+                <a:solidFill>
+                  <a:schemeClr val="accent1"/>
+                </a:solidFill>
+              </a:defRPr>
+            </a:lvl3pPr>
+            <a:lvl4pPr>
+              <a:defRPr>
+                <a:solidFill>
+                  <a:schemeClr val="accent1"/>
+                </a:solidFill>
+              </a:defRPr>
+            </a:lvl4pPr>
+            <a:lvl5pPr>
+              <a:defRPr>
+                <a:solidFill>
+                  <a:schemeClr val="accent1"/>
+                </a:solidFill>
+              </a:defRPr>
+            </a:lvl5pPr>
+          </a:lstStyle>
+          <a:p>
+            <a:pPr lvl="0"/>
+            <a:r>
+              <a:rPr lang="ru-RU" dirty="0"/>
+              <a:t>Описание</a:t>
+            </a:r>
+          </a:p>
+        </p:txBody>
+      </p:sp>
+      <p:sp>
+        <p:nvSpPr>
+          <p:cNvPr id="12" name="Объект 2">
+            <a:extLst>
+              <a:ext uri="{FF2B5EF4-FFF2-40B4-BE49-F238E27FC236}">
+                <a16:creationId xmlns:a16="http://schemas.microsoft.com/office/drawing/2014/main" id="{2E6A01D8-B25F-4969-9EEE-02D403937381}"/>
+              </a:ext>
+            </a:extLst>
+          </p:cNvPr>
+          <p:cNvSpPr>
+            <a:spLocks noGrp="1"/>
+          </p:cNvSpPr>
+          <p:nvPr>
+            <p:ph idx="14" hasCustomPrompt="1"/>
+          </p:nvPr>
+        </p:nvSpPr>
+        <p:spPr>
+          <a:xfrm>
+            <a:off x="1339448" y="3400900"/>
+            <a:ext cx="7870785" cy="555150"/>
+          </a:xfrm>
+        </p:spPr>
+        <p:txBody>
+          <a:bodyPr/>
+          <a:lstStyle>
+            <a:lvl1pPr marL="0" indent="0">
+              <a:buNone/>
+              <a:defRPr>
+                <a:solidFill>
+                  <a:schemeClr val="tx1">
+                    <a:lumMod val="85000"/>
+                    <a:lumOff val="15000"/>
+                  </a:schemeClr>
+                </a:solidFill>
+              </a:defRPr>
+            </a:lvl1pPr>
+            <a:lvl2pPr>
+              <a:defRPr>
+                <a:solidFill>
+                  <a:schemeClr val="accent1"/>
+                </a:solidFill>
+              </a:defRPr>
+            </a:lvl2pPr>
+            <a:lvl3pPr>
+              <a:defRPr>
+                <a:solidFill>
+                  <a:schemeClr val="accent1"/>
+                </a:solidFill>
+              </a:defRPr>
+            </a:lvl3pPr>
+            <a:lvl4pPr>
+              <a:defRPr>
+                <a:solidFill>
+                  <a:schemeClr val="accent1"/>
+                </a:solidFill>
+              </a:defRPr>
+            </a:lvl4pPr>
+            <a:lvl5pPr>
+              <a:defRPr>
+                <a:solidFill>
+                  <a:schemeClr val="accent1"/>
+                </a:solidFill>
+              </a:defRPr>
+            </a:lvl5pPr>
+          </a:lstStyle>
+          <a:p>
+            <a:pPr lvl="0"/>
+            <a:r>
+              <a:rPr lang="ru-RU" dirty="0"/>
+              <a:t>Заголовок</a:t>
+            </a:r>
+          </a:p>
+        </p:txBody>
+      </p:sp>
+      <p:sp>
+        <p:nvSpPr>
+          <p:cNvPr id="13" name="Объект 2">
+            <a:extLst>
+              <a:ext uri="{FF2B5EF4-FFF2-40B4-BE49-F238E27FC236}">
+                <a16:creationId xmlns:a16="http://schemas.microsoft.com/office/drawing/2014/main" id="{EB1E053F-9E78-4E0C-A2B0-31B557FA902C}"/>
+              </a:ext>
+            </a:extLst>
+          </p:cNvPr>
+          <p:cNvSpPr>
+            <a:spLocks noGrp="1"/>
+          </p:cNvSpPr>
+          <p:nvPr>
+            <p:ph idx="15" hasCustomPrompt="1"/>
+          </p:nvPr>
+        </p:nvSpPr>
+        <p:spPr>
+          <a:xfrm>
+            <a:off x="1339447" y="4090987"/>
+            <a:ext cx="7870785" cy="555150"/>
+          </a:xfrm>
+        </p:spPr>
+        <p:txBody>
+          <a:bodyPr>
+            <a:normAutofit/>
+          </a:bodyPr>
+          <a:lstStyle>
+            <a:lvl1pPr marL="0" indent="0">
+              <a:buNone/>
+              <a:defRPr sz="2000">
+                <a:solidFill>
+                  <a:schemeClr val="tx1">
+                    <a:lumMod val="85000"/>
+                    <a:lumOff val="15000"/>
+                  </a:schemeClr>
+                </a:solidFill>
+              </a:defRPr>
+            </a:lvl1pPr>
+            <a:lvl2pPr>
+              <a:defRPr>
+                <a:solidFill>
+                  <a:schemeClr val="accent1"/>
+                </a:solidFill>
+              </a:defRPr>
+            </a:lvl2pPr>
+            <a:lvl3pPr>
+              <a:defRPr>
+                <a:solidFill>
+                  <a:schemeClr val="accent1"/>
+                </a:solidFill>
+              </a:defRPr>
+            </a:lvl3pPr>
+            <a:lvl4pPr>
+              <a:defRPr>
+                <a:solidFill>
+                  <a:schemeClr val="accent1"/>
+                </a:solidFill>
+              </a:defRPr>
+            </a:lvl4pPr>
+            <a:lvl5pPr>
+              <a:defRPr>
+                <a:solidFill>
+                  <a:schemeClr val="accent1"/>
+                </a:solidFill>
+              </a:defRPr>
+            </a:lvl5pPr>
+          </a:lstStyle>
+          <a:p>
+            <a:pPr lvl="0"/>
+            <a:r>
+              <a:rPr lang="ru-RU" dirty="0"/>
+              <a:t>Описание</a:t>
+            </a:r>
+          </a:p>
+        </p:txBody>
+      </p:sp>
+      <p:sp>
+        <p:nvSpPr>
+          <p:cNvPr id="15" name="Объект 2">
+            <a:extLst>
+              <a:ext uri="{FF2B5EF4-FFF2-40B4-BE49-F238E27FC236}">
+                <a16:creationId xmlns:a16="http://schemas.microsoft.com/office/drawing/2014/main" id="{7B877FE1-D2EF-4E9F-AC08-DACA8D5147E5}"/>
+              </a:ext>
+            </a:extLst>
+          </p:cNvPr>
+          <p:cNvSpPr>
+            <a:spLocks noGrp="1"/>
+          </p:cNvSpPr>
+          <p:nvPr>
+            <p:ph idx="16" hasCustomPrompt="1"/>
+          </p:nvPr>
+        </p:nvSpPr>
+        <p:spPr>
+          <a:xfrm>
+            <a:off x="1331088" y="4916011"/>
+            <a:ext cx="7870785" cy="555150"/>
+          </a:xfrm>
+        </p:spPr>
+        <p:txBody>
+          <a:bodyPr/>
+          <a:lstStyle>
+            <a:lvl1pPr marL="0" indent="0">
+              <a:buNone/>
+              <a:defRPr>
+                <a:solidFill>
+                  <a:schemeClr val="tx1">
+                    <a:lumMod val="85000"/>
+                    <a:lumOff val="15000"/>
+                  </a:schemeClr>
+                </a:solidFill>
+              </a:defRPr>
+            </a:lvl1pPr>
+            <a:lvl2pPr>
+              <a:defRPr>
+                <a:solidFill>
+                  <a:schemeClr val="accent1"/>
+                </a:solidFill>
+              </a:defRPr>
+            </a:lvl2pPr>
+            <a:lvl3pPr>
+              <a:defRPr>
+                <a:solidFill>
+                  <a:schemeClr val="accent1"/>
+                </a:solidFill>
+              </a:defRPr>
+            </a:lvl3pPr>
+            <a:lvl4pPr>
+              <a:defRPr>
+                <a:solidFill>
+                  <a:schemeClr val="accent1"/>
+                </a:solidFill>
+              </a:defRPr>
+            </a:lvl4pPr>
+            <a:lvl5pPr>
+              <a:defRPr>
+                <a:solidFill>
+                  <a:schemeClr val="accent1"/>
+                </a:solidFill>
+              </a:defRPr>
+            </a:lvl5pPr>
+          </a:lstStyle>
+          <a:p>
+            <a:pPr lvl="0"/>
+            <a:r>
+              <a:rPr lang="ru-RU" dirty="0"/>
+              <a:t>Заголовок</a:t>
+            </a:r>
+          </a:p>
+        </p:txBody>
+      </p:sp>
+      <p:sp>
+        <p:nvSpPr>
+          <p:cNvPr id="16" name="Объект 2">
+            <a:extLst>
+              <a:ext uri="{FF2B5EF4-FFF2-40B4-BE49-F238E27FC236}">
+                <a16:creationId xmlns:a16="http://schemas.microsoft.com/office/drawing/2014/main" id="{78790F4C-C0C7-494A-ACE0-B312EAD20E82}"/>
+              </a:ext>
+            </a:extLst>
+          </p:cNvPr>
+          <p:cNvSpPr>
+            <a:spLocks noGrp="1"/>
+          </p:cNvSpPr>
+          <p:nvPr>
+            <p:ph idx="17" hasCustomPrompt="1"/>
+          </p:nvPr>
+        </p:nvSpPr>
+        <p:spPr>
+          <a:xfrm>
+            <a:off x="1331087" y="5606098"/>
+            <a:ext cx="7870785" cy="555150"/>
+          </a:xfrm>
+        </p:spPr>
+        <p:txBody>
+          <a:bodyPr>
+            <a:normAutofit/>
+          </a:bodyPr>
+          <a:lstStyle>
+            <a:lvl1pPr marL="0" indent="0">
+              <a:buNone/>
+              <a:defRPr sz="2000">
+                <a:solidFill>
+                  <a:schemeClr val="tx1">
+                    <a:lumMod val="85000"/>
+                    <a:lumOff val="15000"/>
+                  </a:schemeClr>
+                </a:solidFill>
+              </a:defRPr>
+            </a:lvl1pPr>
+            <a:lvl2pPr>
+              <a:defRPr>
+                <a:solidFill>
+                  <a:schemeClr val="accent1"/>
+                </a:solidFill>
+              </a:defRPr>
+            </a:lvl2pPr>
+            <a:lvl3pPr>
+              <a:defRPr>
+                <a:solidFill>
+                  <a:schemeClr val="accent1"/>
+                </a:solidFill>
+              </a:defRPr>
+            </a:lvl3pPr>
+            <a:lvl4pPr>
+              <a:defRPr>
+                <a:solidFill>
+                  <a:schemeClr val="accent1"/>
+                </a:solidFill>
+              </a:defRPr>
+            </a:lvl4pPr>
+            <a:lvl5pPr>
+              <a:defRPr>
+                <a:solidFill>
+                  <a:schemeClr val="accent1"/>
+                </a:solidFill>
+              </a:defRPr>
+            </a:lvl5pPr>
+          </a:lstStyle>
+          <a:p>
+            <a:pPr lvl="0"/>
+            <a:r>
+              <a:rPr lang="ru-RU" dirty="0"/>
+              <a:t>Описание</a:t>
+            </a:r>
+          </a:p>
+        </p:txBody>
+      </p:sp>
+      <p:sp>
+        <p:nvSpPr>
+          <p:cNvPr id="17" name="Овал 16">
+            <a:extLst>
+              <a:ext uri="{FF2B5EF4-FFF2-40B4-BE49-F238E27FC236}">
+                <a16:creationId xmlns:a16="http://schemas.microsoft.com/office/drawing/2014/main" id="{FE8DB97C-8AB8-4590-BE44-515D12A9C284}"/>
+              </a:ext>
+            </a:extLst>
+          </p:cNvPr>
+          <p:cNvSpPr/>
+          <p:nvPr userDrawn="1"/>
+        </p:nvSpPr>
+        <p:spPr>
+          <a:xfrm>
+            <a:off x="9982200" y="692767"/>
+            <a:ext cx="5472466" cy="5472466"/>
+          </a:xfrm>
+          <a:prstGeom prst="ellipse">
+            <a:avLst/>
+          </a:prstGeom>
+          <a:solidFill>
+            <a:schemeClr val="accent2">
+              <a:lumMod val="60000"/>
+              <a:lumOff val="40000"/>
+            </a:schemeClr>
+          </a:solidFill>
+          <a:ln>
+            <a:noFill/>
+          </a:ln>
+        </p:spPr>
+        <p:style>
+          <a:lnRef idx="2">
+            <a:schemeClr val="accent1">
+              <a:shade val="50000"/>
+            </a:schemeClr>
+          </a:lnRef>
+          <a:fillRef idx="1">
+            <a:schemeClr val="accent1"/>
+          </a:fillRef>
+          <a:effectRef idx="0">
+            <a:schemeClr val="accent1"/>
+          </a:effectRef>
+          <a:fontRef idx="minor">
+            <a:schemeClr val="lt1"/>
+          </a:fontRef>
+        </p:style>
+        <p:txBody>
+          <a:bodyPr rtlCol="0" anchor="ctr"/>
+          <a:lstStyle/>
+          <a:p>
+            <a:pPr algn="ctr"/>
+            <a:endParaRPr lang="ru-RU">
+              <a:solidFill>
+                <a:schemeClr val="tx1">
+                  <a:lumMod val="85000"/>
+                  <a:lumOff val="15000"/>
+                </a:schemeClr>
+              </a:solidFill>
+            </a:endParaRPr>
+          </a:p>
+        </p:txBody>
+      </p:sp>
+      <p:sp>
+        <p:nvSpPr>
+          <p:cNvPr id="19" name="Овал 18">
+            <a:extLst>
+              <a:ext uri="{FF2B5EF4-FFF2-40B4-BE49-F238E27FC236}">
+                <a16:creationId xmlns:a16="http://schemas.microsoft.com/office/drawing/2014/main" id="{CEAAC75B-6063-4FE0-9C28-0FF49AF84253}"/>
+              </a:ext>
+            </a:extLst>
+          </p:cNvPr>
+          <p:cNvSpPr/>
+          <p:nvPr userDrawn="1"/>
+        </p:nvSpPr>
+        <p:spPr>
+          <a:xfrm>
+            <a:off x="838200" y="1967316"/>
+            <a:ext cx="385652" cy="385652"/>
+          </a:xfrm>
+          <a:prstGeom prst="ellipse">
+            <a:avLst/>
+          </a:prstGeom>
+          <a:solidFill>
+            <a:schemeClr val="accent2">
+              <a:lumMod val="75000"/>
+            </a:schemeClr>
+          </a:solidFill>
+          <a:ln>
+            <a:noFill/>
+          </a:ln>
+        </p:spPr>
+        <p:style>
+          <a:lnRef idx="2">
+            <a:schemeClr val="accent1">
+              <a:shade val="50000"/>
+            </a:schemeClr>
+          </a:lnRef>
+          <a:fillRef idx="1">
+            <a:schemeClr val="accent1"/>
+          </a:fillRef>
+          <a:effectRef idx="0">
+            <a:schemeClr val="accent1"/>
+          </a:effectRef>
+          <a:fontRef idx="minor">
+            <a:schemeClr val="lt1"/>
+          </a:fontRef>
+        </p:style>
+        <p:txBody>
+          <a:bodyPr rtlCol="0" anchor="ctr"/>
+          <a:lstStyle/>
+          <a:p>
+            <a:pPr algn="ctr"/>
+            <a:endParaRPr lang="ru-RU" dirty="0">
+              <a:solidFill>
+                <a:schemeClr val="tx1">
+                  <a:lumMod val="85000"/>
+                  <a:lumOff val="15000"/>
+                </a:schemeClr>
+              </a:solidFill>
+            </a:endParaRPr>
+          </a:p>
+        </p:txBody>
+      </p:sp>
+      <p:sp>
+        <p:nvSpPr>
+          <p:cNvPr id="24" name="Овал 23">
+            <a:extLst>
+              <a:ext uri="{FF2B5EF4-FFF2-40B4-BE49-F238E27FC236}">
+                <a16:creationId xmlns:a16="http://schemas.microsoft.com/office/drawing/2014/main" id="{AA56E5AB-08C2-4F64-BE29-48394A6AF994}"/>
+              </a:ext>
+            </a:extLst>
+          </p:cNvPr>
+          <p:cNvSpPr/>
+          <p:nvPr userDrawn="1"/>
+        </p:nvSpPr>
+        <p:spPr>
+          <a:xfrm>
+            <a:off x="838200" y="3485649"/>
+            <a:ext cx="385652" cy="385652"/>
+          </a:xfrm>
+          <a:prstGeom prst="ellipse">
+            <a:avLst/>
+          </a:prstGeom>
+          <a:solidFill>
+            <a:schemeClr val="accent2">
+              <a:lumMod val="75000"/>
+            </a:schemeClr>
+          </a:solidFill>
+          <a:ln>
+            <a:noFill/>
+          </a:ln>
+        </p:spPr>
+        <p:style>
+          <a:lnRef idx="2">
+            <a:schemeClr val="accent1">
+              <a:shade val="50000"/>
+            </a:schemeClr>
+          </a:lnRef>
+          <a:fillRef idx="1">
+            <a:schemeClr val="accent1"/>
+          </a:fillRef>
+          <a:effectRef idx="0">
+            <a:schemeClr val="accent1"/>
+          </a:effectRef>
+          <a:fontRef idx="minor">
+            <a:schemeClr val="lt1"/>
+          </a:fontRef>
+        </p:style>
+        <p:txBody>
+          <a:bodyPr rtlCol="0" anchor="ctr"/>
+          <a:lstStyle/>
+          <a:p>
+            <a:pPr algn="ctr"/>
+            <a:endParaRPr lang="ru-RU" dirty="0">
+              <a:solidFill>
+                <a:schemeClr val="tx1">
+                  <a:lumMod val="85000"/>
+                  <a:lumOff val="15000"/>
+                </a:schemeClr>
+              </a:solidFill>
+            </a:endParaRPr>
+          </a:p>
+        </p:txBody>
+      </p:sp>
+      <p:sp>
+        <p:nvSpPr>
+          <p:cNvPr id="25" name="Овал 24">
+            <a:extLst>
+              <a:ext uri="{FF2B5EF4-FFF2-40B4-BE49-F238E27FC236}">
+                <a16:creationId xmlns:a16="http://schemas.microsoft.com/office/drawing/2014/main" id="{929F01BF-6851-447C-BD5D-558D26D156EA}"/>
+              </a:ext>
+            </a:extLst>
+          </p:cNvPr>
+          <p:cNvSpPr/>
+          <p:nvPr userDrawn="1"/>
+        </p:nvSpPr>
+        <p:spPr>
+          <a:xfrm>
+            <a:off x="838200" y="5000760"/>
+            <a:ext cx="385652" cy="385652"/>
+          </a:xfrm>
+          <a:prstGeom prst="ellipse">
+            <a:avLst/>
+          </a:prstGeom>
+          <a:solidFill>
+            <a:schemeClr val="accent2">
+              <a:lumMod val="75000"/>
+            </a:schemeClr>
+          </a:solidFill>
+          <a:ln>
+            <a:noFill/>
+          </a:ln>
+        </p:spPr>
+        <p:style>
+          <a:lnRef idx="2">
+            <a:schemeClr val="accent1">
+              <a:shade val="50000"/>
+            </a:schemeClr>
+          </a:lnRef>
+          <a:fillRef idx="1">
+            <a:schemeClr val="accent1"/>
+          </a:fillRef>
+          <a:effectRef idx="0">
+            <a:schemeClr val="accent1"/>
+          </a:effectRef>
+          <a:fontRef idx="minor">
+            <a:schemeClr val="lt1"/>
+          </a:fontRef>
+        </p:style>
+        <p:txBody>
+          <a:bodyPr rtlCol="0" anchor="ctr"/>
+          <a:lstStyle/>
+          <a:p>
+            <a:pPr algn="ctr"/>
+            <a:endParaRPr lang="ru-RU" dirty="0">
+              <a:solidFill>
+                <a:schemeClr val="tx1">
+                  <a:lumMod val="85000"/>
+                  <a:lumOff val="15000"/>
+                </a:schemeClr>
+              </a:solidFill>
+            </a:endParaRPr>
+          </a:p>
+        </p:txBody>
+      </p:sp>
+    </p:spTree>
+    <p:extLst>
+      <p:ext uri="{BB962C8B-B14F-4D97-AF65-F5344CB8AC3E}">
+        <p14:creationId xmlns:p14="http://schemas.microsoft.com/office/powerpoint/2010/main" val="3580492843"/>
+      </p:ext>
+    </p:extLst>
+  </p:cSld>
+  <p:clrMapOvr>
+    <a:masterClrMapping/>
+  </p:clrMapOvr>
+  <mc:AlternateContent xmlns:mc="http://schemas.openxmlformats.org/markup-compatibility/2006" xmlns:p14="http://schemas.microsoft.com/office/powerpoint/2010/main">
+    <mc:Choice Requires="p14">
+      <p:transition spd="med" p14:dur="700">
+        <p:fade/>
+      </p:transition>
+    </mc:Choice>
+    <mc:Fallback xmlns="">
+      <p:transition spd="med">
+        <p:fade/>
+      </p:transition>
+    </mc:Fallback>
+  </mc:AlternateContent>
+</p:sldLayout>
+</file>
+
+<file path=ppt/slideLayouts/slideLayout5.xml><?xml version="1.0" encoding="utf-8"?>
+<p:sldLayout xmlns:a="http://schemas.openxmlformats.org/drawingml/2006/main" xmlns:r="http://schemas.openxmlformats.org/officeDocument/2006/relationships" xmlns:p="http://schemas.openxmlformats.org/presentationml/2006/main" type="obj" preserve="1">
+  <p:cSld name="2_Заголовок и объект">
+    <p:bg>
+      <p:bgPr>
+        <a:solidFill>
+          <a:schemeClr val="accent2">
+            <a:lumMod val="40000"/>
+            <a:lumOff val="60000"/>
+          </a:schemeClr>
+        </a:solidFill>
+        <a:effectLst/>
+      </p:bgPr>
+    </p:bg>
+    <p:spTree>
+      <p:nvGrpSpPr>
+        <p:cNvPr id="1" name=""/>
+        <p:cNvGrpSpPr/>
+        <p:nvPr/>
+      </p:nvGrpSpPr>
+      <p:grpSpPr>
+        <a:xfrm>
+          <a:off x="0" y="0"/>
+          <a:ext cx="0" cy="0"/>
+          <a:chOff x="0" y="0"/>
+          <a:chExt cx="0" cy="0"/>
+        </a:xfrm>
+      </p:grpSpPr>
+      <p:sp>
+        <p:nvSpPr>
+          <p:cNvPr id="2" name="Заголовок 1">
+            <a:extLst>
+              <a:ext uri="{FF2B5EF4-FFF2-40B4-BE49-F238E27FC236}">
+                <a16:creationId xmlns:a16="http://schemas.microsoft.com/office/drawing/2014/main" id="{577FFB97-38B4-42A7-80AE-69C69F7282D9}"/>
+              </a:ext>
+            </a:extLst>
+          </p:cNvPr>
+          <p:cNvSpPr>
+            <a:spLocks noGrp="1"/>
+          </p:cNvSpPr>
+          <p:nvPr>
+            <p:ph type="title"/>
+          </p:nvPr>
+        </p:nvSpPr>
+        <p:spPr/>
+        <p:txBody>
+          <a:bodyPr/>
+          <a:lstStyle>
+            <a:lvl1pPr>
+              <a:defRPr>
+                <a:solidFill>
+                  <a:schemeClr val="tx1">
+                    <a:lumMod val="85000"/>
+                    <a:lumOff val="15000"/>
+                  </a:schemeClr>
+                </a:solidFill>
+              </a:defRPr>
+            </a:lvl1pPr>
+          </a:lstStyle>
+          <a:p>
+            <a:r>
+              <a:rPr lang="ru-RU" dirty="0"/>
+              <a:t>Образец заголовка</a:t>
+            </a:r>
+          </a:p>
+        </p:txBody>
+      </p:sp>
+      <p:sp>
+        <p:nvSpPr>
+          <p:cNvPr id="3" name="Объект 2">
+            <a:extLst>
+              <a:ext uri="{FF2B5EF4-FFF2-40B4-BE49-F238E27FC236}">
+                <a16:creationId xmlns:a16="http://schemas.microsoft.com/office/drawing/2014/main" id="{13230E6E-34A3-4404-8606-8589BD170677}"/>
+              </a:ext>
+            </a:extLst>
+          </p:cNvPr>
+          <p:cNvSpPr>
+            <a:spLocks noGrp="1"/>
+          </p:cNvSpPr>
+          <p:nvPr>
+            <p:ph idx="1"/>
+          </p:nvPr>
+        </p:nvSpPr>
+        <p:spPr/>
+        <p:txBody>
+          <a:bodyPr/>
+          <a:lstStyle>
+            <a:lvl1pPr>
+              <a:defRPr>
+                <a:solidFill>
+                  <a:schemeClr val="tx1">
+                    <a:lumMod val="85000"/>
+                    <a:lumOff val="15000"/>
+                  </a:schemeClr>
+                </a:solidFill>
+              </a:defRPr>
+            </a:lvl1pPr>
+            <a:lvl2pPr>
+              <a:defRPr>
+                <a:solidFill>
+                  <a:schemeClr val="tx1">
+                    <a:lumMod val="85000"/>
+                    <a:lumOff val="15000"/>
+                  </a:schemeClr>
+                </a:solidFill>
+              </a:defRPr>
+            </a:lvl2pPr>
+            <a:lvl3pPr>
+              <a:defRPr>
+                <a:solidFill>
+                  <a:schemeClr val="tx1">
+                    <a:lumMod val="85000"/>
+                    <a:lumOff val="15000"/>
+                  </a:schemeClr>
+                </a:solidFill>
+              </a:defRPr>
+            </a:lvl3pPr>
+            <a:lvl4pPr>
+              <a:defRPr>
+                <a:solidFill>
+                  <a:schemeClr val="tx1">
+                    <a:lumMod val="85000"/>
+                    <a:lumOff val="15000"/>
+                  </a:schemeClr>
+                </a:solidFill>
+              </a:defRPr>
+            </a:lvl4pPr>
+            <a:lvl5pPr>
+              <a:defRPr>
+                <a:solidFill>
+                  <a:schemeClr val="tx1">
+                    <a:lumMod val="85000"/>
+                    <a:lumOff val="15000"/>
+                  </a:schemeClr>
+                </a:solidFill>
+              </a:defRPr>
+            </a:lvl5pPr>
+          </a:lstStyle>
+          <a:p>
+            <a:pPr lvl="0"/>
+            <a:r>
+              <a:rPr lang="ru-RU"/>
+              <a:t>Образец текста</a:t>
+            </a:r>
+          </a:p>
+          <a:p>
+            <a:pPr lvl="1"/>
+            <a:r>
+              <a:rPr lang="ru-RU"/>
+              <a:t>Второй уровень</a:t>
+            </a:r>
+          </a:p>
+          <a:p>
+            <a:pPr lvl="2"/>
+            <a:r>
+              <a:rPr lang="ru-RU"/>
+              <a:t>Третий уровень</a:t>
+            </a:r>
+          </a:p>
+          <a:p>
+            <a:pPr lvl="3"/>
+            <a:r>
+              <a:rPr lang="ru-RU"/>
+              <a:t>Четвертый уровень</a:t>
+            </a:r>
+          </a:p>
+          <a:p>
+            <a:pPr lvl="4"/>
+            <a:r>
+              <a:rPr lang="ru-RU"/>
+              <a:t>Пятый уровень</a:t>
+            </a:r>
+          </a:p>
+        </p:txBody>
+      </p:sp>
+      <p:sp>
+        <p:nvSpPr>
+          <p:cNvPr id="4" name="Дата 3">
+            <a:extLst>
+              <a:ext uri="{FF2B5EF4-FFF2-40B4-BE49-F238E27FC236}">
+                <a16:creationId xmlns:a16="http://schemas.microsoft.com/office/drawing/2014/main" id="{4393BDCE-95F6-4EC6-A9C0-FF77CF83D1DF}"/>
+              </a:ext>
+            </a:extLst>
+          </p:cNvPr>
+          <p:cNvSpPr>
+            <a:spLocks noGrp="1"/>
+          </p:cNvSpPr>
+          <p:nvPr>
+            <p:ph type="dt" sz="half" idx="10"/>
+          </p:nvPr>
+        </p:nvSpPr>
+        <p:spPr/>
+        <p:txBody>
+          <a:bodyPr/>
+          <a:lstStyle>
+            <a:lvl1pPr>
+              <a:defRPr>
+                <a:solidFill>
+                  <a:schemeClr val="tx1">
+                    <a:lumMod val="85000"/>
+                    <a:lumOff val="15000"/>
+                  </a:schemeClr>
+                </a:solidFill>
+              </a:defRPr>
+            </a:lvl1pPr>
+          </a:lstStyle>
+          <a:p>
+            <a:fld id="{66F6873F-BC63-4C77-8C1F-6337C0BA4F5E}" type="datetimeFigureOut">
+              <a:rPr lang="ru-RU" smtClean="0"/>
+              <a:pPr/>
+              <a:t>26.11.2025</a:t>
+            </a:fld>
+            <a:endParaRPr lang="ru-RU"/>
+          </a:p>
+        </p:txBody>
+      </p:sp>
+      <p:sp>
+        <p:nvSpPr>
+          <p:cNvPr id="5" name="Нижний колонтитул 4">
+            <a:extLst>
+              <a:ext uri="{FF2B5EF4-FFF2-40B4-BE49-F238E27FC236}">
+                <a16:creationId xmlns:a16="http://schemas.microsoft.com/office/drawing/2014/main" id="{4DAE2F2B-EDB8-4986-A685-68299F3740C1}"/>
+              </a:ext>
+            </a:extLst>
+          </p:cNvPr>
+          <p:cNvSpPr>
+            <a:spLocks noGrp="1"/>
+          </p:cNvSpPr>
+          <p:nvPr>
+            <p:ph type="ftr" sz="quarter" idx="11"/>
+          </p:nvPr>
+        </p:nvSpPr>
+        <p:spPr/>
+        <p:txBody>
+          <a:bodyPr/>
+          <a:lstStyle>
+            <a:lvl1pPr>
+              <a:defRPr>
+                <a:solidFill>
+                  <a:schemeClr val="tx1">
+                    <a:lumMod val="85000"/>
+                    <a:lumOff val="15000"/>
+                  </a:schemeClr>
+                </a:solidFill>
+              </a:defRPr>
+            </a:lvl1pPr>
+          </a:lstStyle>
+          <a:p>
+            <a:endParaRPr lang="ru-RU"/>
+          </a:p>
+        </p:txBody>
+      </p:sp>
+      <p:sp>
+        <p:nvSpPr>
+          <p:cNvPr id="6" name="Номер слайда 5">
+            <a:extLst>
+              <a:ext uri="{FF2B5EF4-FFF2-40B4-BE49-F238E27FC236}">
+                <a16:creationId xmlns:a16="http://schemas.microsoft.com/office/drawing/2014/main" id="{180DE953-C93F-4FA1-80E3-31B9BEC7AA6E}"/>
+              </a:ext>
+            </a:extLst>
+          </p:cNvPr>
+          <p:cNvSpPr>
+            <a:spLocks noGrp="1"/>
+          </p:cNvSpPr>
+          <p:nvPr>
+            <p:ph type="sldNum" sz="quarter" idx="12"/>
+          </p:nvPr>
+        </p:nvSpPr>
+        <p:spPr/>
+        <p:txBody>
+          <a:bodyPr/>
+          <a:lstStyle>
+            <a:lvl1pPr>
+              <a:defRPr>
+                <a:solidFill>
+                  <a:schemeClr val="tx1">
+                    <a:lumMod val="85000"/>
+                    <a:lumOff val="15000"/>
+                  </a:schemeClr>
+                </a:solidFill>
+              </a:defRPr>
+            </a:lvl1pPr>
+          </a:lstStyle>
+          <a:p>
+            <a:fld id="{A932D385-1C5C-4B8C-A1C5-1E6FA26AB176}" type="slidenum">
+              <a:rPr lang="ru-RU" smtClean="0"/>
+              <a:pPr/>
+              <a:t>‹#›</a:t>
+            </a:fld>
+            <a:endParaRPr lang="ru-RU"/>
+          </a:p>
+        </p:txBody>
+      </p:sp>
+    </p:spTree>
+    <p:extLst>
+      <p:ext uri="{BB962C8B-B14F-4D97-AF65-F5344CB8AC3E}">
+        <p14:creationId xmlns:p14="http://schemas.microsoft.com/office/powerpoint/2010/main" val="1556503579"/>
+      </p:ext>
+    </p:extLst>
+  </p:cSld>
+  <p:clrMapOvr>
+    <a:masterClrMapping/>
+  </p:clrMapOvr>
+  <mc:AlternateContent xmlns:mc="http://schemas.openxmlformats.org/markup-compatibility/2006" xmlns:p14="http://schemas.microsoft.com/office/powerpoint/2010/main">
+    <mc:Choice Requires="p14">
+      <p:transition spd="med" p14:dur="700">
+        <p:fade/>
+      </p:transition>
+    </mc:Choice>
+    <mc:Fallback xmlns="">
+      <p:transition spd="med">
+        <p:fade/>
+      </p:transition>
+    </mc:Fallback>
+  </mc:AlternateContent>
+</p:sldLayout>
+</file>
+
+<file path=ppt/slideLayouts/slideLayout6.xml><?xml version="1.0" encoding="utf-8"?>
 <p:sldLayout xmlns:a="http://schemas.openxmlformats.org/drawingml/2006/main" xmlns:r="http://schemas.openxmlformats.org/officeDocument/2006/relationships" xmlns:p="http://schemas.openxmlformats.org/presentationml/2006/main" type="secHead" preserve="1">
   <p:cSld name="Заголовок раздела">
     <p:spTree>
@@ -847,7 +4319,13 @@
       </p:grpSpPr>
       <p:sp>
         <p:nvSpPr>
-          <p:cNvPr id="2" name="Заголовок 1"/>
+          <p:cNvPr id="2" name="Заголовок 1">
+            <a:extLst>
+              <a:ext uri="{FF2B5EF4-FFF2-40B4-BE49-F238E27FC236}">
+                <a16:creationId xmlns:a16="http://schemas.microsoft.com/office/drawing/2014/main" id="{C2AFC2F1-B382-4B54-9A9F-910235201709}"/>
+              </a:ext>
+            </a:extLst>
+          </p:cNvPr>
           <p:cNvSpPr>
             <a:spLocks noGrp="1"/>
           </p:cNvSpPr>
@@ -870,16 +4348,21 @@
           </a:lstStyle>
           <a:p>
             <a:r>
-              <a:rPr lang="ru-RU" smtClean="0"/>
+              <a:rPr lang="ru-RU"/>
               <a:t>Образец заголовка</a:t>
             </a:r>
-            <a:endParaRPr lang="ru-RU"/>
-          </a:p>
-        </p:txBody>
-      </p:sp>
-      <p:sp>
-        <p:nvSpPr>
-          <p:cNvPr id="3" name="Текст 2"/>
+          </a:p>
+        </p:txBody>
+      </p:sp>
+      <p:sp>
+        <p:nvSpPr>
+          <p:cNvPr id="3" name="Текст 2">
+            <a:extLst>
+              <a:ext uri="{FF2B5EF4-FFF2-40B4-BE49-F238E27FC236}">
+                <a16:creationId xmlns:a16="http://schemas.microsoft.com/office/drawing/2014/main" id="{008882E1-F531-4863-8725-4DFFB1D93CAE}"/>
+              </a:ext>
+            </a:extLst>
+          </p:cNvPr>
           <p:cNvSpPr>
             <a:spLocks noGrp="1"/>
           </p:cNvSpPr>
@@ -990,7 +4473,7 @@
           <a:p>
             <a:pPr lvl="0"/>
             <a:r>
-              <a:rPr lang="ru-RU" smtClean="0"/>
+              <a:rPr lang="ru-RU"/>
               <a:t>Образец текста</a:t>
             </a:r>
           </a:p>
@@ -998,7 +4481,13 @@
       </p:sp>
       <p:sp>
         <p:nvSpPr>
-          <p:cNvPr id="4" name="Дата 3"/>
+          <p:cNvPr id="4" name="Дата 3">
+            <a:extLst>
+              <a:ext uri="{FF2B5EF4-FFF2-40B4-BE49-F238E27FC236}">
+                <a16:creationId xmlns:a16="http://schemas.microsoft.com/office/drawing/2014/main" id="{32542041-3F17-4A54-9CFD-5CC89C8883B5}"/>
+              </a:ext>
+            </a:extLst>
+          </p:cNvPr>
           <p:cNvSpPr>
             <a:spLocks noGrp="1"/>
           </p:cNvSpPr>
@@ -1011,9 +4500,9 @@
           <a:bodyPr/>
           <a:lstStyle/>
           <a:p>
-            <a:fld id="{FE00ED1C-3B6C-4F79-8362-7565E475EFDC}" type="datetimeFigureOut">
+            <a:fld id="{66F6873F-BC63-4C77-8C1F-6337C0BA4F5E}" type="datetimeFigureOut">
               <a:rPr lang="ru-RU" smtClean="0"/>
-              <a:t>24.11.2025</a:t>
+              <a:t>26.11.2025</a:t>
             </a:fld>
             <a:endParaRPr lang="ru-RU"/>
           </a:p>
@@ -1021,7 +4510,13 @@
       </p:sp>
       <p:sp>
         <p:nvSpPr>
-          <p:cNvPr id="5" name="Нижний колонтитул 4"/>
+          <p:cNvPr id="5" name="Нижний колонтитул 4">
+            <a:extLst>
+              <a:ext uri="{FF2B5EF4-FFF2-40B4-BE49-F238E27FC236}">
+                <a16:creationId xmlns:a16="http://schemas.microsoft.com/office/drawing/2014/main" id="{433D8362-ABA0-448B-9472-8CE304126B95}"/>
+              </a:ext>
+            </a:extLst>
+          </p:cNvPr>
           <p:cNvSpPr>
             <a:spLocks noGrp="1"/>
           </p:cNvSpPr>
@@ -1040,7 +4535,13 @@
       </p:sp>
       <p:sp>
         <p:nvSpPr>
-          <p:cNvPr id="6" name="Номер слайда 5"/>
+          <p:cNvPr id="6" name="Номер слайда 5">
+            <a:extLst>
+              <a:ext uri="{FF2B5EF4-FFF2-40B4-BE49-F238E27FC236}">
+                <a16:creationId xmlns:a16="http://schemas.microsoft.com/office/drawing/2014/main" id="{8412121C-8D9C-473B-9CAA-041E14CE3AD6}"/>
+              </a:ext>
+            </a:extLst>
+          </p:cNvPr>
           <p:cNvSpPr>
             <a:spLocks noGrp="1"/>
           </p:cNvSpPr>
@@ -1053,7 +4554,7 @@
           <a:bodyPr/>
           <a:lstStyle/>
           <a:p>
-            <a:fld id="{85CF150C-D96E-47FE-8644-83569D9BBCDF}" type="slidenum">
+            <a:fld id="{A932D385-1C5C-4B8C-A1C5-1E6FA26AB176}" type="slidenum">
               <a:rPr lang="ru-RU" smtClean="0"/>
               <a:t>‹#›</a:t>
             </a:fld>
@@ -1064,17 +4565,29 @@
     </p:spTree>
     <p:extLst>
       <p:ext uri="{BB962C8B-B14F-4D97-AF65-F5344CB8AC3E}">
-        <p14:creationId xmlns:p14="http://schemas.microsoft.com/office/powerpoint/2010/main" val="1921216846"/>
+        <p14:creationId xmlns:p14="http://schemas.microsoft.com/office/powerpoint/2010/main" val="139250350"/>
       </p:ext>
     </p:extLst>
   </p:cSld>
   <p:clrMapOvr>
     <a:masterClrMapping/>
   </p:clrMapOvr>
+  <mc:AlternateContent xmlns:mc="http://schemas.openxmlformats.org/markup-compatibility/2006" xmlns:p14="http://schemas.microsoft.com/office/powerpoint/2010/main">
+    <mc:Choice Requires="p14">
+      <p:transition spd="med" p14:dur="700">
+        <p:fade/>
+      </p:transition>
+    </mc:Choice>
+    <mc:Fallback xmlns="">
+      <p:transition spd="med">
+        <p:fade/>
+      </p:transition>
+    </mc:Fallback>
+  </mc:AlternateContent>
 </p:sldLayout>
 </file>
 
-<file path=ppt/slideLayouts/slideLayout4.xml><?xml version="1.0" encoding="utf-8"?>
+<file path=ppt/slideLayouts/slideLayout7.xml><?xml version="1.0" encoding="utf-8"?>
 <p:sldLayout xmlns:a="http://schemas.openxmlformats.org/drawingml/2006/main" xmlns:r="http://schemas.openxmlformats.org/officeDocument/2006/relationships" xmlns:p="http://schemas.openxmlformats.org/presentationml/2006/main" type="twoObj" preserve="1">
   <p:cSld name="Два объекта">
     <p:spTree>
@@ -1093,7 +4606,13 @@
       </p:grpSpPr>
       <p:sp>
         <p:nvSpPr>
-          <p:cNvPr id="2" name="Заголовок 1"/>
+          <p:cNvPr id="2" name="Заголовок 1">
+            <a:extLst>
+              <a:ext uri="{FF2B5EF4-FFF2-40B4-BE49-F238E27FC236}">
+                <a16:creationId xmlns:a16="http://schemas.microsoft.com/office/drawing/2014/main" id="{44FD5AC9-D947-4E91-8E54-564E619CCFA0}"/>
+              </a:ext>
+            </a:extLst>
+          </p:cNvPr>
           <p:cNvSpPr>
             <a:spLocks noGrp="1"/>
           </p:cNvSpPr>
@@ -1107,16 +4626,21 @@
           <a:lstStyle/>
           <a:p>
             <a:r>
-              <a:rPr lang="ru-RU" smtClean="0"/>
+              <a:rPr lang="ru-RU"/>
               <a:t>Образец заголовка</a:t>
             </a:r>
-            <a:endParaRPr lang="ru-RU"/>
-          </a:p>
-        </p:txBody>
-      </p:sp>
-      <p:sp>
-        <p:nvSpPr>
-          <p:cNvPr id="3" name="Объект 2"/>
+          </a:p>
+        </p:txBody>
+      </p:sp>
+      <p:sp>
+        <p:nvSpPr>
+          <p:cNvPr id="3" name="Объект 2">
+            <a:extLst>
+              <a:ext uri="{FF2B5EF4-FFF2-40B4-BE49-F238E27FC236}">
+                <a16:creationId xmlns:a16="http://schemas.microsoft.com/office/drawing/2014/main" id="{A1BC3E08-A33C-41B0-9FF8-A48D661D3276}"/>
+              </a:ext>
+            </a:extLst>
+          </p:cNvPr>
           <p:cNvSpPr>
             <a:spLocks noGrp="1"/>
           </p:cNvSpPr>
@@ -1136,44 +4660,49 @@
           <a:p>
             <a:pPr lvl="0"/>
             <a:r>
-              <a:rPr lang="ru-RU" smtClean="0"/>
+              <a:rPr lang="ru-RU"/>
               <a:t>Образец текста</a:t>
             </a:r>
           </a:p>
           <a:p>
             <a:pPr lvl="1"/>
             <a:r>
-              <a:rPr lang="ru-RU" smtClean="0"/>
+              <a:rPr lang="ru-RU"/>
               <a:t>Второй уровень</a:t>
             </a:r>
           </a:p>
           <a:p>
             <a:pPr lvl="2"/>
             <a:r>
-              <a:rPr lang="ru-RU" smtClean="0"/>
+              <a:rPr lang="ru-RU"/>
               <a:t>Третий уровень</a:t>
             </a:r>
           </a:p>
           <a:p>
             <a:pPr lvl="3"/>
             <a:r>
-              <a:rPr lang="ru-RU" smtClean="0"/>
+              <a:rPr lang="ru-RU"/>
               <a:t>Четвертый уровень</a:t>
             </a:r>
           </a:p>
           <a:p>
             <a:pPr lvl="4"/>
             <a:r>
-              <a:rPr lang="ru-RU" smtClean="0"/>
+              <a:rPr lang="ru-RU"/>
               <a:t>Пятый уровень</a:t>
             </a:r>
-            <a:endParaRPr lang="ru-RU"/>
-          </a:p>
-        </p:txBody>
-      </p:sp>
-      <p:sp>
-        <p:nvSpPr>
-          <p:cNvPr id="4" name="Объект 3"/>
+          </a:p>
+        </p:txBody>
+      </p:sp>
+      <p:sp>
+        <p:nvSpPr>
+          <p:cNvPr id="4" name="Объект 3">
+            <a:extLst>
+              <a:ext uri="{FF2B5EF4-FFF2-40B4-BE49-F238E27FC236}">
+                <a16:creationId xmlns:a16="http://schemas.microsoft.com/office/drawing/2014/main" id="{0A563770-7BF6-4230-8BC5-AB14818DC768}"/>
+              </a:ext>
+            </a:extLst>
+          </p:cNvPr>
           <p:cNvSpPr>
             <a:spLocks noGrp="1"/>
           </p:cNvSpPr>
@@ -1193,44 +4722,49 @@
           <a:p>
             <a:pPr lvl="0"/>
             <a:r>
-              <a:rPr lang="ru-RU" smtClean="0"/>
+              <a:rPr lang="ru-RU"/>
               <a:t>Образец текста</a:t>
             </a:r>
           </a:p>
           <a:p>
             <a:pPr lvl="1"/>
             <a:r>
-              <a:rPr lang="ru-RU" smtClean="0"/>
+              <a:rPr lang="ru-RU"/>
               <a:t>Второй уровень</a:t>
             </a:r>
           </a:p>
           <a:p>
             <a:pPr lvl="2"/>
             <a:r>
-              <a:rPr lang="ru-RU" smtClean="0"/>
+              <a:rPr lang="ru-RU"/>
               <a:t>Третий уровень</a:t>
             </a:r>
           </a:p>
           <a:p>
             <a:pPr lvl="3"/>
             <a:r>
-              <a:rPr lang="ru-RU" smtClean="0"/>
+              <a:rPr lang="ru-RU"/>
               <a:t>Четвертый уровень</a:t>
             </a:r>
           </a:p>
           <a:p>
             <a:pPr lvl="4"/>
             <a:r>
-              <a:rPr lang="ru-RU" smtClean="0"/>
+              <a:rPr lang="ru-RU"/>
               <a:t>Пятый уровень</a:t>
             </a:r>
-            <a:endParaRPr lang="ru-RU"/>
-          </a:p>
-        </p:txBody>
-      </p:sp>
-      <p:sp>
-        <p:nvSpPr>
-          <p:cNvPr id="5" name="Дата 4"/>
+          </a:p>
+        </p:txBody>
+      </p:sp>
+      <p:sp>
+        <p:nvSpPr>
+          <p:cNvPr id="5" name="Дата 4">
+            <a:extLst>
+              <a:ext uri="{FF2B5EF4-FFF2-40B4-BE49-F238E27FC236}">
+                <a16:creationId xmlns:a16="http://schemas.microsoft.com/office/drawing/2014/main" id="{5F4B284D-4A4E-43FE-BC90-E29166BB4682}"/>
+              </a:ext>
+            </a:extLst>
+          </p:cNvPr>
           <p:cNvSpPr>
             <a:spLocks noGrp="1"/>
           </p:cNvSpPr>
@@ -1243,9 +4777,9 @@
           <a:bodyPr/>
           <a:lstStyle/>
           <a:p>
-            <a:fld id="{FE00ED1C-3B6C-4F79-8362-7565E475EFDC}" type="datetimeFigureOut">
+            <a:fld id="{66F6873F-BC63-4C77-8C1F-6337C0BA4F5E}" type="datetimeFigureOut">
               <a:rPr lang="ru-RU" smtClean="0"/>
-              <a:t>24.11.2025</a:t>
+              <a:t>26.11.2025</a:t>
             </a:fld>
             <a:endParaRPr lang="ru-RU"/>
           </a:p>
@@ -1253,7 +4787,13 @@
       </p:sp>
       <p:sp>
         <p:nvSpPr>
-          <p:cNvPr id="6" name="Нижний колонтитул 5"/>
+          <p:cNvPr id="6" name="Нижний колонтитул 5">
+            <a:extLst>
+              <a:ext uri="{FF2B5EF4-FFF2-40B4-BE49-F238E27FC236}">
+                <a16:creationId xmlns:a16="http://schemas.microsoft.com/office/drawing/2014/main" id="{71D419C2-0DDE-45ED-A6BB-A7CF0C6F9D57}"/>
+              </a:ext>
+            </a:extLst>
+          </p:cNvPr>
           <p:cNvSpPr>
             <a:spLocks noGrp="1"/>
           </p:cNvSpPr>
@@ -1272,7 +4812,13 @@
       </p:sp>
       <p:sp>
         <p:nvSpPr>
-          <p:cNvPr id="7" name="Номер слайда 6"/>
+          <p:cNvPr id="7" name="Номер слайда 6">
+            <a:extLst>
+              <a:ext uri="{FF2B5EF4-FFF2-40B4-BE49-F238E27FC236}">
+                <a16:creationId xmlns:a16="http://schemas.microsoft.com/office/drawing/2014/main" id="{6F8D6DE2-C0F1-4631-8D1B-61DD10E73AD2}"/>
+              </a:ext>
+            </a:extLst>
+          </p:cNvPr>
           <p:cNvSpPr>
             <a:spLocks noGrp="1"/>
           </p:cNvSpPr>
@@ -1285,7 +4831,7 @@
           <a:bodyPr/>
           <a:lstStyle/>
           <a:p>
-            <a:fld id="{85CF150C-D96E-47FE-8644-83569D9BBCDF}" type="slidenum">
+            <a:fld id="{A932D385-1C5C-4B8C-A1C5-1E6FA26AB176}" type="slidenum">
               <a:rPr lang="ru-RU" smtClean="0"/>
               <a:t>‹#›</a:t>
             </a:fld>
@@ -1296,17 +4842,29 @@
     </p:spTree>
     <p:extLst>
       <p:ext uri="{BB962C8B-B14F-4D97-AF65-F5344CB8AC3E}">
-        <p14:creationId xmlns:p14="http://schemas.microsoft.com/office/powerpoint/2010/main" val="2351512455"/>
+        <p14:creationId xmlns:p14="http://schemas.microsoft.com/office/powerpoint/2010/main" val="59701562"/>
       </p:ext>
     </p:extLst>
   </p:cSld>
   <p:clrMapOvr>
     <a:masterClrMapping/>
   </p:clrMapOvr>
+  <mc:AlternateContent xmlns:mc="http://schemas.openxmlformats.org/markup-compatibility/2006" xmlns:p14="http://schemas.microsoft.com/office/powerpoint/2010/main">
+    <mc:Choice Requires="p14">
+      <p:transition spd="med" p14:dur="700">
+        <p:fade/>
+      </p:transition>
+    </mc:Choice>
+    <mc:Fallback xmlns="">
+      <p:transition spd="med">
+        <p:fade/>
+      </p:transition>
+    </mc:Fallback>
+  </mc:AlternateContent>
 </p:sldLayout>
 </file>
 
-<file path=ppt/slideLayouts/slideLayout5.xml><?xml version="1.0" encoding="utf-8"?>
+<file path=ppt/slideLayouts/slideLayout8.xml><?xml version="1.0" encoding="utf-8"?>
 <p:sldLayout xmlns:a="http://schemas.openxmlformats.org/drawingml/2006/main" xmlns:r="http://schemas.openxmlformats.org/officeDocument/2006/relationships" xmlns:p="http://schemas.openxmlformats.org/presentationml/2006/main" type="twoTxTwoObj" preserve="1">
   <p:cSld name="Сравнение">
     <p:spTree>
@@ -1325,7 +4883,13 @@
       </p:grpSpPr>
       <p:sp>
         <p:nvSpPr>
-          <p:cNvPr id="2" name="Заголовок 1"/>
+          <p:cNvPr id="2" name="Заголовок 1">
+            <a:extLst>
+              <a:ext uri="{FF2B5EF4-FFF2-40B4-BE49-F238E27FC236}">
+                <a16:creationId xmlns:a16="http://schemas.microsoft.com/office/drawing/2014/main" id="{FA5F1CD0-71F9-4ED3-890F-20F3C6211E2B}"/>
+              </a:ext>
+            </a:extLst>
+          </p:cNvPr>
           <p:cNvSpPr>
             <a:spLocks noGrp="1"/>
           </p:cNvSpPr>
@@ -1344,16 +4908,21 @@
           <a:lstStyle/>
           <a:p>
             <a:r>
-              <a:rPr lang="ru-RU" smtClean="0"/>
+              <a:rPr lang="ru-RU"/>
               <a:t>Образец заголовка</a:t>
             </a:r>
-            <a:endParaRPr lang="ru-RU"/>
-          </a:p>
-        </p:txBody>
-      </p:sp>
-      <p:sp>
-        <p:nvSpPr>
-          <p:cNvPr id="3" name="Текст 2"/>
+          </a:p>
+        </p:txBody>
+      </p:sp>
+      <p:sp>
+        <p:nvSpPr>
+          <p:cNvPr id="3" name="Текст 2">
+            <a:extLst>
+              <a:ext uri="{FF2B5EF4-FFF2-40B4-BE49-F238E27FC236}">
+                <a16:creationId xmlns:a16="http://schemas.microsoft.com/office/drawing/2014/main" id="{BDFEAC71-3741-4F27-877E-AC8E2B1CC552}"/>
+              </a:ext>
+            </a:extLst>
+          </p:cNvPr>
           <p:cNvSpPr>
             <a:spLocks noGrp="1"/>
           </p:cNvSpPr>
@@ -1410,7 +4979,7 @@
           <a:p>
             <a:pPr lvl="0"/>
             <a:r>
-              <a:rPr lang="ru-RU" smtClean="0"/>
+              <a:rPr lang="ru-RU"/>
               <a:t>Образец текста</a:t>
             </a:r>
           </a:p>
@@ -1418,7 +4987,13 @@
       </p:sp>
       <p:sp>
         <p:nvSpPr>
-          <p:cNvPr id="4" name="Объект 3"/>
+          <p:cNvPr id="4" name="Объект 3">
+            <a:extLst>
+              <a:ext uri="{FF2B5EF4-FFF2-40B4-BE49-F238E27FC236}">
+                <a16:creationId xmlns:a16="http://schemas.microsoft.com/office/drawing/2014/main" id="{220C1B9D-7DA5-4D32-81AA-D58CAF37C69D}"/>
+              </a:ext>
+            </a:extLst>
+          </p:cNvPr>
           <p:cNvSpPr>
             <a:spLocks noGrp="1"/>
           </p:cNvSpPr>
@@ -1438,44 +5013,49 @@
           <a:p>
             <a:pPr lvl="0"/>
             <a:r>
-              <a:rPr lang="ru-RU" smtClean="0"/>
+              <a:rPr lang="ru-RU"/>
               <a:t>Образец текста</a:t>
             </a:r>
           </a:p>
           <a:p>
             <a:pPr lvl="1"/>
             <a:r>
-              <a:rPr lang="ru-RU" smtClean="0"/>
+              <a:rPr lang="ru-RU"/>
               <a:t>Второй уровень</a:t>
             </a:r>
           </a:p>
           <a:p>
             <a:pPr lvl="2"/>
             <a:r>
-              <a:rPr lang="ru-RU" smtClean="0"/>
+              <a:rPr lang="ru-RU"/>
               <a:t>Третий уровень</a:t>
             </a:r>
           </a:p>
           <a:p>
             <a:pPr lvl="3"/>
             <a:r>
-              <a:rPr lang="ru-RU" smtClean="0"/>
+              <a:rPr lang="ru-RU"/>
               <a:t>Четвертый уровень</a:t>
             </a:r>
           </a:p>
           <a:p>
             <a:pPr lvl="4"/>
             <a:r>
-              <a:rPr lang="ru-RU" smtClean="0"/>
+              <a:rPr lang="ru-RU"/>
               <a:t>Пятый уровень</a:t>
             </a:r>
-            <a:endParaRPr lang="ru-RU"/>
-          </a:p>
-        </p:txBody>
-      </p:sp>
-      <p:sp>
-        <p:nvSpPr>
-          <p:cNvPr id="5" name="Текст 4"/>
+          </a:p>
+        </p:txBody>
+      </p:sp>
+      <p:sp>
+        <p:nvSpPr>
+          <p:cNvPr id="5" name="Текст 4">
+            <a:extLst>
+              <a:ext uri="{FF2B5EF4-FFF2-40B4-BE49-F238E27FC236}">
+                <a16:creationId xmlns:a16="http://schemas.microsoft.com/office/drawing/2014/main" id="{9445751E-43C2-4B2E-91C9-868F84D3E4CF}"/>
+              </a:ext>
+            </a:extLst>
+          </p:cNvPr>
           <p:cNvSpPr>
             <a:spLocks noGrp="1"/>
           </p:cNvSpPr>
@@ -1532,7 +5112,7 @@
           <a:p>
             <a:pPr lvl="0"/>
             <a:r>
-              <a:rPr lang="ru-RU" smtClean="0"/>
+              <a:rPr lang="ru-RU"/>
               <a:t>Образец текста</a:t>
             </a:r>
           </a:p>
@@ -1540,7 +5120,13 @@
       </p:sp>
       <p:sp>
         <p:nvSpPr>
-          <p:cNvPr id="6" name="Объект 5"/>
+          <p:cNvPr id="6" name="Объект 5">
+            <a:extLst>
+              <a:ext uri="{FF2B5EF4-FFF2-40B4-BE49-F238E27FC236}">
+                <a16:creationId xmlns:a16="http://schemas.microsoft.com/office/drawing/2014/main" id="{506CFF53-F322-41AA-9E85-224959B71B3F}"/>
+              </a:ext>
+            </a:extLst>
+          </p:cNvPr>
           <p:cNvSpPr>
             <a:spLocks noGrp="1"/>
           </p:cNvSpPr>
@@ -1560,44 +5146,49 @@
           <a:p>
             <a:pPr lvl="0"/>
             <a:r>
-              <a:rPr lang="ru-RU" smtClean="0"/>
+              <a:rPr lang="ru-RU"/>
               <a:t>Образец текста</a:t>
             </a:r>
           </a:p>
           <a:p>
             <a:pPr lvl="1"/>
             <a:r>
-              <a:rPr lang="ru-RU" smtClean="0"/>
+              <a:rPr lang="ru-RU"/>
               <a:t>Второй уровень</a:t>
             </a:r>
           </a:p>
           <a:p>
             <a:pPr lvl="2"/>
             <a:r>
-              <a:rPr lang="ru-RU" smtClean="0"/>
+              <a:rPr lang="ru-RU"/>
               <a:t>Третий уровень</a:t>
             </a:r>
           </a:p>
           <a:p>
             <a:pPr lvl="3"/>
             <a:r>
-              <a:rPr lang="ru-RU" smtClean="0"/>
+              <a:rPr lang="ru-RU"/>
               <a:t>Четвертый уровень</a:t>
             </a:r>
           </a:p>
           <a:p>
             <a:pPr lvl="4"/>
             <a:r>
-              <a:rPr lang="ru-RU" smtClean="0"/>
+              <a:rPr lang="ru-RU"/>
               <a:t>Пятый уровень</a:t>
             </a:r>
-            <a:endParaRPr lang="ru-RU"/>
-          </a:p>
-        </p:txBody>
-      </p:sp>
-      <p:sp>
-        <p:nvSpPr>
-          <p:cNvPr id="7" name="Дата 6"/>
+          </a:p>
+        </p:txBody>
+      </p:sp>
+      <p:sp>
+        <p:nvSpPr>
+          <p:cNvPr id="7" name="Дата 6">
+            <a:extLst>
+              <a:ext uri="{FF2B5EF4-FFF2-40B4-BE49-F238E27FC236}">
+                <a16:creationId xmlns:a16="http://schemas.microsoft.com/office/drawing/2014/main" id="{8524C7FE-288B-4A4F-A747-871045CD491B}"/>
+              </a:ext>
+            </a:extLst>
+          </p:cNvPr>
           <p:cNvSpPr>
             <a:spLocks noGrp="1"/>
           </p:cNvSpPr>
@@ -1610,9 +5201,9 @@
           <a:bodyPr/>
           <a:lstStyle/>
           <a:p>
-            <a:fld id="{FE00ED1C-3B6C-4F79-8362-7565E475EFDC}" type="datetimeFigureOut">
+            <a:fld id="{66F6873F-BC63-4C77-8C1F-6337C0BA4F5E}" type="datetimeFigureOut">
               <a:rPr lang="ru-RU" smtClean="0"/>
-              <a:t>24.11.2025</a:t>
+              <a:t>26.11.2025</a:t>
             </a:fld>
             <a:endParaRPr lang="ru-RU"/>
           </a:p>
@@ -1620,7 +5211,13 @@
       </p:sp>
       <p:sp>
         <p:nvSpPr>
-          <p:cNvPr id="8" name="Нижний колонтитул 7"/>
+          <p:cNvPr id="8" name="Нижний колонтитул 7">
+            <a:extLst>
+              <a:ext uri="{FF2B5EF4-FFF2-40B4-BE49-F238E27FC236}">
+                <a16:creationId xmlns:a16="http://schemas.microsoft.com/office/drawing/2014/main" id="{A53F8A51-9E24-4CD8-9A95-89D90C66986D}"/>
+              </a:ext>
+            </a:extLst>
+          </p:cNvPr>
           <p:cNvSpPr>
             <a:spLocks noGrp="1"/>
           </p:cNvSpPr>
@@ -1639,7 +5236,13 @@
       </p:sp>
       <p:sp>
         <p:nvSpPr>
-          <p:cNvPr id="9" name="Номер слайда 8"/>
+          <p:cNvPr id="9" name="Номер слайда 8">
+            <a:extLst>
+              <a:ext uri="{FF2B5EF4-FFF2-40B4-BE49-F238E27FC236}">
+                <a16:creationId xmlns:a16="http://schemas.microsoft.com/office/drawing/2014/main" id="{A629EE09-F27C-4D57-8664-E5E7CB804CEA}"/>
+              </a:ext>
+            </a:extLst>
+          </p:cNvPr>
           <p:cNvSpPr>
             <a:spLocks noGrp="1"/>
           </p:cNvSpPr>
@@ -1652,7 +5255,7 @@
           <a:bodyPr/>
           <a:lstStyle/>
           <a:p>
-            <a:fld id="{85CF150C-D96E-47FE-8644-83569D9BBCDF}" type="slidenum">
+            <a:fld id="{A932D385-1C5C-4B8C-A1C5-1E6FA26AB176}" type="slidenum">
               <a:rPr lang="ru-RU" smtClean="0"/>
               <a:t>‹#›</a:t>
             </a:fld>
@@ -1663,17 +5266,29 @@
     </p:spTree>
     <p:extLst>
       <p:ext uri="{BB962C8B-B14F-4D97-AF65-F5344CB8AC3E}">
-        <p14:creationId xmlns:p14="http://schemas.microsoft.com/office/powerpoint/2010/main" val="3958484096"/>
+        <p14:creationId xmlns:p14="http://schemas.microsoft.com/office/powerpoint/2010/main" val="1159297809"/>
       </p:ext>
     </p:extLst>
   </p:cSld>
   <p:clrMapOvr>
     <a:masterClrMapping/>
   </p:clrMapOvr>
+  <mc:AlternateContent xmlns:mc="http://schemas.openxmlformats.org/markup-compatibility/2006" xmlns:p14="http://schemas.microsoft.com/office/powerpoint/2010/main">
+    <mc:Choice Requires="p14">
+      <p:transition spd="med" p14:dur="700">
+        <p:fade/>
+      </p:transition>
+    </mc:Choice>
+    <mc:Fallback xmlns="">
+      <p:transition spd="med">
+        <p:fade/>
+      </p:transition>
+    </mc:Fallback>
+  </mc:AlternateContent>
 </p:sldLayout>
 </file>
 
-<file path=ppt/slideLayouts/slideLayout6.xml><?xml version="1.0" encoding="utf-8"?>
+<file path=ppt/slideLayouts/slideLayout9.xml><?xml version="1.0" encoding="utf-8"?>
 <p:sldLayout xmlns:a="http://schemas.openxmlformats.org/drawingml/2006/main" xmlns:r="http://schemas.openxmlformats.org/officeDocument/2006/relationships" xmlns:p="http://schemas.openxmlformats.org/presentationml/2006/main" type="titleOnly" preserve="1">
   <p:cSld name="Только заголовок">
     <p:spTree>
@@ -1692,7 +5307,13 @@
       </p:grpSpPr>
       <p:sp>
         <p:nvSpPr>
-          <p:cNvPr id="2" name="Заголовок 1"/>
+          <p:cNvPr id="2" name="Заголовок 1">
+            <a:extLst>
+              <a:ext uri="{FF2B5EF4-FFF2-40B4-BE49-F238E27FC236}">
+                <a16:creationId xmlns:a16="http://schemas.microsoft.com/office/drawing/2014/main" id="{72EF0AC8-9D6A-48CD-9E4D-7A12D1C84B63}"/>
+              </a:ext>
+            </a:extLst>
+          </p:cNvPr>
           <p:cNvSpPr>
             <a:spLocks noGrp="1"/>
           </p:cNvSpPr>
@@ -1706,16 +5327,21 @@
           <a:lstStyle/>
           <a:p>
             <a:r>
-              <a:rPr lang="ru-RU" smtClean="0"/>
+              <a:rPr lang="ru-RU"/>
               <a:t>Образец заголовка</a:t>
             </a:r>
-            <a:endParaRPr lang="ru-RU"/>
-          </a:p>
-        </p:txBody>
-      </p:sp>
-      <p:sp>
-        <p:nvSpPr>
-          <p:cNvPr id="3" name="Дата 2"/>
+          </a:p>
+        </p:txBody>
+      </p:sp>
+      <p:sp>
+        <p:nvSpPr>
+          <p:cNvPr id="3" name="Дата 2">
+            <a:extLst>
+              <a:ext uri="{FF2B5EF4-FFF2-40B4-BE49-F238E27FC236}">
+                <a16:creationId xmlns:a16="http://schemas.microsoft.com/office/drawing/2014/main" id="{473AF8AA-A3DF-45CE-90B8-A257BB2E7EA6}"/>
+              </a:ext>
+            </a:extLst>
+          </p:cNvPr>
           <p:cNvSpPr>
             <a:spLocks noGrp="1"/>
           </p:cNvSpPr>
@@ -1728,9 +5354,9 @@
           <a:bodyPr/>
           <a:lstStyle/>
           <a:p>
-            <a:fld id="{FE00ED1C-3B6C-4F79-8362-7565E475EFDC}" type="datetimeFigureOut">
+            <a:fld id="{66F6873F-BC63-4C77-8C1F-6337C0BA4F5E}" type="datetimeFigureOut">
               <a:rPr lang="ru-RU" smtClean="0"/>
-              <a:t>24.11.2025</a:t>
+              <a:t>26.11.2025</a:t>
             </a:fld>
             <a:endParaRPr lang="ru-RU"/>
           </a:p>
@@ -1738,7 +5364,13 @@
       </p:sp>
       <p:sp>
         <p:nvSpPr>
-          <p:cNvPr id="4" name="Нижний колонтитул 3"/>
+          <p:cNvPr id="4" name="Нижний колонтитул 3">
+            <a:extLst>
+              <a:ext uri="{FF2B5EF4-FFF2-40B4-BE49-F238E27FC236}">
+                <a16:creationId xmlns:a16="http://schemas.microsoft.com/office/drawing/2014/main" id="{7DF56705-7C94-4DCD-BF06-8BF6906E71DC}"/>
+              </a:ext>
+            </a:extLst>
+          </p:cNvPr>
           <p:cNvSpPr>
             <a:spLocks noGrp="1"/>
           </p:cNvSpPr>
@@ -1757,7 +5389,13 @@
       </p:sp>
       <p:sp>
         <p:nvSpPr>
-          <p:cNvPr id="5" name="Номер слайда 4"/>
+          <p:cNvPr id="5" name="Номер слайда 4">
+            <a:extLst>
+              <a:ext uri="{FF2B5EF4-FFF2-40B4-BE49-F238E27FC236}">
+                <a16:creationId xmlns:a16="http://schemas.microsoft.com/office/drawing/2014/main" id="{2CF7DF18-617E-48F0-9074-B7506BDF8099}"/>
+              </a:ext>
+            </a:extLst>
+          </p:cNvPr>
           <p:cNvSpPr>
             <a:spLocks noGrp="1"/>
           </p:cNvSpPr>
@@ -1770,7 +5408,7 @@
           <a:bodyPr/>
           <a:lstStyle/>
           <a:p>
-            <a:fld id="{85CF150C-D96E-47FE-8644-83569D9BBCDF}" type="slidenum">
+            <a:fld id="{A932D385-1C5C-4B8C-A1C5-1E6FA26AB176}" type="slidenum">
               <a:rPr lang="ru-RU" smtClean="0"/>
               <a:t>‹#›</a:t>
             </a:fld>
@@ -1781,638 +5419,25 @@
     </p:spTree>
     <p:extLst>
       <p:ext uri="{BB962C8B-B14F-4D97-AF65-F5344CB8AC3E}">
-        <p14:creationId xmlns:p14="http://schemas.microsoft.com/office/powerpoint/2010/main" val="2406641114"/>
+        <p14:creationId xmlns:p14="http://schemas.microsoft.com/office/powerpoint/2010/main" val="235967056"/>
       </p:ext>
     </p:extLst>
   </p:cSld>
   <p:clrMapOvr>
     <a:masterClrMapping/>
   </p:clrMapOvr>
-</p:sldLayout>
-</file>
-
-<file path=ppt/slideLayouts/slideLayout7.xml><?xml version="1.0" encoding="utf-8"?>
-<p:sldLayout xmlns:a="http://schemas.openxmlformats.org/drawingml/2006/main" xmlns:r="http://schemas.openxmlformats.org/officeDocument/2006/relationships" xmlns:p="http://schemas.openxmlformats.org/presentationml/2006/main" type="blank" preserve="1">
-  <p:cSld name="Пустой слайд">
-    <p:spTree>
-      <p:nvGrpSpPr>
-        <p:cNvPr id="1" name=""/>
-        <p:cNvGrpSpPr/>
-        <p:nvPr/>
-      </p:nvGrpSpPr>
-      <p:grpSpPr>
-        <a:xfrm>
-          <a:off x="0" y="0"/>
-          <a:ext cx="0" cy="0"/>
-          <a:chOff x="0" y="0"/>
-          <a:chExt cx="0" cy="0"/>
-        </a:xfrm>
-      </p:grpSpPr>
-      <p:sp>
-        <p:nvSpPr>
-          <p:cNvPr id="2" name="Дата 1"/>
-          <p:cNvSpPr>
-            <a:spLocks noGrp="1"/>
-          </p:cNvSpPr>
-          <p:nvPr>
-            <p:ph type="dt" sz="half" idx="10"/>
-          </p:nvPr>
-        </p:nvSpPr>
-        <p:spPr/>
-        <p:txBody>
-          <a:bodyPr/>
-          <a:lstStyle/>
-          <a:p>
-            <a:fld id="{FE00ED1C-3B6C-4F79-8362-7565E475EFDC}" type="datetimeFigureOut">
-              <a:rPr lang="ru-RU" smtClean="0"/>
-              <a:t>24.11.2025</a:t>
-            </a:fld>
-            <a:endParaRPr lang="ru-RU"/>
-          </a:p>
-        </p:txBody>
-      </p:sp>
-      <p:sp>
-        <p:nvSpPr>
-          <p:cNvPr id="3" name="Нижний колонтитул 2"/>
-          <p:cNvSpPr>
-            <a:spLocks noGrp="1"/>
-          </p:cNvSpPr>
-          <p:nvPr>
-            <p:ph type="ftr" sz="quarter" idx="11"/>
-          </p:nvPr>
-        </p:nvSpPr>
-        <p:spPr/>
-        <p:txBody>
-          <a:bodyPr/>
-          <a:lstStyle/>
-          <a:p>
-            <a:endParaRPr lang="ru-RU"/>
-          </a:p>
-        </p:txBody>
-      </p:sp>
-      <p:sp>
-        <p:nvSpPr>
-          <p:cNvPr id="4" name="Номер слайда 3"/>
-          <p:cNvSpPr>
-            <a:spLocks noGrp="1"/>
-          </p:cNvSpPr>
-          <p:nvPr>
-            <p:ph type="sldNum" sz="quarter" idx="12"/>
-          </p:nvPr>
-        </p:nvSpPr>
-        <p:spPr/>
-        <p:txBody>
-          <a:bodyPr/>
-          <a:lstStyle/>
-          <a:p>
-            <a:fld id="{85CF150C-D96E-47FE-8644-83569D9BBCDF}" type="slidenum">
-              <a:rPr lang="ru-RU" smtClean="0"/>
-              <a:t>‹#›</a:t>
-            </a:fld>
-            <a:endParaRPr lang="ru-RU"/>
-          </a:p>
-        </p:txBody>
-      </p:sp>
-    </p:spTree>
-    <p:extLst>
-      <p:ext uri="{BB962C8B-B14F-4D97-AF65-F5344CB8AC3E}">
-        <p14:creationId xmlns:p14="http://schemas.microsoft.com/office/powerpoint/2010/main" val="1780772975"/>
-      </p:ext>
-    </p:extLst>
-  </p:cSld>
-  <p:clrMapOvr>
-    <a:masterClrMapping/>
-  </p:clrMapOvr>
-</p:sldLayout>
-</file>
-
-<file path=ppt/slideLayouts/slideLayout8.xml><?xml version="1.0" encoding="utf-8"?>
-<p:sldLayout xmlns:a="http://schemas.openxmlformats.org/drawingml/2006/main" xmlns:r="http://schemas.openxmlformats.org/officeDocument/2006/relationships" xmlns:p="http://schemas.openxmlformats.org/presentationml/2006/main" type="objTx" preserve="1">
-  <p:cSld name="Объект с подписью">
-    <p:spTree>
-      <p:nvGrpSpPr>
-        <p:cNvPr id="1" name=""/>
-        <p:cNvGrpSpPr/>
-        <p:nvPr/>
-      </p:nvGrpSpPr>
-      <p:grpSpPr>
-        <a:xfrm>
-          <a:off x="0" y="0"/>
-          <a:ext cx="0" cy="0"/>
-          <a:chOff x="0" y="0"/>
-          <a:chExt cx="0" cy="0"/>
-        </a:xfrm>
-      </p:grpSpPr>
-      <p:sp>
-        <p:nvSpPr>
-          <p:cNvPr id="2" name="Заголовок 1"/>
-          <p:cNvSpPr>
-            <a:spLocks noGrp="1"/>
-          </p:cNvSpPr>
-          <p:nvPr>
-            <p:ph type="title"/>
-          </p:nvPr>
-        </p:nvSpPr>
-        <p:spPr>
-          <a:xfrm>
-            <a:off x="839788" y="457200"/>
-            <a:ext cx="3932237" cy="1600200"/>
-          </a:xfrm>
-        </p:spPr>
-        <p:txBody>
-          <a:bodyPr anchor="b"/>
-          <a:lstStyle>
-            <a:lvl1pPr>
-              <a:defRPr sz="3200"/>
-            </a:lvl1pPr>
-          </a:lstStyle>
-          <a:p>
-            <a:r>
-              <a:rPr lang="ru-RU" smtClean="0"/>
-              <a:t>Образец заголовка</a:t>
-            </a:r>
-            <a:endParaRPr lang="ru-RU"/>
-          </a:p>
-        </p:txBody>
-      </p:sp>
-      <p:sp>
-        <p:nvSpPr>
-          <p:cNvPr id="3" name="Объект 2"/>
-          <p:cNvSpPr>
-            <a:spLocks noGrp="1"/>
-          </p:cNvSpPr>
-          <p:nvPr>
-            <p:ph idx="1"/>
-          </p:nvPr>
-        </p:nvSpPr>
-        <p:spPr>
-          <a:xfrm>
-            <a:off x="5183188" y="987425"/>
-            <a:ext cx="6172200" cy="4873625"/>
-          </a:xfrm>
-        </p:spPr>
-        <p:txBody>
-          <a:bodyPr/>
-          <a:lstStyle>
-            <a:lvl1pPr>
-              <a:defRPr sz="3200"/>
-            </a:lvl1pPr>
-            <a:lvl2pPr>
-              <a:defRPr sz="2800"/>
-            </a:lvl2pPr>
-            <a:lvl3pPr>
-              <a:defRPr sz="2400"/>
-            </a:lvl3pPr>
-            <a:lvl4pPr>
-              <a:defRPr sz="2000"/>
-            </a:lvl4pPr>
-            <a:lvl5pPr>
-              <a:defRPr sz="2000"/>
-            </a:lvl5pPr>
-            <a:lvl6pPr>
-              <a:defRPr sz="2000"/>
-            </a:lvl6pPr>
-            <a:lvl7pPr>
-              <a:defRPr sz="2000"/>
-            </a:lvl7pPr>
-            <a:lvl8pPr>
-              <a:defRPr sz="2000"/>
-            </a:lvl8pPr>
-            <a:lvl9pPr>
-              <a:defRPr sz="2000"/>
-            </a:lvl9pPr>
-          </a:lstStyle>
-          <a:p>
-            <a:pPr lvl="0"/>
-            <a:r>
-              <a:rPr lang="ru-RU" smtClean="0"/>
-              <a:t>Образец текста</a:t>
-            </a:r>
-          </a:p>
-          <a:p>
-            <a:pPr lvl="1"/>
-            <a:r>
-              <a:rPr lang="ru-RU" smtClean="0"/>
-              <a:t>Второй уровень</a:t>
-            </a:r>
-          </a:p>
-          <a:p>
-            <a:pPr lvl="2"/>
-            <a:r>
-              <a:rPr lang="ru-RU" smtClean="0"/>
-              <a:t>Третий уровень</a:t>
-            </a:r>
-          </a:p>
-          <a:p>
-            <a:pPr lvl="3"/>
-            <a:r>
-              <a:rPr lang="ru-RU" smtClean="0"/>
-              <a:t>Четвертый уровень</a:t>
-            </a:r>
-          </a:p>
-          <a:p>
-            <a:pPr lvl="4"/>
-            <a:r>
-              <a:rPr lang="ru-RU" smtClean="0"/>
-              <a:t>Пятый уровень</a:t>
-            </a:r>
-            <a:endParaRPr lang="ru-RU"/>
-          </a:p>
-        </p:txBody>
-      </p:sp>
-      <p:sp>
-        <p:nvSpPr>
-          <p:cNvPr id="4" name="Текст 3"/>
-          <p:cNvSpPr>
-            <a:spLocks noGrp="1"/>
-          </p:cNvSpPr>
-          <p:nvPr>
-            <p:ph type="body" sz="half" idx="2"/>
-          </p:nvPr>
-        </p:nvSpPr>
-        <p:spPr>
-          <a:xfrm>
-            <a:off x="839788" y="2057400"/>
-            <a:ext cx="3932237" cy="3811588"/>
-          </a:xfrm>
-        </p:spPr>
-        <p:txBody>
-          <a:bodyPr/>
-          <a:lstStyle>
-            <a:lvl1pPr marL="0" indent="0">
-              <a:buNone/>
-              <a:defRPr sz="1600"/>
-            </a:lvl1pPr>
-            <a:lvl2pPr marL="457200" indent="0">
-              <a:buNone/>
-              <a:defRPr sz="1400"/>
-            </a:lvl2pPr>
-            <a:lvl3pPr marL="914400" indent="0">
-              <a:buNone/>
-              <a:defRPr sz="1200"/>
-            </a:lvl3pPr>
-            <a:lvl4pPr marL="1371600" indent="0">
-              <a:buNone/>
-              <a:defRPr sz="1000"/>
-            </a:lvl4pPr>
-            <a:lvl5pPr marL="1828800" indent="0">
-              <a:buNone/>
-              <a:defRPr sz="1000"/>
-            </a:lvl5pPr>
-            <a:lvl6pPr marL="2286000" indent="0">
-              <a:buNone/>
-              <a:defRPr sz="1000"/>
-            </a:lvl6pPr>
-            <a:lvl7pPr marL="2743200" indent="0">
-              <a:buNone/>
-              <a:defRPr sz="1000"/>
-            </a:lvl7pPr>
-            <a:lvl8pPr marL="3200400" indent="0">
-              <a:buNone/>
-              <a:defRPr sz="1000"/>
-            </a:lvl8pPr>
-            <a:lvl9pPr marL="3657600" indent="0">
-              <a:buNone/>
-              <a:defRPr sz="1000"/>
-            </a:lvl9pPr>
-          </a:lstStyle>
-          <a:p>
-            <a:pPr lvl="0"/>
-            <a:r>
-              <a:rPr lang="ru-RU" smtClean="0"/>
-              <a:t>Образец текста</a:t>
-            </a:r>
-          </a:p>
-        </p:txBody>
-      </p:sp>
-      <p:sp>
-        <p:nvSpPr>
-          <p:cNvPr id="5" name="Дата 4"/>
-          <p:cNvSpPr>
-            <a:spLocks noGrp="1"/>
-          </p:cNvSpPr>
-          <p:nvPr>
-            <p:ph type="dt" sz="half" idx="10"/>
-          </p:nvPr>
-        </p:nvSpPr>
-        <p:spPr/>
-        <p:txBody>
-          <a:bodyPr/>
-          <a:lstStyle/>
-          <a:p>
-            <a:fld id="{FE00ED1C-3B6C-4F79-8362-7565E475EFDC}" type="datetimeFigureOut">
-              <a:rPr lang="ru-RU" smtClean="0"/>
-              <a:t>24.11.2025</a:t>
-            </a:fld>
-            <a:endParaRPr lang="ru-RU"/>
-          </a:p>
-        </p:txBody>
-      </p:sp>
-      <p:sp>
-        <p:nvSpPr>
-          <p:cNvPr id="6" name="Нижний колонтитул 5"/>
-          <p:cNvSpPr>
-            <a:spLocks noGrp="1"/>
-          </p:cNvSpPr>
-          <p:nvPr>
-            <p:ph type="ftr" sz="quarter" idx="11"/>
-          </p:nvPr>
-        </p:nvSpPr>
-        <p:spPr/>
-        <p:txBody>
-          <a:bodyPr/>
-          <a:lstStyle/>
-          <a:p>
-            <a:endParaRPr lang="ru-RU"/>
-          </a:p>
-        </p:txBody>
-      </p:sp>
-      <p:sp>
-        <p:nvSpPr>
-          <p:cNvPr id="7" name="Номер слайда 6"/>
-          <p:cNvSpPr>
-            <a:spLocks noGrp="1"/>
-          </p:cNvSpPr>
-          <p:nvPr>
-            <p:ph type="sldNum" sz="quarter" idx="12"/>
-          </p:nvPr>
-        </p:nvSpPr>
-        <p:spPr/>
-        <p:txBody>
-          <a:bodyPr/>
-          <a:lstStyle/>
-          <a:p>
-            <a:fld id="{85CF150C-D96E-47FE-8644-83569D9BBCDF}" type="slidenum">
-              <a:rPr lang="ru-RU" smtClean="0"/>
-              <a:t>‹#›</a:t>
-            </a:fld>
-            <a:endParaRPr lang="ru-RU"/>
-          </a:p>
-        </p:txBody>
-      </p:sp>
-    </p:spTree>
-    <p:extLst>
-      <p:ext uri="{BB962C8B-B14F-4D97-AF65-F5344CB8AC3E}">
-        <p14:creationId xmlns:p14="http://schemas.microsoft.com/office/powerpoint/2010/main" val="1996158447"/>
-      </p:ext>
-    </p:extLst>
-  </p:cSld>
-  <p:clrMapOvr>
-    <a:masterClrMapping/>
-  </p:clrMapOvr>
-</p:sldLayout>
-</file>
-
-<file path=ppt/slideLayouts/slideLayout9.xml><?xml version="1.0" encoding="utf-8"?>
-<p:sldLayout xmlns:a="http://schemas.openxmlformats.org/drawingml/2006/main" xmlns:r="http://schemas.openxmlformats.org/officeDocument/2006/relationships" xmlns:p="http://schemas.openxmlformats.org/presentationml/2006/main" type="picTx" preserve="1">
-  <p:cSld name="Рисунок с подписью">
-    <p:spTree>
-      <p:nvGrpSpPr>
-        <p:cNvPr id="1" name=""/>
-        <p:cNvGrpSpPr/>
-        <p:nvPr/>
-      </p:nvGrpSpPr>
-      <p:grpSpPr>
-        <a:xfrm>
-          <a:off x="0" y="0"/>
-          <a:ext cx="0" cy="0"/>
-          <a:chOff x="0" y="0"/>
-          <a:chExt cx="0" cy="0"/>
-        </a:xfrm>
-      </p:grpSpPr>
-      <p:sp>
-        <p:nvSpPr>
-          <p:cNvPr id="2" name="Заголовок 1"/>
-          <p:cNvSpPr>
-            <a:spLocks noGrp="1"/>
-          </p:cNvSpPr>
-          <p:nvPr>
-            <p:ph type="title"/>
-          </p:nvPr>
-        </p:nvSpPr>
-        <p:spPr>
-          <a:xfrm>
-            <a:off x="839788" y="457200"/>
-            <a:ext cx="3932237" cy="1600200"/>
-          </a:xfrm>
-        </p:spPr>
-        <p:txBody>
-          <a:bodyPr anchor="b"/>
-          <a:lstStyle>
-            <a:lvl1pPr>
-              <a:defRPr sz="3200"/>
-            </a:lvl1pPr>
-          </a:lstStyle>
-          <a:p>
-            <a:r>
-              <a:rPr lang="ru-RU" smtClean="0"/>
-              <a:t>Образец заголовка</a:t>
-            </a:r>
-            <a:endParaRPr lang="ru-RU"/>
-          </a:p>
-        </p:txBody>
-      </p:sp>
-      <p:sp>
-        <p:nvSpPr>
-          <p:cNvPr id="3" name="Рисунок 2"/>
-          <p:cNvSpPr>
-            <a:spLocks noGrp="1"/>
-          </p:cNvSpPr>
-          <p:nvPr>
-            <p:ph type="pic" idx="1"/>
-          </p:nvPr>
-        </p:nvSpPr>
-        <p:spPr>
-          <a:xfrm>
-            <a:off x="5183188" y="987425"/>
-            <a:ext cx="6172200" cy="4873625"/>
-          </a:xfrm>
-        </p:spPr>
-        <p:txBody>
-          <a:bodyPr/>
-          <a:lstStyle>
-            <a:lvl1pPr marL="0" indent="0">
-              <a:buNone/>
-              <a:defRPr sz="3200"/>
-            </a:lvl1pPr>
-            <a:lvl2pPr marL="457200" indent="0">
-              <a:buNone/>
-              <a:defRPr sz="2800"/>
-            </a:lvl2pPr>
-            <a:lvl3pPr marL="914400" indent="0">
-              <a:buNone/>
-              <a:defRPr sz="2400"/>
-            </a:lvl3pPr>
-            <a:lvl4pPr marL="1371600" indent="0">
-              <a:buNone/>
-              <a:defRPr sz="2000"/>
-            </a:lvl4pPr>
-            <a:lvl5pPr marL="1828800" indent="0">
-              <a:buNone/>
-              <a:defRPr sz="2000"/>
-            </a:lvl5pPr>
-            <a:lvl6pPr marL="2286000" indent="0">
-              <a:buNone/>
-              <a:defRPr sz="2000"/>
-            </a:lvl6pPr>
-            <a:lvl7pPr marL="2743200" indent="0">
-              <a:buNone/>
-              <a:defRPr sz="2000"/>
-            </a:lvl7pPr>
-            <a:lvl8pPr marL="3200400" indent="0">
-              <a:buNone/>
-              <a:defRPr sz="2000"/>
-            </a:lvl8pPr>
-            <a:lvl9pPr marL="3657600" indent="0">
-              <a:buNone/>
-              <a:defRPr sz="2000"/>
-            </a:lvl9pPr>
-          </a:lstStyle>
-          <a:p>
-            <a:endParaRPr lang="ru-RU"/>
-          </a:p>
-        </p:txBody>
-      </p:sp>
-      <p:sp>
-        <p:nvSpPr>
-          <p:cNvPr id="4" name="Текст 3"/>
-          <p:cNvSpPr>
-            <a:spLocks noGrp="1"/>
-          </p:cNvSpPr>
-          <p:nvPr>
-            <p:ph type="body" sz="half" idx="2"/>
-          </p:nvPr>
-        </p:nvSpPr>
-        <p:spPr>
-          <a:xfrm>
-            <a:off x="839788" y="2057400"/>
-            <a:ext cx="3932237" cy="3811588"/>
-          </a:xfrm>
-        </p:spPr>
-        <p:txBody>
-          <a:bodyPr/>
-          <a:lstStyle>
-            <a:lvl1pPr marL="0" indent="0">
-              <a:buNone/>
-              <a:defRPr sz="1600"/>
-            </a:lvl1pPr>
-            <a:lvl2pPr marL="457200" indent="0">
-              <a:buNone/>
-              <a:defRPr sz="1400"/>
-            </a:lvl2pPr>
-            <a:lvl3pPr marL="914400" indent="0">
-              <a:buNone/>
-              <a:defRPr sz="1200"/>
-            </a:lvl3pPr>
-            <a:lvl4pPr marL="1371600" indent="0">
-              <a:buNone/>
-              <a:defRPr sz="1000"/>
-            </a:lvl4pPr>
-            <a:lvl5pPr marL="1828800" indent="0">
-              <a:buNone/>
-              <a:defRPr sz="1000"/>
-            </a:lvl5pPr>
-            <a:lvl6pPr marL="2286000" indent="0">
-              <a:buNone/>
-              <a:defRPr sz="1000"/>
-            </a:lvl6pPr>
-            <a:lvl7pPr marL="2743200" indent="0">
-              <a:buNone/>
-              <a:defRPr sz="1000"/>
-            </a:lvl7pPr>
-            <a:lvl8pPr marL="3200400" indent="0">
-              <a:buNone/>
-              <a:defRPr sz="1000"/>
-            </a:lvl8pPr>
-            <a:lvl9pPr marL="3657600" indent="0">
-              <a:buNone/>
-              <a:defRPr sz="1000"/>
-            </a:lvl9pPr>
-          </a:lstStyle>
-          <a:p>
-            <a:pPr lvl="0"/>
-            <a:r>
-              <a:rPr lang="ru-RU" smtClean="0"/>
-              <a:t>Образец текста</a:t>
-            </a:r>
-          </a:p>
-        </p:txBody>
-      </p:sp>
-      <p:sp>
-        <p:nvSpPr>
-          <p:cNvPr id="5" name="Дата 4"/>
-          <p:cNvSpPr>
-            <a:spLocks noGrp="1"/>
-          </p:cNvSpPr>
-          <p:nvPr>
-            <p:ph type="dt" sz="half" idx="10"/>
-          </p:nvPr>
-        </p:nvSpPr>
-        <p:spPr/>
-        <p:txBody>
-          <a:bodyPr/>
-          <a:lstStyle/>
-          <a:p>
-            <a:fld id="{FE00ED1C-3B6C-4F79-8362-7565E475EFDC}" type="datetimeFigureOut">
-              <a:rPr lang="ru-RU" smtClean="0"/>
-              <a:t>24.11.2025</a:t>
-            </a:fld>
-            <a:endParaRPr lang="ru-RU"/>
-          </a:p>
-        </p:txBody>
-      </p:sp>
-      <p:sp>
-        <p:nvSpPr>
-          <p:cNvPr id="6" name="Нижний колонтитул 5"/>
-          <p:cNvSpPr>
-            <a:spLocks noGrp="1"/>
-          </p:cNvSpPr>
-          <p:nvPr>
-            <p:ph type="ftr" sz="quarter" idx="11"/>
-          </p:nvPr>
-        </p:nvSpPr>
-        <p:spPr/>
-        <p:txBody>
-          <a:bodyPr/>
-          <a:lstStyle/>
-          <a:p>
-            <a:endParaRPr lang="ru-RU"/>
-          </a:p>
-        </p:txBody>
-      </p:sp>
-      <p:sp>
-        <p:nvSpPr>
-          <p:cNvPr id="7" name="Номер слайда 6"/>
-          <p:cNvSpPr>
-            <a:spLocks noGrp="1"/>
-          </p:cNvSpPr>
-          <p:nvPr>
-            <p:ph type="sldNum" sz="quarter" idx="12"/>
-          </p:nvPr>
-        </p:nvSpPr>
-        <p:spPr/>
-        <p:txBody>
-          <a:bodyPr/>
-          <a:lstStyle/>
-          <a:p>
-            <a:fld id="{85CF150C-D96E-47FE-8644-83569D9BBCDF}" type="slidenum">
-              <a:rPr lang="ru-RU" smtClean="0"/>
-              <a:t>‹#›</a:t>
-            </a:fld>
-            <a:endParaRPr lang="ru-RU"/>
-          </a:p>
-        </p:txBody>
-      </p:sp>
-    </p:spTree>
-    <p:extLst>
-      <p:ext uri="{BB962C8B-B14F-4D97-AF65-F5344CB8AC3E}">
-        <p14:creationId xmlns:p14="http://schemas.microsoft.com/office/powerpoint/2010/main" val="2830763270"/>
-      </p:ext>
-    </p:extLst>
-  </p:cSld>
-  <p:clrMapOvr>
-    <a:masterClrMapping/>
-  </p:clrMapOvr>
+  <mc:AlternateContent xmlns:mc="http://schemas.openxmlformats.org/markup-compatibility/2006" xmlns:p14="http://schemas.microsoft.com/office/powerpoint/2010/main">
+    <mc:Choice Requires="p14">
+      <p:transition spd="med" p14:dur="700">
+        <p:fade/>
+      </p:transition>
+    </mc:Choice>
+    <mc:Fallback xmlns="">
+      <p:transition spd="med">
+        <p:fade/>
+      </p:transition>
+    </mc:Fallback>
+  </mc:AlternateContent>
 </p:sldLayout>
 </file>
 
@@ -2440,7 +5465,13 @@
       </p:grpSpPr>
       <p:sp>
         <p:nvSpPr>
-          <p:cNvPr id="2" name="Заголовок 1"/>
+          <p:cNvPr id="2" name="Заголовок 1">
+            <a:extLst>
+              <a:ext uri="{FF2B5EF4-FFF2-40B4-BE49-F238E27FC236}">
+                <a16:creationId xmlns:a16="http://schemas.microsoft.com/office/drawing/2014/main" id="{8F8E9284-BDA4-45F8-A54F-94F6151AAFB3}"/>
+              </a:ext>
+            </a:extLst>
+          </p:cNvPr>
           <p:cNvSpPr>
             <a:spLocks noGrp="1"/>
           </p:cNvSpPr>
@@ -2464,16 +5495,21 @@
           <a:lstStyle/>
           <a:p>
             <a:r>
-              <a:rPr lang="ru-RU" smtClean="0"/>
+              <a:rPr lang="ru-RU"/>
               <a:t>Образец заголовка</a:t>
             </a:r>
-            <a:endParaRPr lang="ru-RU"/>
-          </a:p>
-        </p:txBody>
-      </p:sp>
-      <p:sp>
-        <p:nvSpPr>
-          <p:cNvPr id="3" name="Текст 2"/>
+          </a:p>
+        </p:txBody>
+      </p:sp>
+      <p:sp>
+        <p:nvSpPr>
+          <p:cNvPr id="3" name="Текст 2">
+            <a:extLst>
+              <a:ext uri="{FF2B5EF4-FFF2-40B4-BE49-F238E27FC236}">
+                <a16:creationId xmlns:a16="http://schemas.microsoft.com/office/drawing/2014/main" id="{142D6D37-E80C-4087-8866-D624C739E258}"/>
+              </a:ext>
+            </a:extLst>
+          </p:cNvPr>
           <p:cNvSpPr>
             <a:spLocks noGrp="1"/>
           </p:cNvSpPr>
@@ -2498,44 +5534,49 @@
           <a:p>
             <a:pPr lvl="0"/>
             <a:r>
-              <a:rPr lang="ru-RU" smtClean="0"/>
+              <a:rPr lang="ru-RU"/>
               <a:t>Образец текста</a:t>
             </a:r>
           </a:p>
           <a:p>
             <a:pPr lvl="1"/>
             <a:r>
-              <a:rPr lang="ru-RU" smtClean="0"/>
+              <a:rPr lang="ru-RU"/>
               <a:t>Второй уровень</a:t>
             </a:r>
           </a:p>
           <a:p>
             <a:pPr lvl="2"/>
             <a:r>
-              <a:rPr lang="ru-RU" smtClean="0"/>
+              <a:rPr lang="ru-RU"/>
               <a:t>Третий уровень</a:t>
             </a:r>
           </a:p>
           <a:p>
             <a:pPr lvl="3"/>
             <a:r>
-              <a:rPr lang="ru-RU" smtClean="0"/>
+              <a:rPr lang="ru-RU"/>
               <a:t>Четвертый уровень</a:t>
             </a:r>
           </a:p>
           <a:p>
             <a:pPr lvl="4"/>
             <a:r>
-              <a:rPr lang="ru-RU" smtClean="0"/>
+              <a:rPr lang="ru-RU"/>
               <a:t>Пятый уровень</a:t>
             </a:r>
-            <a:endParaRPr lang="ru-RU"/>
-          </a:p>
-        </p:txBody>
-      </p:sp>
-      <p:sp>
-        <p:nvSpPr>
-          <p:cNvPr id="4" name="Дата 3"/>
+          </a:p>
+        </p:txBody>
+      </p:sp>
+      <p:sp>
+        <p:nvSpPr>
+          <p:cNvPr id="4" name="Дата 3">
+            <a:extLst>
+              <a:ext uri="{FF2B5EF4-FFF2-40B4-BE49-F238E27FC236}">
+                <a16:creationId xmlns:a16="http://schemas.microsoft.com/office/drawing/2014/main" id="{42A1800B-2E1A-4303-9892-AB08F80EA628}"/>
+              </a:ext>
+            </a:extLst>
+          </p:cNvPr>
           <p:cNvSpPr>
             <a:spLocks noGrp="1"/>
           </p:cNvSpPr>
@@ -2566,9 +5607,9 @@
             </a:lvl1pPr>
           </a:lstStyle>
           <a:p>
-            <a:fld id="{FE00ED1C-3B6C-4F79-8362-7565E475EFDC}" type="datetimeFigureOut">
+            <a:fld id="{66F6873F-BC63-4C77-8C1F-6337C0BA4F5E}" type="datetimeFigureOut">
               <a:rPr lang="ru-RU" smtClean="0"/>
-              <a:t>24.11.2025</a:t>
+              <a:t>26.11.2025</a:t>
             </a:fld>
             <a:endParaRPr lang="ru-RU"/>
           </a:p>
@@ -2576,7 +5617,13 @@
       </p:sp>
       <p:sp>
         <p:nvSpPr>
-          <p:cNvPr id="5" name="Нижний колонтитул 4"/>
+          <p:cNvPr id="5" name="Нижний колонтитул 4">
+            <a:extLst>
+              <a:ext uri="{FF2B5EF4-FFF2-40B4-BE49-F238E27FC236}">
+                <a16:creationId xmlns:a16="http://schemas.microsoft.com/office/drawing/2014/main" id="{F5BC04A6-2998-40EB-BF13-94B54C7ADBA8}"/>
+              </a:ext>
+            </a:extLst>
+          </p:cNvPr>
           <p:cNvSpPr>
             <a:spLocks noGrp="1"/>
           </p:cNvSpPr>
@@ -2613,7 +5660,13 @@
       </p:sp>
       <p:sp>
         <p:nvSpPr>
-          <p:cNvPr id="6" name="Номер слайда 5"/>
+          <p:cNvPr id="6" name="Номер слайда 5">
+            <a:extLst>
+              <a:ext uri="{FF2B5EF4-FFF2-40B4-BE49-F238E27FC236}">
+                <a16:creationId xmlns:a16="http://schemas.microsoft.com/office/drawing/2014/main" id="{75CE2691-9DFE-40D1-8BB1-8DFF491DA3FD}"/>
+              </a:ext>
+            </a:extLst>
+          </p:cNvPr>
           <p:cNvSpPr>
             <a:spLocks noGrp="1"/>
           </p:cNvSpPr>
@@ -2644,7 +5697,7 @@
             </a:lvl1pPr>
           </a:lstStyle>
           <a:p>
-            <a:fld id="{85CF150C-D96E-47FE-8644-83569D9BBCDF}" type="slidenum">
+            <a:fld id="{A932D385-1C5C-4B8C-A1C5-1E6FA26AB176}" type="slidenum">
               <a:rPr lang="ru-RU" smtClean="0"/>
               <a:t>‹#›</a:t>
             </a:fld>
@@ -2652,10 +5705,47 @@
           </a:p>
         </p:txBody>
       </p:sp>
+      <p:pic>
+        <p:nvPicPr>
+          <p:cNvPr id="7" name="Рисунок 6">
+            <a:hlinkClick r:id="rId16"/>
+            <a:extLst>
+              <a:ext uri="{FF2B5EF4-FFF2-40B4-BE49-F238E27FC236}">
+                <a16:creationId xmlns:a16="http://schemas.microsoft.com/office/drawing/2014/main" id="{1847D26E-390E-4229-B0D7-62066CD41BE0}"/>
+              </a:ext>
+            </a:extLst>
+          </p:cNvPr>
+          <p:cNvPicPr>
+            <a:picLocks noChangeAspect="1"/>
+          </p:cNvPicPr>
+          <p:nvPr userDrawn="1"/>
+        </p:nvPicPr>
+        <p:blipFill>
+          <a:blip r:embed="rId17">
+            <a:extLst>
+              <a:ext uri="{28A0092B-C50C-407E-A947-70E740481C1C}">
+                <a14:useLocalDpi xmlns:a14="http://schemas.microsoft.com/office/drawing/2010/main" val="0"/>
+              </a:ext>
+            </a:extLst>
+          </a:blip>
+          <a:stretch>
+            <a:fillRect/>
+          </a:stretch>
+        </p:blipFill>
+        <p:spPr>
+          <a:xfrm>
+            <a:off x="-3342808" y="-639945"/>
+            <a:ext cx="757762" cy="757762"/>
+          </a:xfrm>
+          <a:prstGeom prst="rect">
+            <a:avLst/>
+          </a:prstGeom>
+        </p:spPr>
+      </p:pic>
     </p:spTree>
     <p:extLst>
       <p:ext uri="{BB962C8B-B14F-4D97-AF65-F5344CB8AC3E}">
-        <p14:creationId xmlns:p14="http://schemas.microsoft.com/office/powerpoint/2010/main" val="418139820"/>
+        <p14:creationId xmlns:p14="http://schemas.microsoft.com/office/powerpoint/2010/main" val="3882161423"/>
       </p:ext>
     </p:extLst>
   </p:cSld>
@@ -2663,16 +5753,31 @@
   <p:sldLayoutIdLst>
     <p:sldLayoutId id="2147483649" r:id="rId1"/>
     <p:sldLayoutId id="2147483650" r:id="rId2"/>
-    <p:sldLayoutId id="2147483651" r:id="rId3"/>
-    <p:sldLayoutId id="2147483652" r:id="rId4"/>
-    <p:sldLayoutId id="2147483653" r:id="rId5"/>
-    <p:sldLayoutId id="2147483654" r:id="rId6"/>
-    <p:sldLayoutId id="2147483655" r:id="rId7"/>
-    <p:sldLayoutId id="2147483656" r:id="rId8"/>
-    <p:sldLayoutId id="2147483657" r:id="rId9"/>
-    <p:sldLayoutId id="2147483658" r:id="rId10"/>
-    <p:sldLayoutId id="2147483659" r:id="rId11"/>
+    <p:sldLayoutId id="2147483662" r:id="rId3"/>
+    <p:sldLayoutId id="2147483660" r:id="rId4"/>
+    <p:sldLayoutId id="2147483661" r:id="rId5"/>
+    <p:sldLayoutId id="2147483651" r:id="rId6"/>
+    <p:sldLayoutId id="2147483652" r:id="rId7"/>
+    <p:sldLayoutId id="2147483653" r:id="rId8"/>
+    <p:sldLayoutId id="2147483654" r:id="rId9"/>
+    <p:sldLayoutId id="2147483655" r:id="rId10"/>
+    <p:sldLayoutId id="2147483656" r:id="rId11"/>
+    <p:sldLayoutId id="2147483657" r:id="rId12"/>
+    <p:sldLayoutId id="2147483658" r:id="rId13"/>
+    <p:sldLayoutId id="2147483659" r:id="rId14"/>
   </p:sldLayoutIdLst>
+  <mc:AlternateContent xmlns:mc="http://schemas.openxmlformats.org/markup-compatibility/2006" xmlns:p14="http://schemas.microsoft.com/office/powerpoint/2010/main">
+    <mc:Choice Requires="p14">
+      <p:transition spd="med" p14:dur="700">
+        <p:fade/>
+      </p:transition>
+    </mc:Choice>
+    <mc:Fallback xmlns="">
+      <p:transition spd="med">
+        <p:fade/>
+      </p:transition>
+    </mc:Fallback>
+  </mc:AlternateContent>
   <p:txStyles>
     <p:titleStyle>
       <a:lvl1pPr algn="l" defTabSz="914400" rtl="0" eaLnBrk="1" latinLnBrk="0" hangingPunct="1">
@@ -2975,7 +6080,7 @@
       </p:grpSpPr>
       <p:sp>
         <p:nvSpPr>
-          <p:cNvPr id="4" name="Прямоугольник 3"/>
+          <p:cNvPr id="17" name="Прямоугольник 16"/>
           <p:cNvSpPr/>
           <p:nvPr/>
         </p:nvSpPr>
@@ -3206,7 +6311,7 @@
       </p:sp>
       <p:sp>
         <p:nvSpPr>
-          <p:cNvPr id="5" name="Прямоугольник 4"/>
+          <p:cNvPr id="18" name="Прямоугольник 17"/>
           <p:cNvSpPr/>
           <p:nvPr/>
         </p:nvSpPr>
@@ -3275,7 +6380,7 @@
       </p:sp>
       <p:sp>
         <p:nvSpPr>
-          <p:cNvPr id="6" name="Прямоугольник 5"/>
+          <p:cNvPr id="19" name="Прямоугольник 18"/>
           <p:cNvSpPr/>
           <p:nvPr/>
         </p:nvSpPr>
@@ -3376,7 +6481,7 @@
       </p:sp>
       <p:sp>
         <p:nvSpPr>
-          <p:cNvPr id="7" name="Прямоугольник 6"/>
+          <p:cNvPr id="20" name="Прямоугольник 19"/>
           <p:cNvSpPr/>
           <p:nvPr/>
         </p:nvSpPr>
@@ -3428,20 +6533,25 @@
     </p:spTree>
     <p:extLst>
       <p:ext uri="{BB962C8B-B14F-4D97-AF65-F5344CB8AC3E}">
-        <p14:creationId xmlns:p14="http://schemas.microsoft.com/office/powerpoint/2010/main" val="212370876"/>
+        <p14:creationId xmlns:p14="http://schemas.microsoft.com/office/powerpoint/2010/main" val="812668912"/>
       </p:ext>
     </p:extLst>
   </p:cSld>
   <p:clrMapOvr>
     <a:masterClrMapping/>
   </p:clrMapOvr>
-  <p:timing>
-    <p:tnLst>
-      <p:par>
-        <p:cTn id="1" dur="indefinite" restart="never" nodeType="tmRoot"/>
-      </p:par>
-    </p:tnLst>
-  </p:timing>
+  <mc:AlternateContent xmlns:mc="http://schemas.openxmlformats.org/markup-compatibility/2006" xmlns:p14="http://schemas.microsoft.com/office/powerpoint/2010/main">
+    <mc:Choice Requires="p14">
+      <p:transition spd="med" p14:dur="700">
+        <p:fade/>
+      </p:transition>
+    </mc:Choice>
+    <mc:Fallback xmlns="">
+      <p:transition spd="med">
+        <p:fade/>
+      </p:transition>
+    </mc:Fallback>
+  </mc:AlternateContent>
 </p:sld>
 </file>
 
@@ -3464,7 +6574,7 @@
       </p:grpSpPr>
       <p:sp>
         <p:nvSpPr>
-          <p:cNvPr id="4" name="Прямоугольник 3"/>
+          <p:cNvPr id="17" name="Прямоугольник 16"/>
           <p:cNvSpPr/>
           <p:nvPr/>
         </p:nvSpPr>
@@ -3695,7 +6805,7 @@
       </p:sp>
       <p:sp>
         <p:nvSpPr>
-          <p:cNvPr id="5" name="Прямоугольник 4"/>
+          <p:cNvPr id="18" name="Прямоугольник 17"/>
           <p:cNvSpPr/>
           <p:nvPr/>
         </p:nvSpPr>
@@ -3764,7 +6874,7 @@
       </p:sp>
       <p:sp>
         <p:nvSpPr>
-          <p:cNvPr id="6" name="Прямоугольник 5"/>
+          <p:cNvPr id="19" name="Прямоугольник 18"/>
           <p:cNvSpPr/>
           <p:nvPr/>
         </p:nvSpPr>
@@ -3865,7 +6975,7 @@
       </p:sp>
       <p:sp>
         <p:nvSpPr>
-          <p:cNvPr id="7" name="Прямоугольник 6"/>
+          <p:cNvPr id="20" name="Прямоугольник 19"/>
           <p:cNvSpPr/>
           <p:nvPr/>
         </p:nvSpPr>
@@ -3917,13 +7027,25 @@
     </p:spTree>
     <p:extLst>
       <p:ext uri="{BB962C8B-B14F-4D97-AF65-F5344CB8AC3E}">
-        <p14:creationId xmlns:p14="http://schemas.microsoft.com/office/powerpoint/2010/main" val="3519034294"/>
+        <p14:creationId xmlns:p14="http://schemas.microsoft.com/office/powerpoint/2010/main" val="2456952355"/>
       </p:ext>
     </p:extLst>
   </p:cSld>
   <p:clrMapOvr>
     <a:masterClrMapping/>
   </p:clrMapOvr>
+  <mc:AlternateContent xmlns:mc="http://schemas.openxmlformats.org/markup-compatibility/2006" xmlns:p14="http://schemas.microsoft.com/office/powerpoint/2010/main">
+    <mc:Choice Requires="p14">
+      <p:transition spd="med" p14:dur="700">
+        <p:fade/>
+      </p:transition>
+    </mc:Choice>
+    <mc:Fallback xmlns="">
+      <p:transition spd="med">
+        <p:fade/>
+      </p:transition>
+    </mc:Fallback>
+  </mc:AlternateContent>
 </p:sld>
 </file>
 
@@ -3946,7 +7068,7 @@
       </p:grpSpPr>
       <p:sp>
         <p:nvSpPr>
-          <p:cNvPr id="2" name="Заголовок 1"/>
+          <p:cNvPr id="12" name="Заголовок 1"/>
           <p:cNvSpPr>
             <a:spLocks noGrp="1"/>
           </p:cNvSpPr>
@@ -3954,7 +7076,12 @@
             <p:ph type="title"/>
           </p:nvPr>
         </p:nvSpPr>
-        <p:spPr/>
+        <p:spPr>
+          <a:xfrm>
+            <a:off x="838200" y="365125"/>
+            <a:ext cx="10515600" cy="1325563"/>
+          </a:xfrm>
+        </p:spPr>
         <p:txBody>
           <a:bodyPr/>
           <a:lstStyle/>
@@ -3969,7 +7096,7 @@
       </p:sp>
       <p:sp>
         <p:nvSpPr>
-          <p:cNvPr id="3" name="Объект 2"/>
+          <p:cNvPr id="13" name="Объект 2"/>
           <p:cNvSpPr>
             <a:spLocks noGrp="1"/>
           </p:cNvSpPr>
@@ -3977,12 +7104,17 @@
             <p:ph idx="1"/>
           </p:nvPr>
         </p:nvSpPr>
-        <p:spPr/>
+        <p:spPr>
+          <a:xfrm>
+            <a:off x="838200" y="1825625"/>
+            <a:ext cx="7188200" cy="4351338"/>
+          </a:xfrm>
+        </p:spPr>
         <p:txBody>
           <a:bodyPr/>
           <a:lstStyle/>
           <a:p>
-            <a:pPr marL="0" indent="0">
+            <a:pPr marL="0" indent="0" algn="just">
               <a:buNone/>
             </a:pPr>
             <a:r>
@@ -3995,7 +7127,7 @@
       </p:sp>
       <p:sp>
         <p:nvSpPr>
-          <p:cNvPr id="4" name="TextBox 3"/>
+          <p:cNvPr id="14" name="TextBox 13"/>
           <p:cNvSpPr txBox="1"/>
           <p:nvPr/>
         </p:nvSpPr>
@@ -4032,20 +7164,25 @@
     </p:spTree>
     <p:extLst>
       <p:ext uri="{BB962C8B-B14F-4D97-AF65-F5344CB8AC3E}">
-        <p14:creationId xmlns:p14="http://schemas.microsoft.com/office/powerpoint/2010/main" val="2015386932"/>
+        <p14:creationId xmlns:p14="http://schemas.microsoft.com/office/powerpoint/2010/main" val="1072856952"/>
       </p:ext>
     </p:extLst>
   </p:cSld>
   <p:clrMapOvr>
     <a:masterClrMapping/>
   </p:clrMapOvr>
-  <p:timing>
-    <p:tnLst>
-      <p:par>
-        <p:cTn id="1" dur="indefinite" restart="never" nodeType="tmRoot"/>
-      </p:par>
-    </p:tnLst>
-  </p:timing>
+  <mc:AlternateContent xmlns:mc="http://schemas.openxmlformats.org/markup-compatibility/2006" xmlns:p14="http://schemas.microsoft.com/office/powerpoint/2010/main">
+    <mc:Choice Requires="p14">
+      <p:transition spd="med" p14:dur="700">
+        <p:fade/>
+      </p:transition>
+    </mc:Choice>
+    <mc:Fallback xmlns="">
+      <p:transition spd="med">
+        <p:fade/>
+      </p:transition>
+    </mc:Fallback>
+  </mc:AlternateContent>
 </p:sld>
 </file>
 
@@ -4068,7 +7205,7 @@
       </p:grpSpPr>
       <p:sp>
         <p:nvSpPr>
-          <p:cNvPr id="2" name="Заголовок 1"/>
+          <p:cNvPr id="8" name="Заголовок 1"/>
           <p:cNvSpPr>
             <a:spLocks noGrp="1"/>
           </p:cNvSpPr>
@@ -4076,7 +7213,12 @@
             <p:ph type="title"/>
           </p:nvPr>
         </p:nvSpPr>
-        <p:spPr/>
+        <p:spPr>
+          <a:xfrm>
+            <a:off x="838200" y="365125"/>
+            <a:ext cx="10515600" cy="1325563"/>
+          </a:xfrm>
+        </p:spPr>
         <p:txBody>
           <a:bodyPr/>
           <a:lstStyle/>
@@ -4091,7 +7233,7 @@
       </p:sp>
       <p:sp>
         <p:nvSpPr>
-          <p:cNvPr id="3" name="Объект 2"/>
+          <p:cNvPr id="9" name="Объект 2"/>
           <p:cNvSpPr>
             <a:spLocks noGrp="1"/>
           </p:cNvSpPr>
@@ -4099,7 +7241,12 @@
             <p:ph idx="1"/>
           </p:nvPr>
         </p:nvSpPr>
-        <p:spPr/>
+        <p:spPr>
+          <a:xfrm>
+            <a:off x="838200" y="1825625"/>
+            <a:ext cx="10515600" cy="4351338"/>
+          </a:xfrm>
+        </p:spPr>
         <p:txBody>
           <a:bodyPr/>
           <a:lstStyle/>
@@ -4112,20 +7259,15 @@
               <a:t>Сотрудники </a:t>
             </a:r>
             <a:r>
-              <a:rPr lang="ru-RU" dirty="0" err="1" smtClean="0"/>
-              <a:t>телемаркетинговых</a:t>
-            </a:r>
-            <a:r>
               <a:rPr lang="ru-RU" dirty="0" smtClean="0"/>
-              <a:t> отделов</a:t>
-            </a:r>
-            <a:endParaRPr lang="ru-RU" dirty="0"/>
-          </a:p>
-        </p:txBody>
-      </p:sp>
-      <p:sp>
-        <p:nvSpPr>
-          <p:cNvPr id="4" name="TextBox 3"/>
+              <a:t>телемаркетинговых отделов</a:t>
+            </a:r>
+          </a:p>
+        </p:txBody>
+      </p:sp>
+      <p:sp>
+        <p:nvSpPr>
+          <p:cNvPr id="10" name="TextBox 9"/>
           <p:cNvSpPr txBox="1"/>
           <p:nvPr/>
         </p:nvSpPr>
@@ -4159,23 +7301,128 @@
           </a:p>
         </p:txBody>
       </p:sp>
+      <p:pic>
+        <p:nvPicPr>
+          <p:cNvPr id="2050" name="Picture 2" descr="Как подобрать оператора колл-центра | Скорозвон"/>
+          <p:cNvPicPr>
+            <a:picLocks noChangeAspect="1" noChangeArrowheads="1"/>
+          </p:cNvPicPr>
+          <p:nvPr/>
+        </p:nvPicPr>
+        <p:blipFill>
+          <a:blip r:embed="rId3">
+            <a:extLst>
+              <a:ext uri="{BEBA8EAE-BF5A-486C-A8C5-ECC9F3942E4B}">
+                <a14:imgProps xmlns:a14="http://schemas.microsoft.com/office/drawing/2010/main">
+                  <a14:imgLayer r:embed="rId4">
+                    <a14:imgEffect>
+                      <a14:backgroundRemoval t="10000" b="90000" l="8556" r="90000"/>
+                    </a14:imgEffect>
+                  </a14:imgLayer>
+                </a14:imgProps>
+              </a:ext>
+              <a:ext uri="{28A0092B-C50C-407E-A947-70E740481C1C}">
+                <a14:useLocalDpi xmlns:a14="http://schemas.microsoft.com/office/drawing/2010/main" val="0"/>
+              </a:ext>
+            </a:extLst>
+          </a:blip>
+          <a:srcRect/>
+          <a:stretch>
+            <a:fillRect/>
+          </a:stretch>
+        </p:blipFill>
+        <p:spPr bwMode="auto">
+          <a:xfrm>
+            <a:off x="7489881" y="1936704"/>
+            <a:ext cx="4405631" cy="4307728"/>
+          </a:xfrm>
+          <a:prstGeom prst="rect">
+            <a:avLst/>
+          </a:prstGeom>
+          <a:noFill/>
+          <a:extLst>
+            <a:ext uri="{909E8E84-426E-40DD-AFC4-6F175D3DCCD1}">
+              <a14:hiddenFill xmlns:a14="http://schemas.microsoft.com/office/drawing/2010/main">
+                <a:solidFill>
+                  <a:srgbClr val="FFFFFF"/>
+                </a:solidFill>
+              </a14:hiddenFill>
+            </a:ext>
+          </a:extLst>
+        </p:spPr>
+      </p:pic>
+      <p:pic>
+        <p:nvPicPr>
+          <p:cNvPr id="2054" name="Picture 6" descr="Operator Изображения – скачать бесплатно на Freepik"/>
+          <p:cNvPicPr>
+            <a:picLocks noChangeAspect="1" noChangeArrowheads="1"/>
+          </p:cNvPicPr>
+          <p:nvPr/>
+        </p:nvPicPr>
+        <p:blipFill>
+          <a:blip r:embed="rId5">
+            <a:extLst>
+              <a:ext uri="{BEBA8EAE-BF5A-486C-A8C5-ECC9F3942E4B}">
+                <a14:imgProps xmlns:a14="http://schemas.microsoft.com/office/drawing/2010/main">
+                  <a14:imgLayer r:embed="rId6">
+                    <a14:imgEffect>
+                      <a14:backgroundRemoval t="10000" b="90000" l="10000" r="90000"/>
+                    </a14:imgEffect>
+                  </a14:imgLayer>
+                </a14:imgProps>
+              </a:ext>
+              <a:ext uri="{28A0092B-C50C-407E-A947-70E740481C1C}">
+                <a14:useLocalDpi xmlns:a14="http://schemas.microsoft.com/office/drawing/2010/main" val="0"/>
+              </a:ext>
+            </a:extLst>
+          </a:blip>
+          <a:srcRect/>
+          <a:stretch>
+            <a:fillRect/>
+          </a:stretch>
+        </p:blipFill>
+        <p:spPr bwMode="auto">
+          <a:xfrm>
+            <a:off x="4651376" y="2945607"/>
+            <a:ext cx="3231356" cy="3231356"/>
+          </a:xfrm>
+          <a:prstGeom prst="rect">
+            <a:avLst/>
+          </a:prstGeom>
+          <a:noFill/>
+          <a:extLst>
+            <a:ext uri="{909E8E84-426E-40DD-AFC4-6F175D3DCCD1}">
+              <a14:hiddenFill xmlns:a14="http://schemas.microsoft.com/office/drawing/2010/main">
+                <a:solidFill>
+                  <a:srgbClr val="FFFFFF"/>
+                </a:solidFill>
+              </a14:hiddenFill>
+            </a:ext>
+          </a:extLst>
+        </p:spPr>
+      </p:pic>
     </p:spTree>
     <p:extLst>
       <p:ext uri="{BB962C8B-B14F-4D97-AF65-F5344CB8AC3E}">
-        <p14:creationId xmlns:p14="http://schemas.microsoft.com/office/powerpoint/2010/main" val="1103624099"/>
+        <p14:creationId xmlns:p14="http://schemas.microsoft.com/office/powerpoint/2010/main" val="3993336486"/>
       </p:ext>
     </p:extLst>
   </p:cSld>
   <p:clrMapOvr>
     <a:masterClrMapping/>
   </p:clrMapOvr>
-  <p:timing>
-    <p:tnLst>
-      <p:par>
-        <p:cTn id="1" dur="indefinite" restart="never" nodeType="tmRoot"/>
-      </p:par>
-    </p:tnLst>
-  </p:timing>
+  <mc:AlternateContent xmlns:mc="http://schemas.openxmlformats.org/markup-compatibility/2006" xmlns:p14="http://schemas.microsoft.com/office/powerpoint/2010/main">
+    <mc:Choice Requires="p14">
+      <p:transition spd="med" p14:dur="700">
+        <p:fade/>
+      </p:transition>
+    </mc:Choice>
+    <mc:Fallback xmlns="">
+      <p:transition spd="med">
+        <p:fade/>
+      </p:transition>
+    </mc:Fallback>
+  </mc:AlternateContent>
 </p:sld>
 </file>
 
@@ -4198,7 +7445,7 @@
       </p:grpSpPr>
       <p:sp>
         <p:nvSpPr>
-          <p:cNvPr id="2" name="Заголовок 1"/>
+          <p:cNvPr id="7" name="Заголовок 1"/>
           <p:cNvSpPr>
             <a:spLocks noGrp="1"/>
           </p:cNvSpPr>
@@ -4206,7 +7453,12 @@
             <p:ph type="title"/>
           </p:nvPr>
         </p:nvSpPr>
-        <p:spPr/>
+        <p:spPr>
+          <a:xfrm>
+            <a:off x="838200" y="365125"/>
+            <a:ext cx="10515600" cy="1325563"/>
+          </a:xfrm>
+        </p:spPr>
         <p:txBody>
           <a:bodyPr/>
           <a:lstStyle/>
@@ -4221,7 +7473,7 @@
       </p:sp>
       <p:sp>
         <p:nvSpPr>
-          <p:cNvPr id="3" name="Объект 2"/>
+          <p:cNvPr id="11" name="Объект 2"/>
           <p:cNvSpPr>
             <a:spLocks noGrp="1"/>
           </p:cNvSpPr>
@@ -4229,12 +7481,17 @@
             <p:ph idx="1"/>
           </p:nvPr>
         </p:nvSpPr>
-        <p:spPr/>
+        <p:spPr>
+          <a:xfrm>
+            <a:off x="838200" y="1825625"/>
+            <a:ext cx="7137400" cy="4351338"/>
+          </a:xfrm>
+        </p:spPr>
         <p:txBody>
           <a:bodyPr/>
           <a:lstStyle/>
           <a:p>
-            <a:pPr marL="0" indent="0">
+            <a:pPr marL="0" indent="0" algn="just">
               <a:buNone/>
             </a:pPr>
             <a:r>
@@ -4270,7 +7527,7 @@
       </p:sp>
       <p:sp>
         <p:nvSpPr>
-          <p:cNvPr id="4" name="TextBox 3"/>
+          <p:cNvPr id="12" name="TextBox 11"/>
           <p:cNvSpPr txBox="1"/>
           <p:nvPr/>
         </p:nvSpPr>
@@ -4311,23 +7568,58 @@
           </a:p>
         </p:txBody>
       </p:sp>
+      <p:pic>
+        <p:nvPicPr>
+          <p:cNvPr id="4" name="Рисунок 3"/>
+          <p:cNvPicPr>
+            <a:picLocks noChangeAspect="1"/>
+          </p:cNvPicPr>
+          <p:nvPr/>
+        </p:nvPicPr>
+        <p:blipFill>
+          <a:blip r:embed="rId2">
+            <a:extLst>
+              <a:ext uri="{28A0092B-C50C-407E-A947-70E740481C1C}">
+                <a14:useLocalDpi xmlns:a14="http://schemas.microsoft.com/office/drawing/2010/main" val="0"/>
+              </a:ext>
+            </a:extLst>
+          </a:blip>
+          <a:stretch>
+            <a:fillRect/>
+          </a:stretch>
+        </p:blipFill>
+        <p:spPr>
+          <a:xfrm>
+            <a:off x="7975600" y="1442244"/>
+            <a:ext cx="4629785" cy="4025900"/>
+          </a:xfrm>
+          <a:prstGeom prst="rect">
+            <a:avLst/>
+          </a:prstGeom>
+        </p:spPr>
+      </p:pic>
     </p:spTree>
     <p:extLst>
       <p:ext uri="{BB962C8B-B14F-4D97-AF65-F5344CB8AC3E}">
-        <p14:creationId xmlns:p14="http://schemas.microsoft.com/office/powerpoint/2010/main" val="1588801077"/>
+        <p14:creationId xmlns:p14="http://schemas.microsoft.com/office/powerpoint/2010/main" val="1866078976"/>
       </p:ext>
     </p:extLst>
   </p:cSld>
   <p:clrMapOvr>
     <a:masterClrMapping/>
   </p:clrMapOvr>
-  <p:timing>
-    <p:tnLst>
-      <p:par>
-        <p:cTn id="1" dur="indefinite" restart="never" nodeType="tmRoot"/>
-      </p:par>
-    </p:tnLst>
-  </p:timing>
+  <mc:AlternateContent xmlns:mc="http://schemas.openxmlformats.org/markup-compatibility/2006" xmlns:p14="http://schemas.microsoft.com/office/powerpoint/2010/main">
+    <mc:Choice Requires="p14">
+      <p:transition spd="med" p14:dur="700">
+        <p:fade/>
+      </p:transition>
+    </mc:Choice>
+    <mc:Fallback xmlns="">
+      <p:transition spd="med">
+        <p:fade/>
+      </p:transition>
+    </mc:Fallback>
+  </mc:AlternateContent>
 </p:sld>
 </file>
 
@@ -4350,7 +7642,7 @@
       </p:grpSpPr>
       <p:sp>
         <p:nvSpPr>
-          <p:cNvPr id="2" name="Заголовок 1"/>
+          <p:cNvPr id="7" name="Заголовок 1"/>
           <p:cNvSpPr>
             <a:spLocks noGrp="1"/>
           </p:cNvSpPr>
@@ -4358,7 +7650,12 @@
             <p:ph type="title"/>
           </p:nvPr>
         </p:nvSpPr>
-        <p:spPr/>
+        <p:spPr>
+          <a:xfrm>
+            <a:off x="838200" y="365125"/>
+            <a:ext cx="10515600" cy="1325563"/>
+          </a:xfrm>
+        </p:spPr>
         <p:txBody>
           <a:bodyPr/>
           <a:lstStyle/>
@@ -4373,26 +7670,7 @@
       </p:sp>
       <p:sp>
         <p:nvSpPr>
-          <p:cNvPr id="3" name="Объект 2"/>
-          <p:cNvSpPr>
-            <a:spLocks noGrp="1"/>
-          </p:cNvSpPr>
-          <p:nvPr>
-            <p:ph idx="1"/>
-          </p:nvPr>
-        </p:nvSpPr>
-        <p:spPr/>
-        <p:txBody>
-          <a:bodyPr/>
-          <a:lstStyle/>
-          <a:p>
-            <a:endParaRPr lang="ru-RU"/>
-          </a:p>
-        </p:txBody>
-      </p:sp>
-      <p:sp>
-        <p:nvSpPr>
-          <p:cNvPr id="4" name="TextBox 3"/>
+          <p:cNvPr id="12" name="TextBox 11"/>
           <p:cNvSpPr txBox="1"/>
           <p:nvPr/>
         </p:nvSpPr>
@@ -4426,23 +7704,58 @@
           </a:p>
         </p:txBody>
       </p:sp>
+      <p:pic>
+        <p:nvPicPr>
+          <p:cNvPr id="6" name="Рисунок 5"/>
+          <p:cNvPicPr>
+            <a:picLocks noChangeAspect="1"/>
+          </p:cNvPicPr>
+          <p:nvPr/>
+        </p:nvPicPr>
+        <p:blipFill>
+          <a:blip r:embed="rId2">
+            <a:extLst>
+              <a:ext uri="{28A0092B-C50C-407E-A947-70E740481C1C}">
+                <a14:useLocalDpi xmlns:a14="http://schemas.microsoft.com/office/drawing/2010/main" val="0"/>
+              </a:ext>
+            </a:extLst>
+          </a:blip>
+          <a:stretch>
+            <a:fillRect/>
+          </a:stretch>
+        </p:blipFill>
+        <p:spPr>
+          <a:xfrm>
+            <a:off x="8284788" y="1385888"/>
+            <a:ext cx="3907212" cy="3907212"/>
+          </a:xfrm>
+          <a:prstGeom prst="rect">
+            <a:avLst/>
+          </a:prstGeom>
+        </p:spPr>
+      </p:pic>
     </p:spTree>
     <p:extLst>
       <p:ext uri="{BB962C8B-B14F-4D97-AF65-F5344CB8AC3E}">
-        <p14:creationId xmlns:p14="http://schemas.microsoft.com/office/powerpoint/2010/main" val="2142773155"/>
+        <p14:creationId xmlns:p14="http://schemas.microsoft.com/office/powerpoint/2010/main" val="3639118979"/>
       </p:ext>
     </p:extLst>
   </p:cSld>
   <p:clrMapOvr>
     <a:masterClrMapping/>
   </p:clrMapOvr>
-  <p:timing>
-    <p:tnLst>
-      <p:par>
-        <p:cTn id="1" dur="indefinite" restart="never" nodeType="tmRoot"/>
-      </p:par>
-    </p:tnLst>
-  </p:timing>
+  <mc:AlternateContent xmlns:mc="http://schemas.openxmlformats.org/markup-compatibility/2006" xmlns:p14="http://schemas.microsoft.com/office/powerpoint/2010/main">
+    <mc:Choice Requires="p14">
+      <p:transition spd="med" p14:dur="700">
+        <p:fade/>
+      </p:transition>
+    </mc:Choice>
+    <mc:Fallback xmlns="">
+      <p:transition spd="med">
+        <p:fade/>
+      </p:transition>
+    </mc:Fallback>
+  </mc:AlternateContent>
 </p:sld>
 </file>
 
@@ -4465,7 +7778,7 @@
       </p:grpSpPr>
       <p:sp>
         <p:nvSpPr>
-          <p:cNvPr id="2" name="Заголовок 1"/>
+          <p:cNvPr id="7" name="Заголовок 1"/>
           <p:cNvSpPr>
             <a:spLocks noGrp="1"/>
           </p:cNvSpPr>
@@ -4473,7 +7786,12 @@
             <p:ph type="title"/>
           </p:nvPr>
         </p:nvSpPr>
-        <p:spPr/>
+        <p:spPr>
+          <a:xfrm>
+            <a:off x="838200" y="365125"/>
+            <a:ext cx="10515600" cy="1325563"/>
+          </a:xfrm>
+        </p:spPr>
         <p:txBody>
           <a:bodyPr/>
           <a:lstStyle/>
@@ -4488,7 +7806,7 @@
       </p:sp>
       <p:sp>
         <p:nvSpPr>
-          <p:cNvPr id="4" name="TextBox 3"/>
+          <p:cNvPr id="11" name="TextBox 10"/>
           <p:cNvSpPr txBox="1"/>
           <p:nvPr/>
         </p:nvSpPr>
@@ -4524,7 +7842,7 @@
       </p:sp>
       <p:pic>
         <p:nvPicPr>
-          <p:cNvPr id="6" name="Рисунок 5"/>
+          <p:cNvPr id="12" name="Рисунок 11"/>
           <p:cNvPicPr>
             <a:picLocks noChangeAspect="1"/>
           </p:cNvPicPr>
@@ -4538,7 +7856,7 @@
         </p:blipFill>
         <p:spPr>
           <a:xfrm>
-            <a:off x="838200" y="1690688"/>
+            <a:off x="838200" y="1944688"/>
             <a:ext cx="1403838" cy="1403838"/>
           </a:xfrm>
           <a:prstGeom prst="rect">
@@ -4548,7 +7866,7 @@
       </p:pic>
       <p:pic>
         <p:nvPicPr>
-          <p:cNvPr id="7" name="Рисунок 6"/>
+          <p:cNvPr id="13" name="Рисунок 12"/>
           <p:cNvPicPr>
             <a:picLocks noChangeAspect="1"/>
           </p:cNvPicPr>
@@ -4561,7 +7879,7 @@
         </p:blipFill>
         <p:spPr>
           <a:xfrm>
-            <a:off x="2636519" y="1828800"/>
+            <a:off x="5102395" y="2033197"/>
             <a:ext cx="1813561" cy="1226820"/>
           </a:xfrm>
           <a:prstGeom prst="rect">
@@ -4571,7 +7889,7 @@
       </p:pic>
       <p:pic>
         <p:nvPicPr>
-          <p:cNvPr id="8" name="Рисунок 7"/>
+          <p:cNvPr id="14" name="Рисунок 13"/>
           <p:cNvPicPr>
             <a:picLocks noChangeAspect="1"/>
           </p:cNvPicPr>
@@ -4585,7 +7903,7 @@
         </p:blipFill>
         <p:spPr>
           <a:xfrm>
-            <a:off x="628815" y="3293667"/>
+            <a:off x="5156612" y="4350209"/>
             <a:ext cx="1857258" cy="1266031"/>
           </a:xfrm>
           <a:prstGeom prst="rect">
@@ -4595,7 +7913,7 @@
       </p:pic>
       <p:pic>
         <p:nvPicPr>
-          <p:cNvPr id="9" name="Рисунок 8"/>
+          <p:cNvPr id="15" name="Рисунок 14"/>
           <p:cNvPicPr>
             <a:picLocks noChangeAspect="1"/>
           </p:cNvPicPr>
@@ -4609,7 +7927,7 @@
         </p:blipFill>
         <p:spPr>
           <a:xfrm>
-            <a:off x="4785213" y="1654478"/>
+            <a:off x="9776313" y="1944688"/>
             <a:ext cx="1476258" cy="1476258"/>
           </a:xfrm>
           <a:prstGeom prst="rect">
@@ -4619,68 +7937,115 @@
       </p:pic>
       <p:pic>
         <p:nvPicPr>
-          <p:cNvPr id="11" name="Рисунок 10"/>
+          <p:cNvPr id="1026" name="Picture 2" descr="Docker Logo, symbol, meaning, history, PNG, brand"/>
           <p:cNvPicPr>
-            <a:picLocks noChangeAspect="1"/>
+            <a:picLocks noChangeAspect="1" noChangeArrowheads="1"/>
+          </p:cNvPicPr>
+          <p:nvPr/>
+        </p:nvPicPr>
+        <p:blipFill rotWithShape="1">
+          <a:blip r:embed="rId6" cstate="hqprint">
+            <a:extLst>
+              <a:ext uri="{28A0092B-C50C-407E-A947-70E740481C1C}">
+                <a14:useLocalDpi xmlns:a14="http://schemas.microsoft.com/office/drawing/2010/main" val="0"/>
+              </a:ext>
+            </a:extLst>
+          </a:blip>
+          <a:srcRect t="23982" r="63093" b="19220"/>
+          <a:stretch/>
+        </p:blipFill>
+        <p:spPr bwMode="auto">
+          <a:xfrm>
+            <a:off x="9776313" y="4287901"/>
+            <a:ext cx="1606471" cy="1390650"/>
+          </a:xfrm>
+          <a:prstGeom prst="rect">
+            <a:avLst/>
+          </a:prstGeom>
+          <a:noFill/>
+          <a:extLst>
+            <a:ext uri="{909E8E84-426E-40DD-AFC4-6F175D3DCCD1}">
+              <a14:hiddenFill xmlns:a14="http://schemas.microsoft.com/office/drawing/2010/main">
+                <a:solidFill>
+                  <a:srgbClr val="FFFFFF"/>
+                </a:solidFill>
+              </a14:hiddenFill>
+            </a:ext>
+          </a:extLst>
+        </p:spPr>
+      </p:pic>
+      <p:pic>
+        <p:nvPicPr>
+          <p:cNvPr id="1032" name="Picture 8" descr="Git Logo PNG Images, Git Logo Transparent Background PNG"/>
+          <p:cNvPicPr>
+            <a:picLocks noChangeAspect="1" noChangeArrowheads="1"/>
           </p:cNvPicPr>
           <p:nvPr/>
         </p:nvPicPr>
         <p:blipFill>
-          <a:blip r:embed="rId6"/>
+          <a:blip r:embed="rId7">
+            <a:extLst>
+              <a:ext uri="{BEBA8EAE-BF5A-486C-A8C5-ECC9F3942E4B}">
+                <a14:imgProps xmlns:a14="http://schemas.microsoft.com/office/drawing/2010/main">
+                  <a14:imgLayer r:embed="rId8">
+                    <a14:imgEffect>
+                      <a14:backgroundRemoval t="0" b="99351" l="0" r="100000"/>
+                    </a14:imgEffect>
+                  </a14:imgLayer>
+                </a14:imgProps>
+              </a:ext>
+              <a:ext uri="{28A0092B-C50C-407E-A947-70E740481C1C}">
+                <a14:useLocalDpi xmlns:a14="http://schemas.microsoft.com/office/drawing/2010/main" val="0"/>
+              </a:ext>
+            </a:extLst>
+          </a:blip>
+          <a:srcRect/>
           <a:stretch>
             <a:fillRect/>
           </a:stretch>
         </p:blipFill>
-        <p:spPr>
+        <p:spPr bwMode="auto">
           <a:xfrm>
-            <a:off x="872850" y="4758839"/>
-            <a:ext cx="1369188" cy="1369188"/>
+            <a:off x="870084" y="4317512"/>
+            <a:ext cx="1340069" cy="1331424"/>
           </a:xfrm>
           <a:prstGeom prst="rect">
             <a:avLst/>
           </a:prstGeom>
-        </p:spPr>
-      </p:pic>
-      <p:pic>
-        <p:nvPicPr>
-          <p:cNvPr id="12" name="Рисунок 11"/>
-          <p:cNvPicPr>
-            <a:picLocks noChangeAspect="1"/>
-          </p:cNvPicPr>
-          <p:nvPr/>
-        </p:nvPicPr>
-        <p:blipFill rotWithShape="1">
-          <a:blip r:embed="rId7"/>
-          <a:srcRect t="13767" b="9938"/>
-          <a:stretch/>
-        </p:blipFill>
-        <p:spPr>
-          <a:xfrm>
-            <a:off x="2652617" y="4756638"/>
-            <a:ext cx="1797463" cy="1371389"/>
-          </a:xfrm>
-          <a:prstGeom prst="rect">
-            <a:avLst/>
-          </a:prstGeom>
+          <a:noFill/>
+          <a:extLst>
+            <a:ext uri="{909E8E84-426E-40DD-AFC4-6F175D3DCCD1}">
+              <a14:hiddenFill xmlns:a14="http://schemas.microsoft.com/office/drawing/2010/main">
+                <a:solidFill>
+                  <a:srgbClr val="FFFFFF"/>
+                </a:solidFill>
+              </a14:hiddenFill>
+            </a:ext>
+          </a:extLst>
         </p:spPr>
       </p:pic>
     </p:spTree>
     <p:extLst>
       <p:ext uri="{BB962C8B-B14F-4D97-AF65-F5344CB8AC3E}">
-        <p14:creationId xmlns:p14="http://schemas.microsoft.com/office/powerpoint/2010/main" val="3853354509"/>
+        <p14:creationId xmlns:p14="http://schemas.microsoft.com/office/powerpoint/2010/main" val="2494580248"/>
       </p:ext>
     </p:extLst>
   </p:cSld>
   <p:clrMapOvr>
     <a:masterClrMapping/>
   </p:clrMapOvr>
-  <p:timing>
-    <p:tnLst>
-      <p:par>
-        <p:cTn id="1" dur="indefinite" restart="never" nodeType="tmRoot"/>
-      </p:par>
-    </p:tnLst>
-  </p:timing>
+  <mc:AlternateContent xmlns:mc="http://schemas.openxmlformats.org/markup-compatibility/2006" xmlns:p14="http://schemas.microsoft.com/office/powerpoint/2010/main">
+    <mc:Choice Requires="p14">
+      <p:transition spd="med" p14:dur="700">
+        <p:fade/>
+      </p:transition>
+    </mc:Choice>
+    <mc:Fallback xmlns="">
+      <p:transition spd="med">
+        <p:fade/>
+      </p:transition>
+    </mc:Fallback>
+  </mc:AlternateContent>
 </p:sld>
 </file>
 
@@ -4703,7 +8068,7 @@
       </p:grpSpPr>
       <p:sp>
         <p:nvSpPr>
-          <p:cNvPr id="2" name="Заголовок 1"/>
+          <p:cNvPr id="7" name="Заголовок 1"/>
           <p:cNvSpPr>
             <a:spLocks noGrp="1"/>
           </p:cNvSpPr>
@@ -4711,7 +8076,12 @@
             <p:ph type="title"/>
           </p:nvPr>
         </p:nvSpPr>
-        <p:spPr/>
+        <p:spPr>
+          <a:xfrm>
+            <a:off x="838200" y="365125"/>
+            <a:ext cx="10515600" cy="1325563"/>
+          </a:xfrm>
+        </p:spPr>
         <p:txBody>
           <a:bodyPr/>
           <a:lstStyle/>
@@ -4726,7 +8096,7 @@
       </p:sp>
       <p:sp>
         <p:nvSpPr>
-          <p:cNvPr id="4" name="TextBox 3"/>
+          <p:cNvPr id="11" name="TextBox 10"/>
           <p:cNvSpPr txBox="1"/>
           <p:nvPr/>
         </p:nvSpPr>
@@ -4762,20 +8132,27 @@
       </p:sp>
       <p:pic>
         <p:nvPicPr>
-          <p:cNvPr id="5" name="Рисунок 4"/>
-          <p:cNvPicPr/>
+          <p:cNvPr id="4" name="Рисунок 3"/>
+          <p:cNvPicPr>
+            <a:picLocks noChangeAspect="1"/>
+          </p:cNvPicPr>
           <p:nvPr/>
         </p:nvPicPr>
-        <p:blipFill>
-          <a:blip r:embed="rId2"/>
-          <a:stretch>
-            <a:fillRect/>
-          </a:stretch>
+        <p:blipFill rotWithShape="1">
+          <a:blip r:embed="rId2">
+            <a:extLst>
+              <a:ext uri="{28A0092B-C50C-407E-A947-70E740481C1C}">
+                <a14:useLocalDpi xmlns:a14="http://schemas.microsoft.com/office/drawing/2010/main" val="0"/>
+              </a:ext>
+            </a:extLst>
+          </a:blip>
+          <a:srcRect l="507" t="1770" r="381"/>
+          <a:stretch/>
         </p:blipFill>
         <p:spPr>
           <a:xfrm>
-            <a:off x="2258377" y="2278221"/>
-            <a:ext cx="7675245" cy="2741295"/>
+            <a:off x="1282700" y="2349499"/>
+            <a:ext cx="9918700" cy="3364181"/>
           </a:xfrm>
           <a:prstGeom prst="rect">
             <a:avLst/>
@@ -4785,20 +8162,25 @@
     </p:spTree>
     <p:extLst>
       <p:ext uri="{BB962C8B-B14F-4D97-AF65-F5344CB8AC3E}">
-        <p14:creationId xmlns:p14="http://schemas.microsoft.com/office/powerpoint/2010/main" val="2416392674"/>
+        <p14:creationId xmlns:p14="http://schemas.microsoft.com/office/powerpoint/2010/main" val="3504932375"/>
       </p:ext>
     </p:extLst>
   </p:cSld>
   <p:clrMapOvr>
     <a:masterClrMapping/>
   </p:clrMapOvr>
-  <p:timing>
-    <p:tnLst>
-      <p:par>
-        <p:cTn id="1" dur="indefinite" restart="never" nodeType="tmRoot"/>
-      </p:par>
-    </p:tnLst>
-  </p:timing>
+  <mc:AlternateContent xmlns:mc="http://schemas.openxmlformats.org/markup-compatibility/2006" xmlns:p14="http://schemas.microsoft.com/office/powerpoint/2010/main">
+    <mc:Choice Requires="p14">
+      <p:transition spd="med" p14:dur="700">
+        <p:fade/>
+      </p:transition>
+    </mc:Choice>
+    <mc:Fallback xmlns="">
+      <p:transition spd="med">
+        <p:fade/>
+      </p:transition>
+    </mc:Fallback>
+  </mc:AlternateContent>
 </p:sld>
 </file>
 
@@ -4821,7 +8203,7 @@
       </p:grpSpPr>
       <p:sp>
         <p:nvSpPr>
-          <p:cNvPr id="2" name="Заголовок 1"/>
+          <p:cNvPr id="7" name="Заголовок 1"/>
           <p:cNvSpPr>
             <a:spLocks noGrp="1"/>
           </p:cNvSpPr>
@@ -4829,7 +8211,12 @@
             <p:ph type="title"/>
           </p:nvPr>
         </p:nvSpPr>
-        <p:spPr/>
+        <p:spPr>
+          <a:xfrm>
+            <a:off x="838200" y="365125"/>
+            <a:ext cx="10515600" cy="1325563"/>
+          </a:xfrm>
+        </p:spPr>
         <p:txBody>
           <a:bodyPr/>
           <a:lstStyle/>
@@ -4844,7 +8231,7 @@
       </p:sp>
       <p:sp>
         <p:nvSpPr>
-          <p:cNvPr id="3" name="Объект 2"/>
+          <p:cNvPr id="11" name="Объект 2"/>
           <p:cNvSpPr>
             <a:spLocks noGrp="1"/>
           </p:cNvSpPr>
@@ -4852,7 +8239,12 @@
             <p:ph idx="1"/>
           </p:nvPr>
         </p:nvSpPr>
-        <p:spPr/>
+        <p:spPr>
+          <a:xfrm>
+            <a:off x="838200" y="1825625"/>
+            <a:ext cx="10515600" cy="4351338"/>
+          </a:xfrm>
+        </p:spPr>
         <p:txBody>
           <a:bodyPr/>
           <a:lstStyle/>
@@ -4863,7 +8255,7 @@
       </p:sp>
       <p:sp>
         <p:nvSpPr>
-          <p:cNvPr id="4" name="TextBox 3"/>
+          <p:cNvPr id="12" name="TextBox 11"/>
           <p:cNvSpPr txBox="1"/>
           <p:nvPr/>
         </p:nvSpPr>
@@ -4900,20 +8292,25 @@
     </p:spTree>
     <p:extLst>
       <p:ext uri="{BB962C8B-B14F-4D97-AF65-F5344CB8AC3E}">
-        <p14:creationId xmlns:p14="http://schemas.microsoft.com/office/powerpoint/2010/main" val="549018094"/>
+        <p14:creationId xmlns:p14="http://schemas.microsoft.com/office/powerpoint/2010/main" val="3039376776"/>
       </p:ext>
     </p:extLst>
   </p:cSld>
   <p:clrMapOvr>
     <a:masterClrMapping/>
   </p:clrMapOvr>
-  <p:timing>
-    <p:tnLst>
-      <p:par>
-        <p:cTn id="1" dur="indefinite" restart="never" nodeType="tmRoot"/>
-      </p:par>
-    </p:tnLst>
-  </p:timing>
+  <mc:AlternateContent xmlns:mc="http://schemas.openxmlformats.org/markup-compatibility/2006" xmlns:p14="http://schemas.microsoft.com/office/powerpoint/2010/main">
+    <mc:Choice Requires="p14">
+      <p:transition spd="med" p14:dur="700">
+        <p:fade/>
+      </p:transition>
+    </mc:Choice>
+    <mc:Fallback xmlns="">
+      <p:transition spd="med">
+        <p:fade/>
+      </p:transition>
+    </mc:Fallback>
+  </mc:AlternateContent>
 </p:sld>
 </file>
 
@@ -4936,7 +8333,7 @@
       </p:grpSpPr>
       <p:sp>
         <p:nvSpPr>
-          <p:cNvPr id="2" name="Заголовок 1"/>
+          <p:cNvPr id="6" name="Заголовок 1"/>
           <p:cNvSpPr>
             <a:spLocks noGrp="1"/>
           </p:cNvSpPr>
@@ -4944,7 +8341,12 @@
             <p:ph type="title"/>
           </p:nvPr>
         </p:nvSpPr>
-        <p:spPr/>
+        <p:spPr>
+          <a:xfrm>
+            <a:off x="838200" y="365125"/>
+            <a:ext cx="10515600" cy="1325563"/>
+          </a:xfrm>
+        </p:spPr>
         <p:txBody>
           <a:bodyPr/>
           <a:lstStyle/>
@@ -4959,7 +8361,7 @@
       </p:sp>
       <p:sp>
         <p:nvSpPr>
-          <p:cNvPr id="3" name="Объект 2"/>
+          <p:cNvPr id="8" name="Объект 2"/>
           <p:cNvSpPr>
             <a:spLocks noGrp="1"/>
           </p:cNvSpPr>
@@ -4967,7 +8369,12 @@
             <p:ph idx="1"/>
           </p:nvPr>
         </p:nvSpPr>
-        <p:spPr/>
+        <p:spPr>
+          <a:xfrm>
+            <a:off x="838200" y="1825625"/>
+            <a:ext cx="10515600" cy="4351338"/>
+          </a:xfrm>
+        </p:spPr>
         <p:txBody>
           <a:bodyPr/>
           <a:lstStyle/>
@@ -4978,7 +8385,7 @@
       </p:sp>
       <p:sp>
         <p:nvSpPr>
-          <p:cNvPr id="4" name="TextBox 3"/>
+          <p:cNvPr id="9" name="TextBox 8"/>
           <p:cNvSpPr txBox="1"/>
           <p:nvPr/>
         </p:nvSpPr>
@@ -5015,24 +8422,324 @@
     </p:spTree>
     <p:extLst>
       <p:ext uri="{BB962C8B-B14F-4D97-AF65-F5344CB8AC3E}">
-        <p14:creationId xmlns:p14="http://schemas.microsoft.com/office/powerpoint/2010/main" val="145560651"/>
+        <p14:creationId xmlns:p14="http://schemas.microsoft.com/office/powerpoint/2010/main" val="4223104203"/>
       </p:ext>
     </p:extLst>
   </p:cSld>
   <p:clrMapOvr>
     <a:masterClrMapping/>
   </p:clrMapOvr>
-  <p:timing>
-    <p:tnLst>
-      <p:par>
-        <p:cTn id="1" dur="indefinite" restart="never" nodeType="tmRoot"/>
-      </p:par>
-    </p:tnLst>
-  </p:timing>
+  <mc:AlternateContent xmlns:mc="http://schemas.openxmlformats.org/markup-compatibility/2006" xmlns:p14="http://schemas.microsoft.com/office/powerpoint/2010/main">
+    <mc:Choice Requires="p14">
+      <p:transition spd="med" p14:dur="700">
+        <p:fade/>
+      </p:transition>
+    </mc:Choice>
+    <mc:Fallback xmlns="">
+      <p:transition spd="med">
+        <p:fade/>
+      </p:transition>
+    </mc:Fallback>
+  </mc:AlternateContent>
 </p:sld>
 </file>
 
 <file path=ppt/theme/theme1.xml><?xml version="1.0" encoding="utf-8"?>
+<a:theme xmlns:a="http://schemas.openxmlformats.org/drawingml/2006/main" name="Тема Office">
+  <a:themeElements>
+    <a:clrScheme name="Бумажная">
+      <a:dk1>
+        <a:sysClr val="windowText" lastClr="000000"/>
+      </a:dk1>
+      <a:lt1>
+        <a:sysClr val="window" lastClr="FFFFFF"/>
+      </a:lt1>
+      <a:dk2>
+        <a:srgbClr val="444D26"/>
+      </a:dk2>
+      <a:lt2>
+        <a:srgbClr val="FEFAC9"/>
+      </a:lt2>
+      <a:accent1>
+        <a:srgbClr val="A5B592"/>
+      </a:accent1>
+      <a:accent2>
+        <a:srgbClr val="F3A447"/>
+      </a:accent2>
+      <a:accent3>
+        <a:srgbClr val="E7BC29"/>
+      </a:accent3>
+      <a:accent4>
+        <a:srgbClr val="D092A7"/>
+      </a:accent4>
+      <a:accent5>
+        <a:srgbClr val="9C85C0"/>
+      </a:accent5>
+      <a:accent6>
+        <a:srgbClr val="809EC2"/>
+      </a:accent6>
+      <a:hlink>
+        <a:srgbClr val="8E58B6"/>
+      </a:hlink>
+      <a:folHlink>
+        <a:srgbClr val="7F6F6F"/>
+      </a:folHlink>
+    </a:clrScheme>
+    <a:fontScheme name="Стандартная">
+      <a:majorFont>
+        <a:latin typeface="Calibri Light" panose="020F0302020204030204"/>
+        <a:ea typeface=""/>
+        <a:cs typeface=""/>
+        <a:font script="Jpan" typeface="游ゴシック Light"/>
+        <a:font script="Hang" typeface="맑은 고딕"/>
+        <a:font script="Hans" typeface="等线 Light"/>
+        <a:font script="Hant" typeface="新細明體"/>
+        <a:font script="Arab" typeface="Times New Roman"/>
+        <a:font script="Hebr" typeface="Times New Roman"/>
+        <a:font script="Thai" typeface="Angsana New"/>
+        <a:font script="Ethi" typeface="Nyala"/>
+        <a:font script="Beng" typeface="Vrinda"/>
+        <a:font script="Gujr" typeface="Shruti"/>
+        <a:font script="Khmr" typeface="MoolBoran"/>
+        <a:font script="Knda" typeface="Tunga"/>
+        <a:font script="Guru" typeface="Raavi"/>
+        <a:font script="Cans" typeface="Euphemia"/>
+        <a:font script="Cher" typeface="Plantagenet Cherokee"/>
+        <a:font script="Yiii" typeface="Microsoft Yi Baiti"/>
+        <a:font script="Tibt" typeface="Microsoft Himalaya"/>
+        <a:font script="Thaa" typeface="MV Boli"/>
+        <a:font script="Deva" typeface="Mangal"/>
+        <a:font script="Telu" typeface="Gautami"/>
+        <a:font script="Taml" typeface="Latha"/>
+        <a:font script="Syrc" typeface="Estrangelo Edessa"/>
+        <a:font script="Orya" typeface="Kalinga"/>
+        <a:font script="Mlym" typeface="Kartika"/>
+        <a:font script="Laoo" typeface="DokChampa"/>
+        <a:font script="Sinh" typeface="Iskoola Pota"/>
+        <a:font script="Mong" typeface="Mongolian Baiti"/>
+        <a:font script="Viet" typeface="Times New Roman"/>
+        <a:font script="Uigh" typeface="Microsoft Uighur"/>
+        <a:font script="Geor" typeface="Sylfaen"/>
+        <a:font script="Armn" typeface="Arial"/>
+        <a:font script="Bugi" typeface="Leelawadee UI"/>
+        <a:font script="Bopo" typeface="Microsoft JhengHei"/>
+        <a:font script="Java" typeface="Javanese Text"/>
+        <a:font script="Lisu" typeface="Segoe UI"/>
+        <a:font script="Mymr" typeface="Myanmar Text"/>
+        <a:font script="Nkoo" typeface="Ebrima"/>
+        <a:font script="Olck" typeface="Nirmala UI"/>
+        <a:font script="Osma" typeface="Ebrima"/>
+        <a:font script="Phag" typeface="Phagspa"/>
+        <a:font script="Syrn" typeface="Estrangelo Edessa"/>
+        <a:font script="Syrj" typeface="Estrangelo Edessa"/>
+        <a:font script="Syre" typeface="Estrangelo Edessa"/>
+        <a:font script="Sora" typeface="Nirmala UI"/>
+        <a:font script="Tale" typeface="Microsoft Tai Le"/>
+        <a:font script="Talu" typeface="Microsoft New Tai Lue"/>
+        <a:font script="Tfng" typeface="Ebrima"/>
+      </a:majorFont>
+      <a:minorFont>
+        <a:latin typeface="Calibri" panose="020F0502020204030204"/>
+        <a:ea typeface=""/>
+        <a:cs typeface=""/>
+        <a:font script="Jpan" typeface="游ゴシック"/>
+        <a:font script="Hang" typeface="맑은 고딕"/>
+        <a:font script="Hans" typeface="等线"/>
+        <a:font script="Hant" typeface="新細明體"/>
+        <a:font script="Arab" typeface="Arial"/>
+        <a:font script="Hebr" typeface="Arial"/>
+        <a:font script="Thai" typeface="Cordia New"/>
+        <a:font script="Ethi" typeface="Nyala"/>
+        <a:font script="Beng" typeface="Vrinda"/>
+        <a:font script="Gujr" typeface="Shruti"/>
+        <a:font script="Khmr" typeface="DaunPenh"/>
+        <a:font script="Knda" typeface="Tunga"/>
+        <a:font script="Guru" typeface="Raavi"/>
+        <a:font script="Cans" typeface="Euphemia"/>
+        <a:font script="Cher" typeface="Plantagenet Cherokee"/>
+        <a:font script="Yiii" typeface="Microsoft Yi Baiti"/>
+        <a:font script="Tibt" typeface="Microsoft Himalaya"/>
+        <a:font script="Thaa" typeface="MV Boli"/>
+        <a:font script="Deva" typeface="Mangal"/>
+        <a:font script="Telu" typeface="Gautami"/>
+        <a:font script="Taml" typeface="Latha"/>
+        <a:font script="Syrc" typeface="Estrangelo Edessa"/>
+        <a:font script="Orya" typeface="Kalinga"/>
+        <a:font script="Mlym" typeface="Kartika"/>
+        <a:font script="Laoo" typeface="DokChampa"/>
+        <a:font script="Sinh" typeface="Iskoola Pota"/>
+        <a:font script="Mong" typeface="Mongolian Baiti"/>
+        <a:font script="Viet" typeface="Arial"/>
+        <a:font script="Uigh" typeface="Microsoft Uighur"/>
+        <a:font script="Geor" typeface="Sylfaen"/>
+        <a:font script="Armn" typeface="Arial"/>
+        <a:font script="Bugi" typeface="Leelawadee UI"/>
+        <a:font script="Bopo" typeface="Microsoft JhengHei"/>
+        <a:font script="Java" typeface="Javanese Text"/>
+        <a:font script="Lisu" typeface="Segoe UI"/>
+        <a:font script="Mymr" typeface="Myanmar Text"/>
+        <a:font script="Nkoo" typeface="Ebrima"/>
+        <a:font script="Olck" typeface="Nirmala UI"/>
+        <a:font script="Osma" typeface="Ebrima"/>
+        <a:font script="Phag" typeface="Phagspa"/>
+        <a:font script="Syrn" typeface="Estrangelo Edessa"/>
+        <a:font script="Syrj" typeface="Estrangelo Edessa"/>
+        <a:font script="Syre" typeface="Estrangelo Edessa"/>
+        <a:font script="Sora" typeface="Nirmala UI"/>
+        <a:font script="Tale" typeface="Microsoft Tai Le"/>
+        <a:font script="Talu" typeface="Microsoft New Tai Lue"/>
+        <a:font script="Tfng" typeface="Ebrima"/>
+      </a:minorFont>
+    </a:fontScheme>
+    <a:fmtScheme name="Стандартная">
+      <a:fillStyleLst>
+        <a:solidFill>
+          <a:schemeClr val="phClr"/>
+        </a:solidFill>
+        <a:gradFill rotWithShape="1">
+          <a:gsLst>
+            <a:gs pos="0">
+              <a:schemeClr val="phClr">
+                <a:lumMod val="110000"/>
+                <a:satMod val="105000"/>
+                <a:tint val="67000"/>
+              </a:schemeClr>
+            </a:gs>
+            <a:gs pos="50000">
+              <a:schemeClr val="phClr">
+                <a:lumMod val="105000"/>
+                <a:satMod val="103000"/>
+                <a:tint val="73000"/>
+              </a:schemeClr>
+            </a:gs>
+            <a:gs pos="100000">
+              <a:schemeClr val="phClr">
+                <a:lumMod val="105000"/>
+                <a:satMod val="109000"/>
+                <a:tint val="81000"/>
+              </a:schemeClr>
+            </a:gs>
+          </a:gsLst>
+          <a:lin ang="5400000" scaled="0"/>
+        </a:gradFill>
+        <a:gradFill rotWithShape="1">
+          <a:gsLst>
+            <a:gs pos="0">
+              <a:schemeClr val="phClr">
+                <a:satMod val="103000"/>
+                <a:lumMod val="102000"/>
+                <a:tint val="94000"/>
+              </a:schemeClr>
+            </a:gs>
+            <a:gs pos="50000">
+              <a:schemeClr val="phClr">
+                <a:satMod val="110000"/>
+                <a:lumMod val="100000"/>
+                <a:shade val="100000"/>
+              </a:schemeClr>
+            </a:gs>
+            <a:gs pos="100000">
+              <a:schemeClr val="phClr">
+                <a:lumMod val="99000"/>
+                <a:satMod val="120000"/>
+                <a:shade val="78000"/>
+              </a:schemeClr>
+            </a:gs>
+          </a:gsLst>
+          <a:lin ang="5400000" scaled="0"/>
+        </a:gradFill>
+      </a:fillStyleLst>
+      <a:lnStyleLst>
+        <a:ln w="6350" cap="flat" cmpd="sng" algn="ctr">
+          <a:solidFill>
+            <a:schemeClr val="phClr"/>
+          </a:solidFill>
+          <a:prstDash val="solid"/>
+          <a:miter lim="800000"/>
+        </a:ln>
+        <a:ln w="12700" cap="flat" cmpd="sng" algn="ctr">
+          <a:solidFill>
+            <a:schemeClr val="phClr"/>
+          </a:solidFill>
+          <a:prstDash val="solid"/>
+          <a:miter lim="800000"/>
+        </a:ln>
+        <a:ln w="19050" cap="flat" cmpd="sng" algn="ctr">
+          <a:solidFill>
+            <a:schemeClr val="phClr"/>
+          </a:solidFill>
+          <a:prstDash val="solid"/>
+          <a:miter lim="800000"/>
+        </a:ln>
+      </a:lnStyleLst>
+      <a:effectStyleLst>
+        <a:effectStyle>
+          <a:effectLst/>
+        </a:effectStyle>
+        <a:effectStyle>
+          <a:effectLst/>
+        </a:effectStyle>
+        <a:effectStyle>
+          <a:effectLst>
+            <a:outerShdw blurRad="57150" dist="19050" dir="5400000" algn="ctr" rotWithShape="0">
+              <a:srgbClr val="000000">
+                <a:alpha val="63000"/>
+              </a:srgbClr>
+            </a:outerShdw>
+          </a:effectLst>
+        </a:effectStyle>
+      </a:effectStyleLst>
+      <a:bgFillStyleLst>
+        <a:solidFill>
+          <a:schemeClr val="phClr"/>
+        </a:solidFill>
+        <a:solidFill>
+          <a:schemeClr val="phClr">
+            <a:tint val="95000"/>
+            <a:satMod val="170000"/>
+          </a:schemeClr>
+        </a:solidFill>
+        <a:gradFill rotWithShape="1">
+          <a:gsLst>
+            <a:gs pos="0">
+              <a:schemeClr val="phClr">
+                <a:tint val="93000"/>
+                <a:satMod val="150000"/>
+                <a:shade val="98000"/>
+                <a:lumMod val="102000"/>
+              </a:schemeClr>
+            </a:gs>
+            <a:gs pos="50000">
+              <a:schemeClr val="phClr">
+                <a:tint val="98000"/>
+                <a:satMod val="130000"/>
+                <a:shade val="90000"/>
+                <a:lumMod val="103000"/>
+              </a:schemeClr>
+            </a:gs>
+            <a:gs pos="100000">
+              <a:schemeClr val="phClr">
+                <a:shade val="63000"/>
+                <a:satMod val="120000"/>
+              </a:schemeClr>
+            </a:gs>
+          </a:gsLst>
+          <a:lin ang="5400000" scaled="0"/>
+        </a:gradFill>
+      </a:bgFillStyleLst>
+    </a:fmtScheme>
+  </a:themeElements>
+  <a:objectDefaults/>
+  <a:extraClrSchemeLst/>
+  <a:extLst>
+    <a:ext uri="{05A4C25C-085E-4340-85A3-A5531E510DB2}">
+      <thm15:themeFamily xmlns:thm15="http://schemas.microsoft.com/office/thememl/2012/main" name="Office Theme" id="{62F939B6-93AF-4DB8-9C6B-D6C7DFDC589F}" vid="{4A3C46E8-61CC-4603-A589-7422A47A8E4A}"/>
+    </a:ext>
+  </a:extLst>
+</a:theme>
+</file>
+
+<file path=ppt/theme/theme2.xml><?xml version="1.0" encoding="utf-8"?>
 <a:theme xmlns:a="http://schemas.openxmlformats.org/drawingml/2006/main" name="Тема Office">
   <a:themeElements>
     <a:clrScheme name="Стандартная">

--- a/кп.pptx
+++ b/кп.pptx
@@ -12,11 +12,11 @@
     <p:sldId id="265" r:id="rId3"/>
     <p:sldId id="259" r:id="rId4"/>
     <p:sldId id="260" r:id="rId5"/>
-    <p:sldId id="264" r:id="rId6"/>
+    <p:sldId id="268" r:id="rId6"/>
     <p:sldId id="261" r:id="rId7"/>
     <p:sldId id="262" r:id="rId8"/>
     <p:sldId id="263" r:id="rId9"/>
-    <p:sldId id="267" r:id="rId10"/>
+    <p:sldId id="269" r:id="rId10"/>
     <p:sldId id="266" r:id="rId11"/>
   </p:sldIdLst>
   <p:sldSz cx="12192000" cy="6858000"/>
@@ -217,7 +217,7 @@
           <a:p>
             <a:fld id="{875E98A4-0572-4532-A180-6655DC1106DD}" type="datetimeFigureOut">
               <a:rPr lang="ru-RU" smtClean="0"/>
-              <a:t>26.11.2025</a:t>
+              <a:t>02.12.2025</a:t>
             </a:fld>
             <a:endParaRPr lang="ru-RU"/>
           </a:p>
@@ -908,7 +908,7 @@
             <a:fld id="{66F6873F-BC63-4C77-8C1F-6337C0BA4F5E}" type="datetimeFigureOut">
               <a:rPr lang="ru-RU" smtClean="0"/>
               <a:pPr/>
-              <a:t>26.11.2025</a:t>
+              <a:t>02.12.2025</a:t>
             </a:fld>
             <a:endParaRPr lang="ru-RU"/>
           </a:p>
@@ -1193,7 +1193,7 @@
           <a:p>
             <a:fld id="{66F6873F-BC63-4C77-8C1F-6337C0BA4F5E}" type="datetimeFigureOut">
               <a:rPr lang="ru-RU" smtClean="0"/>
-              <a:t>26.11.2025</a:t>
+              <a:t>02.12.2025</a:t>
             </a:fld>
             <a:endParaRPr lang="ru-RU"/>
           </a:p>
@@ -1516,7 +1516,7 @@
           <a:p>
             <a:fld id="{66F6873F-BC63-4C77-8C1F-6337C0BA4F5E}" type="datetimeFigureOut">
               <a:rPr lang="ru-RU" smtClean="0"/>
-              <a:t>26.11.2025</a:t>
+              <a:t>02.12.2025</a:t>
             </a:fld>
             <a:endParaRPr lang="ru-RU"/>
           </a:p>
@@ -1816,7 +1816,7 @@
           <a:p>
             <a:fld id="{66F6873F-BC63-4C77-8C1F-6337C0BA4F5E}" type="datetimeFigureOut">
               <a:rPr lang="ru-RU" smtClean="0"/>
-              <a:t>26.11.2025</a:t>
+              <a:t>02.12.2025</a:t>
             </a:fld>
             <a:endParaRPr lang="ru-RU"/>
           </a:p>
@@ -2026,7 +2026,7 @@
           <a:p>
             <a:fld id="{66F6873F-BC63-4C77-8C1F-6337C0BA4F5E}" type="datetimeFigureOut">
               <a:rPr lang="ru-RU" smtClean="0"/>
-              <a:t>26.11.2025</a:t>
+              <a:t>02.12.2025</a:t>
             </a:fld>
             <a:endParaRPr lang="ru-RU"/>
           </a:p>
@@ -2246,7 +2246,7 @@
           <a:p>
             <a:fld id="{66F6873F-BC63-4C77-8C1F-6337C0BA4F5E}" type="datetimeFigureOut">
               <a:rPr lang="ru-RU" smtClean="0"/>
-              <a:t>26.11.2025</a:t>
+              <a:t>02.12.2025</a:t>
             </a:fld>
             <a:endParaRPr lang="ru-RU"/>
           </a:p>
@@ -2541,7 +2541,7 @@
             <a:fld id="{66F6873F-BC63-4C77-8C1F-6337C0BA4F5E}" type="datetimeFigureOut">
               <a:rPr lang="ru-RU" smtClean="0"/>
               <a:pPr/>
-              <a:t>26.11.2025</a:t>
+              <a:t>02.12.2025</a:t>
             </a:fld>
             <a:endParaRPr lang="ru-RU"/>
           </a:p>
@@ -2914,7 +2914,7 @@
             <a:fld id="{66F6873F-BC63-4C77-8C1F-6337C0BA4F5E}" type="datetimeFigureOut">
               <a:rPr lang="ru-RU" smtClean="0"/>
               <a:pPr/>
-              <a:t>26.11.2025</a:t>
+              <a:t>02.12.2025</a:t>
             </a:fld>
             <a:endParaRPr lang="ru-RU"/>
           </a:p>
@@ -3253,7 +3253,7 @@
             <a:fld id="{66F6873F-BC63-4C77-8C1F-6337C0BA4F5E}" type="datetimeFigureOut">
               <a:rPr lang="ru-RU" smtClean="0"/>
               <a:pPr/>
-              <a:t>26.11.2025</a:t>
+              <a:t>02.12.2025</a:t>
             </a:fld>
             <a:endParaRPr lang="ru-RU"/>
           </a:p>
@@ -4192,7 +4192,7 @@
             <a:fld id="{66F6873F-BC63-4C77-8C1F-6337C0BA4F5E}" type="datetimeFigureOut">
               <a:rPr lang="ru-RU" smtClean="0"/>
               <a:pPr/>
-              <a:t>26.11.2025</a:t>
+              <a:t>02.12.2025</a:t>
             </a:fld>
             <a:endParaRPr lang="ru-RU"/>
           </a:p>
@@ -4502,7 +4502,7 @@
           <a:p>
             <a:fld id="{66F6873F-BC63-4C77-8C1F-6337C0BA4F5E}" type="datetimeFigureOut">
               <a:rPr lang="ru-RU" smtClean="0"/>
-              <a:t>26.11.2025</a:t>
+              <a:t>02.12.2025</a:t>
             </a:fld>
             <a:endParaRPr lang="ru-RU"/>
           </a:p>
@@ -4779,7 +4779,7 @@
           <a:p>
             <a:fld id="{66F6873F-BC63-4C77-8C1F-6337C0BA4F5E}" type="datetimeFigureOut">
               <a:rPr lang="ru-RU" smtClean="0"/>
-              <a:t>26.11.2025</a:t>
+              <a:t>02.12.2025</a:t>
             </a:fld>
             <a:endParaRPr lang="ru-RU"/>
           </a:p>
@@ -5203,7 +5203,7 @@
           <a:p>
             <a:fld id="{66F6873F-BC63-4C77-8C1F-6337C0BA4F5E}" type="datetimeFigureOut">
               <a:rPr lang="ru-RU" smtClean="0"/>
-              <a:t>26.11.2025</a:t>
+              <a:t>02.12.2025</a:t>
             </a:fld>
             <a:endParaRPr lang="ru-RU"/>
           </a:p>
@@ -5356,7 +5356,7 @@
           <a:p>
             <a:fld id="{66F6873F-BC63-4C77-8C1F-6337C0BA4F5E}" type="datetimeFigureOut">
               <a:rPr lang="ru-RU" smtClean="0"/>
-              <a:t>26.11.2025</a:t>
+              <a:t>02.12.2025</a:t>
             </a:fld>
             <a:endParaRPr lang="ru-RU"/>
           </a:p>
@@ -5609,7 +5609,7 @@
           <a:p>
             <a:fld id="{66F6873F-BC63-4C77-8C1F-6337C0BA4F5E}" type="datetimeFigureOut">
               <a:rPr lang="ru-RU" smtClean="0"/>
-              <a:t>26.11.2025</a:t>
+              <a:t>02.12.2025</a:t>
             </a:fld>
             <a:endParaRPr lang="ru-RU"/>
           </a:p>
@@ -6317,58 +6317,42 @@
         </p:nvSpPr>
         <p:spPr>
           <a:xfrm>
-            <a:off x="3086791" y="2931268"/>
-            <a:ext cx="6096000" cy="1384995"/>
+            <a:off x="2605729" y="2862442"/>
+            <a:ext cx="7320743" cy="1200329"/>
           </a:xfrm>
           <a:prstGeom prst="rect">
             <a:avLst/>
           </a:prstGeom>
         </p:spPr>
         <p:txBody>
-          <a:bodyPr>
+          <a:bodyPr wrap="square">
             <a:spAutoFit/>
           </a:bodyPr>
           <a:lstStyle/>
           <a:p>
             <a:pPr algn="ctr"/>
             <a:r>
-              <a:rPr lang="ru-RU" sz="2800" dirty="0">
-                <a:solidFill>
-                  <a:srgbClr val="000000"/>
-                </a:solidFill>
+              <a:rPr lang="ru-RU" sz="3600" dirty="0" smtClean="0">
                 <a:latin typeface="Times New Roman" panose="02020603050405020304" pitchFamily="18" charset="0"/>
                 <a:cs typeface="Times New Roman" panose="02020603050405020304" pitchFamily="18" charset="0"/>
               </a:rPr>
-              <a:t>Курсовой </a:t>
-            </a:r>
-            <a:r>
-              <a:rPr lang="ru-RU" sz="2800" dirty="0" smtClean="0">
-                <a:solidFill>
-                  <a:srgbClr val="000000"/>
-                </a:solidFill>
+              <a:t>Разработка </a:t>
+            </a:r>
+            <a:r>
+              <a:rPr lang="ru-RU" sz="3600" dirty="0">
                 <a:latin typeface="Times New Roman" panose="02020603050405020304" pitchFamily="18" charset="0"/>
                 <a:cs typeface="Times New Roman" panose="02020603050405020304" pitchFamily="18" charset="0"/>
               </a:rPr>
-              <a:t>проект</a:t>
-            </a:r>
-          </a:p>
-          <a:p>
-            <a:pPr algn="ctr"/>
-            <a:r>
-              <a:rPr lang="ru-RU" sz="2800" dirty="0">
+              <a:t>подсистемы учета работы отдела </a:t>
+            </a:r>
+            <a:r>
+              <a:rPr lang="ru-RU" sz="3600" dirty="0" err="1">
                 <a:latin typeface="Times New Roman" panose="02020603050405020304" pitchFamily="18" charset="0"/>
                 <a:cs typeface="Times New Roman" panose="02020603050405020304" pitchFamily="18" charset="0"/>
               </a:rPr>
-              <a:t>Разработка подсистемы учета работы отдела </a:t>
-            </a:r>
-            <a:r>
-              <a:rPr lang="ru-RU" sz="2800" dirty="0" err="1">
-                <a:latin typeface="Times New Roman" panose="02020603050405020304" pitchFamily="18" charset="0"/>
-                <a:cs typeface="Times New Roman" panose="02020603050405020304" pitchFamily="18" charset="0"/>
-              </a:rPr>
               <a:t>телемаркетинга</a:t>
             </a:r>
-            <a:endParaRPr lang="ru-RU" sz="3600" dirty="0" smtClean="0">
+            <a:endParaRPr lang="ru-RU" sz="4400" dirty="0" smtClean="0">
               <a:solidFill>
                 <a:srgbClr val="000000"/>
               </a:solidFill>
@@ -7107,21 +7091,29 @@
         <p:spPr>
           <a:xfrm>
             <a:off x="838200" y="1825625"/>
-            <a:ext cx="7188200" cy="4351338"/>
+            <a:ext cx="7014030" cy="4351338"/>
           </a:xfrm>
         </p:spPr>
         <p:txBody>
-          <a:bodyPr/>
+          <a:bodyPr>
+            <a:normAutofit/>
+          </a:bodyPr>
           <a:lstStyle/>
           <a:p>
             <a:pPr marL="0" indent="0" algn="just">
               <a:buNone/>
             </a:pPr>
             <a:r>
-              <a:rPr lang="ru-RU" dirty="0" smtClean="0"/>
+              <a:rPr lang="ru-RU" sz="3200" dirty="0" smtClean="0">
+                <a:latin typeface="Times New Roman" panose="02020603050405020304" pitchFamily="18" charset="0"/>
+                <a:cs typeface="Times New Roman" panose="02020603050405020304" pitchFamily="18" charset="0"/>
+              </a:rPr>
               <a:t>Необходимо упростить процесс оформления заявок на подключение клиентов к услугам домашнего интернета и телевидения</a:t>
             </a:r>
-            <a:endParaRPr lang="ru-RU" dirty="0"/>
+            <a:endParaRPr lang="ru-RU" sz="3200" dirty="0">
+              <a:latin typeface="Times New Roman" panose="02020603050405020304" pitchFamily="18" charset="0"/>
+              <a:cs typeface="Times New Roman" panose="02020603050405020304" pitchFamily="18" charset="0"/>
+            </a:endParaRPr>
           </a:p>
         </p:txBody>
       </p:sp>
@@ -7248,20 +7240,85 @@
           </a:xfrm>
         </p:spPr>
         <p:txBody>
-          <a:bodyPr/>
+          <a:bodyPr>
+            <a:normAutofit/>
+          </a:bodyPr>
           <a:lstStyle/>
           <a:p>
             <a:pPr marL="0" indent="0">
               <a:buNone/>
             </a:pPr>
             <a:r>
-              <a:rPr lang="ru-RU" dirty="0" smtClean="0"/>
+              <a:rPr lang="ru-RU" sz="3200" dirty="0" smtClean="0">
+                <a:latin typeface="Times New Roman" panose="02020603050405020304" pitchFamily="18" charset="0"/>
+                <a:cs typeface="Times New Roman" panose="02020603050405020304" pitchFamily="18" charset="0"/>
+              </a:rPr>
               <a:t>Сотрудники </a:t>
             </a:r>
             <a:r>
-              <a:rPr lang="ru-RU" dirty="0" smtClean="0"/>
-              <a:t>телемаркетинговых отделов</a:t>
-            </a:r>
+              <a:rPr lang="ru-RU" sz="3200" dirty="0" err="1" smtClean="0">
+                <a:latin typeface="Times New Roman" panose="02020603050405020304" pitchFamily="18" charset="0"/>
+                <a:cs typeface="Times New Roman" panose="02020603050405020304" pitchFamily="18" charset="0"/>
+              </a:rPr>
+              <a:t>телемаркетинговых</a:t>
+            </a:r>
+            <a:r>
+              <a:rPr lang="ru-RU" sz="3200" dirty="0" smtClean="0">
+                <a:latin typeface="Times New Roman" panose="02020603050405020304" pitchFamily="18" charset="0"/>
+                <a:cs typeface="Times New Roman" panose="02020603050405020304" pitchFamily="18" charset="0"/>
+              </a:rPr>
+              <a:t> </a:t>
+            </a:r>
+            <a:r>
+              <a:rPr lang="ru-RU" sz="3200" dirty="0" smtClean="0">
+                <a:latin typeface="Times New Roman" panose="02020603050405020304" pitchFamily="18" charset="0"/>
+                <a:cs typeface="Times New Roman" panose="02020603050405020304" pitchFamily="18" charset="0"/>
+              </a:rPr>
+              <a:t>отделов:</a:t>
+            </a:r>
+          </a:p>
+          <a:p>
+            <a:pPr>
+              <a:buFont typeface="Calibri" panose="020F0502020204030204" pitchFamily="34" charset="0"/>
+              <a:buChar char="-"/>
+            </a:pPr>
+            <a:r>
+              <a:rPr lang="ru-RU" sz="3200" dirty="0" smtClean="0">
+                <a:latin typeface="Times New Roman" panose="02020603050405020304" pitchFamily="18" charset="0"/>
+                <a:cs typeface="Times New Roman" panose="02020603050405020304" pitchFamily="18" charset="0"/>
+              </a:rPr>
+              <a:t>Супервайзер</a:t>
+            </a:r>
+          </a:p>
+          <a:p>
+            <a:pPr>
+              <a:buFont typeface="Calibri" panose="020F0502020204030204" pitchFamily="34" charset="0"/>
+              <a:buChar char="-"/>
+            </a:pPr>
+            <a:r>
+              <a:rPr lang="ru-RU" sz="3200" dirty="0" smtClean="0">
+                <a:latin typeface="Times New Roman" panose="02020603050405020304" pitchFamily="18" charset="0"/>
+                <a:cs typeface="Times New Roman" panose="02020603050405020304" pitchFamily="18" charset="0"/>
+              </a:rPr>
+              <a:t>Операторы</a:t>
+            </a:r>
+          </a:p>
+          <a:p>
+            <a:pPr>
+              <a:buFont typeface="Calibri" panose="020F0502020204030204" pitchFamily="34" charset="0"/>
+              <a:buChar char="-"/>
+            </a:pPr>
+            <a:r>
+              <a:rPr lang="ru-RU" sz="3200" dirty="0" smtClean="0">
+                <a:latin typeface="Times New Roman" panose="02020603050405020304" pitchFamily="18" charset="0"/>
+                <a:cs typeface="Times New Roman" panose="02020603050405020304" pitchFamily="18" charset="0"/>
+              </a:rPr>
+              <a:t>Неавторизованный сотрудник</a:t>
+            </a:r>
+            <a:endParaRPr lang="ru-RU" sz="3200" dirty="0" smtClean="0">
+              <a:latin typeface="Times New Roman" panose="02020603050405020304" pitchFamily="18" charset="0"/>
+              <a:cs typeface="Times New Roman" panose="02020603050405020304" pitchFamily="18" charset="0"/>
+            </a:endParaRPr>
           </a:p>
         </p:txBody>
       </p:sp>
@@ -7333,7 +7390,7 @@
         </p:blipFill>
         <p:spPr bwMode="auto">
           <a:xfrm>
-            <a:off x="7489881" y="1936704"/>
+            <a:off x="6948169" y="2004172"/>
             <a:ext cx="4405631" cy="4307728"/>
           </a:xfrm>
           <a:prstGeom prst="rect">
@@ -7383,7 +7440,7 @@
         </p:blipFill>
         <p:spPr bwMode="auto">
           <a:xfrm>
-            <a:off x="4651376" y="2945607"/>
+            <a:off x="8664156" y="-122058"/>
             <a:ext cx="3231356" cy="3231356"/>
           </a:xfrm>
           <a:prstGeom prst="rect">
@@ -7661,10 +7718,84 @@
           <a:lstStyle/>
           <a:p>
             <a:r>
-              <a:rPr lang="ru-RU" dirty="0" smtClean="0"/>
+              <a:rPr lang="ru-RU" dirty="0"/>
               <a:t>Задачи</a:t>
             </a:r>
-            <a:endParaRPr lang="ru-RU" dirty="0"/>
+          </a:p>
+        </p:txBody>
+      </p:sp>
+      <p:sp>
+        <p:nvSpPr>
+          <p:cNvPr id="11" name="Объект 2"/>
+          <p:cNvSpPr>
+            <a:spLocks noGrp="1"/>
+          </p:cNvSpPr>
+          <p:nvPr>
+            <p:ph idx="1"/>
+          </p:nvPr>
+        </p:nvSpPr>
+        <p:spPr>
+          <a:xfrm>
+            <a:off x="838200" y="1825625"/>
+            <a:ext cx="7210530" cy="4351338"/>
+          </a:xfrm>
+        </p:spPr>
+        <p:txBody>
+          <a:bodyPr>
+            <a:normAutofit/>
+          </a:bodyPr>
+          <a:lstStyle/>
+          <a:p>
+            <a:pPr marL="0" indent="0" algn="just">
+              <a:buNone/>
+            </a:pPr>
+            <a:r>
+              <a:rPr lang="ru-RU" sz="3200" dirty="0" smtClean="0">
+                <a:latin typeface="Times New Roman" panose="02020603050405020304" pitchFamily="18" charset="0"/>
+                <a:cs typeface="Times New Roman" panose="02020603050405020304" pitchFamily="18" charset="0"/>
+              </a:rPr>
+              <a:t>Провести сбор и анализ требований</a:t>
+            </a:r>
+          </a:p>
+          <a:p>
+            <a:pPr marL="0" indent="0" algn="just">
+              <a:buNone/>
+            </a:pPr>
+            <a:r>
+              <a:rPr lang="ru-RU" sz="3200" dirty="0" smtClean="0">
+                <a:latin typeface="Times New Roman" panose="02020603050405020304" pitchFamily="18" charset="0"/>
+                <a:cs typeface="Times New Roman" panose="02020603050405020304" pitchFamily="18" charset="0"/>
+              </a:rPr>
+              <a:t>Спроектировать БД</a:t>
+            </a:r>
+          </a:p>
+          <a:p>
+            <a:pPr marL="0" indent="0" algn="just">
+              <a:buNone/>
+            </a:pPr>
+            <a:r>
+              <a:rPr lang="ru-RU" sz="3200" dirty="0" smtClean="0">
+                <a:latin typeface="Times New Roman" panose="02020603050405020304" pitchFamily="18" charset="0"/>
+                <a:cs typeface="Times New Roman" panose="02020603050405020304" pitchFamily="18" charset="0"/>
+              </a:rPr>
+              <a:t>Разработать клиентскую и серверную части</a:t>
+            </a:r>
+          </a:p>
+          <a:p>
+            <a:pPr marL="0" indent="0" algn="just">
+              <a:buNone/>
+            </a:pPr>
+            <a:r>
+              <a:rPr lang="ru-RU" sz="3200" dirty="0" smtClean="0">
+                <a:latin typeface="Times New Roman" panose="02020603050405020304" pitchFamily="18" charset="0"/>
+                <a:cs typeface="Times New Roman" panose="02020603050405020304" pitchFamily="18" charset="0"/>
+              </a:rPr>
+              <a:t>Выполнить тестирование и отладку ПО</a:t>
+            </a:r>
+            <a:endParaRPr lang="ru-RU" sz="3200" dirty="0">
+              <a:latin typeface="Times New Roman" panose="02020603050405020304" pitchFamily="18" charset="0"/>
+              <a:cs typeface="Times New Roman" panose="02020603050405020304" pitchFamily="18" charset="0"/>
+            </a:endParaRPr>
           </a:p>
         </p:txBody>
       </p:sp>
@@ -7691,11 +7822,18 @@
           <a:lstStyle/>
           <a:p>
             <a:r>
+              <a:rPr lang="ru-RU" sz="2000" dirty="0">
+                <a:latin typeface="Times New Roman" panose="02020603050405020304" pitchFamily="18" charset="0"/>
+                <a:cs typeface="Times New Roman" panose="02020603050405020304" pitchFamily="18" charset="0"/>
+              </a:rPr>
+              <a:t>5</a:t>
+            </a:r>
+            <a:r>
               <a:rPr lang="ru-RU" sz="2000" dirty="0" smtClean="0">
                 <a:latin typeface="Times New Roman" panose="02020603050405020304" pitchFamily="18" charset="0"/>
                 <a:cs typeface="Times New Roman" panose="02020603050405020304" pitchFamily="18" charset="0"/>
               </a:rPr>
-              <a:t>5/9</a:t>
+              <a:t>/9</a:t>
             </a:r>
             <a:endParaRPr lang="ru-RU" sz="2000" dirty="0">
               <a:latin typeface="Times New Roman" panose="02020603050405020304" pitchFamily="18" charset="0"/>
@@ -7737,7 +7875,7 @@
     </p:spTree>
     <p:extLst>
       <p:ext uri="{BB962C8B-B14F-4D97-AF65-F5344CB8AC3E}">
-        <p14:creationId xmlns:p14="http://schemas.microsoft.com/office/powerpoint/2010/main" val="3639118979"/>
+        <p14:creationId xmlns:p14="http://schemas.microsoft.com/office/powerpoint/2010/main" val="1010022930"/>
       </p:ext>
     </p:extLst>
   </p:cSld>
@@ -8246,10 +8384,61 @@
           </a:xfrm>
         </p:spPr>
         <p:txBody>
-          <a:bodyPr/>
+          <a:bodyPr>
+            <a:normAutofit/>
+          </a:bodyPr>
           <a:lstStyle/>
           <a:p>
-            <a:endParaRPr lang="ru-RU"/>
+            <a:pPr marL="0" indent="0">
+              <a:buNone/>
+            </a:pPr>
+            <a:r>
+              <a:rPr lang="ru-RU" sz="3200" dirty="0" smtClean="0">
+                <a:latin typeface="Times New Roman" panose="02020603050405020304" pitchFamily="18" charset="0"/>
+                <a:cs typeface="Times New Roman" panose="02020603050405020304" pitchFamily="18" charset="0"/>
+              </a:rPr>
+              <a:t>Упрощение работы операторов</a:t>
+            </a:r>
+          </a:p>
+          <a:p>
+            <a:pPr marL="0" indent="0">
+              <a:buNone/>
+            </a:pPr>
+            <a:r>
+              <a:rPr lang="ru-RU" sz="3200" dirty="0" smtClean="0">
+                <a:latin typeface="Times New Roman" panose="02020603050405020304" pitchFamily="18" charset="0"/>
+                <a:cs typeface="Times New Roman" panose="02020603050405020304" pitchFamily="18" charset="0"/>
+              </a:rPr>
+              <a:t>Генерация отчетов за смену</a:t>
+            </a:r>
+          </a:p>
+          <a:p>
+            <a:pPr marL="0" indent="0">
+              <a:buNone/>
+            </a:pPr>
+            <a:r>
+              <a:rPr lang="ru-RU" sz="3200" dirty="0" smtClean="0">
+                <a:latin typeface="Times New Roman" panose="02020603050405020304" pitchFamily="18" charset="0"/>
+                <a:cs typeface="Times New Roman" panose="02020603050405020304" pitchFamily="18" charset="0"/>
+              </a:rPr>
+              <a:t>Доступность статистики</a:t>
+            </a:r>
+          </a:p>
+          <a:p>
+            <a:pPr marL="0" indent="0">
+              <a:buNone/>
+            </a:pPr>
+            <a:r>
+              <a:rPr lang="ru-RU" sz="3200" dirty="0" smtClean="0">
+                <a:latin typeface="Times New Roman" panose="02020603050405020304" pitchFamily="18" charset="0"/>
+                <a:cs typeface="Times New Roman" panose="02020603050405020304" pitchFamily="18" charset="0"/>
+              </a:rPr>
+              <a:t>Упрощение процесса оформление заявки</a:t>
+            </a:r>
+            <a:endParaRPr lang="ru-RU" sz="3200" dirty="0">
+              <a:latin typeface="Times New Roman" panose="02020603050405020304" pitchFamily="18" charset="0"/>
+              <a:cs typeface="Times New Roman" panose="02020603050405020304" pitchFamily="18" charset="0"/>
+            </a:endParaRPr>
           </a:p>
         </p:txBody>
       </p:sp>
@@ -8289,6 +8478,36 @@
           </a:p>
         </p:txBody>
       </p:sp>
+      <p:pic>
+        <p:nvPicPr>
+          <p:cNvPr id="2" name="Рисунок 1"/>
+          <p:cNvPicPr>
+            <a:picLocks noChangeAspect="1"/>
+          </p:cNvPicPr>
+          <p:nvPr/>
+        </p:nvPicPr>
+        <p:blipFill>
+          <a:blip r:embed="rId2">
+            <a:extLst>
+              <a:ext uri="{28A0092B-C50C-407E-A947-70E740481C1C}">
+                <a14:useLocalDpi xmlns:a14="http://schemas.microsoft.com/office/drawing/2010/main" val="0"/>
+              </a:ext>
+            </a:extLst>
+          </a:blip>
+          <a:stretch>
+            <a:fillRect/>
+          </a:stretch>
+        </p:blipFill>
+        <p:spPr>
+          <a:xfrm>
+            <a:off x="8042575" y="1690688"/>
+            <a:ext cx="3852937" cy="3353260"/>
+          </a:xfrm>
+          <a:prstGeom prst="rect">
+            <a:avLst/>
+          </a:prstGeom>
+        </p:spPr>
+      </p:pic>
     </p:spTree>
     <p:extLst>
       <p:ext uri="{BB962C8B-B14F-4D97-AF65-F5344CB8AC3E}">
@@ -8333,7 +8552,7 @@
       </p:grpSpPr>
       <p:sp>
         <p:nvSpPr>
-          <p:cNvPr id="6" name="Заголовок 1"/>
+          <p:cNvPr id="7" name="Заголовок 1"/>
           <p:cNvSpPr>
             <a:spLocks noGrp="1"/>
           </p:cNvSpPr>
@@ -8352,7 +8571,7 @@
           <a:lstStyle/>
           <a:p>
             <a:r>
-              <a:rPr lang="ru-RU" dirty="0" smtClean="0"/>
+              <a:rPr lang="ru-RU" dirty="0"/>
               <a:t>Заключение</a:t>
             </a:r>
             <a:endParaRPr lang="ru-RU" dirty="0"/>
@@ -8361,7 +8580,7 @@
       </p:sp>
       <p:sp>
         <p:nvSpPr>
-          <p:cNvPr id="8" name="Объект 2"/>
+          <p:cNvPr id="11" name="Объект 2"/>
           <p:cNvSpPr>
             <a:spLocks noGrp="1"/>
           </p:cNvSpPr>
@@ -8372,20 +8591,38 @@
         <p:spPr>
           <a:xfrm>
             <a:off x="838200" y="1825625"/>
-            <a:ext cx="10515600" cy="4351338"/>
+            <a:ext cx="7210530" cy="4351338"/>
           </a:xfrm>
         </p:spPr>
         <p:txBody>
           <a:bodyPr/>
           <a:lstStyle/>
           <a:p>
-            <a:endParaRPr lang="ru-RU"/>
-          </a:p>
-        </p:txBody>
-      </p:sp>
-      <p:sp>
-        <p:nvSpPr>
-          <p:cNvPr id="9" name="TextBox 8"/>
+            <a:pPr marL="0" indent="0" algn="just">
+              <a:buNone/>
+            </a:pPr>
+            <a:r>
+              <a:rPr lang="ru-RU" sz="3200" dirty="0" smtClean="0">
+                <a:latin typeface="Times New Roman" panose="02020603050405020304" pitchFamily="18" charset="0"/>
+                <a:cs typeface="Times New Roman" panose="02020603050405020304" pitchFamily="18" charset="0"/>
+              </a:rPr>
+              <a:t>Цели и задачи выполнены</a:t>
+            </a:r>
+          </a:p>
+          <a:p>
+            <a:pPr marL="0" indent="0" algn="just">
+              <a:buNone/>
+            </a:pPr>
+            <a:endParaRPr lang="ru-RU" dirty="0">
+              <a:latin typeface="Times New Roman" panose="02020603050405020304" pitchFamily="18" charset="0"/>
+              <a:cs typeface="Times New Roman" panose="02020603050405020304" pitchFamily="18" charset="0"/>
+            </a:endParaRPr>
+          </a:p>
+        </p:txBody>
+      </p:sp>
+      <p:sp>
+        <p:nvSpPr>
+          <p:cNvPr id="12" name="TextBox 11"/>
           <p:cNvSpPr txBox="1"/>
           <p:nvPr/>
         </p:nvSpPr>
@@ -8406,11 +8643,18 @@
           <a:lstStyle/>
           <a:p>
             <a:r>
+              <a:rPr lang="ru-RU" sz="2000" dirty="0">
+                <a:latin typeface="Times New Roman" panose="02020603050405020304" pitchFamily="18" charset="0"/>
+                <a:cs typeface="Times New Roman" panose="02020603050405020304" pitchFamily="18" charset="0"/>
+              </a:rPr>
+              <a:t>9</a:t>
+            </a:r>
+            <a:r>
               <a:rPr lang="ru-RU" sz="2000" dirty="0" smtClean="0">
                 <a:latin typeface="Times New Roman" panose="02020603050405020304" pitchFamily="18" charset="0"/>
                 <a:cs typeface="Times New Roman" panose="02020603050405020304" pitchFamily="18" charset="0"/>
               </a:rPr>
-              <a:t>9/9</a:t>
+              <a:t>/9</a:t>
             </a:r>
             <a:endParaRPr lang="ru-RU" sz="2000" dirty="0">
               <a:latin typeface="Times New Roman" panose="02020603050405020304" pitchFamily="18" charset="0"/>
@@ -8419,10 +8663,40 @@
           </a:p>
         </p:txBody>
       </p:sp>
+      <p:pic>
+        <p:nvPicPr>
+          <p:cNvPr id="8" name="Объект 6"/>
+          <p:cNvPicPr>
+            <a:picLocks noChangeAspect="1"/>
+          </p:cNvPicPr>
+          <p:nvPr/>
+        </p:nvPicPr>
+        <p:blipFill>
+          <a:blip r:embed="rId2">
+            <a:extLst>
+              <a:ext uri="{28A0092B-C50C-407E-A947-70E740481C1C}">
+                <a14:useLocalDpi xmlns:a14="http://schemas.microsoft.com/office/drawing/2010/main" val="0"/>
+              </a:ext>
+            </a:extLst>
+          </a:blip>
+          <a:stretch>
+            <a:fillRect/>
+          </a:stretch>
+        </p:blipFill>
+        <p:spPr>
+          <a:xfrm>
+            <a:off x="7978025" y="1272304"/>
+            <a:ext cx="4351338" cy="4351338"/>
+          </a:xfrm>
+          <a:prstGeom prst="rect">
+            <a:avLst/>
+          </a:prstGeom>
+        </p:spPr>
+      </p:pic>
     </p:spTree>
     <p:extLst>
       <p:ext uri="{BB962C8B-B14F-4D97-AF65-F5344CB8AC3E}">
-        <p14:creationId xmlns:p14="http://schemas.microsoft.com/office/powerpoint/2010/main" val="4223104203"/>
+        <p14:creationId xmlns:p14="http://schemas.microsoft.com/office/powerpoint/2010/main" val="2481750880"/>
       </p:ext>
     </p:extLst>
   </p:cSld>

--- a/кп.pptx
+++ b/кп.pptx
@@ -217,7 +217,7 @@
           <a:p>
             <a:fld id="{875E98A4-0572-4532-A180-6655DC1106DD}" type="datetimeFigureOut">
               <a:rPr lang="ru-RU" smtClean="0"/>
-              <a:t>02.12.2025</a:t>
+              <a:t>03.12.2025</a:t>
             </a:fld>
             <a:endParaRPr lang="ru-RU"/>
           </a:p>
@@ -908,7 +908,7 @@
             <a:fld id="{66F6873F-BC63-4C77-8C1F-6337C0BA4F5E}" type="datetimeFigureOut">
               <a:rPr lang="ru-RU" smtClean="0"/>
               <a:pPr/>
-              <a:t>02.12.2025</a:t>
+              <a:t>03.12.2025</a:t>
             </a:fld>
             <a:endParaRPr lang="ru-RU"/>
           </a:p>
@@ -1193,7 +1193,7 @@
           <a:p>
             <a:fld id="{66F6873F-BC63-4C77-8C1F-6337C0BA4F5E}" type="datetimeFigureOut">
               <a:rPr lang="ru-RU" smtClean="0"/>
-              <a:t>02.12.2025</a:t>
+              <a:t>03.12.2025</a:t>
             </a:fld>
             <a:endParaRPr lang="ru-RU"/>
           </a:p>
@@ -1516,7 +1516,7 @@
           <a:p>
             <a:fld id="{66F6873F-BC63-4C77-8C1F-6337C0BA4F5E}" type="datetimeFigureOut">
               <a:rPr lang="ru-RU" smtClean="0"/>
-              <a:t>02.12.2025</a:t>
+              <a:t>03.12.2025</a:t>
             </a:fld>
             <a:endParaRPr lang="ru-RU"/>
           </a:p>
@@ -1816,7 +1816,7 @@
           <a:p>
             <a:fld id="{66F6873F-BC63-4C77-8C1F-6337C0BA4F5E}" type="datetimeFigureOut">
               <a:rPr lang="ru-RU" smtClean="0"/>
-              <a:t>02.12.2025</a:t>
+              <a:t>03.12.2025</a:t>
             </a:fld>
             <a:endParaRPr lang="ru-RU"/>
           </a:p>
@@ -2026,7 +2026,7 @@
           <a:p>
             <a:fld id="{66F6873F-BC63-4C77-8C1F-6337C0BA4F5E}" type="datetimeFigureOut">
               <a:rPr lang="ru-RU" smtClean="0"/>
-              <a:t>02.12.2025</a:t>
+              <a:t>03.12.2025</a:t>
             </a:fld>
             <a:endParaRPr lang="ru-RU"/>
           </a:p>
@@ -2246,7 +2246,7 @@
           <a:p>
             <a:fld id="{66F6873F-BC63-4C77-8C1F-6337C0BA4F5E}" type="datetimeFigureOut">
               <a:rPr lang="ru-RU" smtClean="0"/>
-              <a:t>02.12.2025</a:t>
+              <a:t>03.12.2025</a:t>
             </a:fld>
             <a:endParaRPr lang="ru-RU"/>
           </a:p>
@@ -2541,7 +2541,7 @@
             <a:fld id="{66F6873F-BC63-4C77-8C1F-6337C0BA4F5E}" type="datetimeFigureOut">
               <a:rPr lang="ru-RU" smtClean="0"/>
               <a:pPr/>
-              <a:t>02.12.2025</a:t>
+              <a:t>03.12.2025</a:t>
             </a:fld>
             <a:endParaRPr lang="ru-RU"/>
           </a:p>
@@ -2914,7 +2914,7 @@
             <a:fld id="{66F6873F-BC63-4C77-8C1F-6337C0BA4F5E}" type="datetimeFigureOut">
               <a:rPr lang="ru-RU" smtClean="0"/>
               <a:pPr/>
-              <a:t>02.12.2025</a:t>
+              <a:t>03.12.2025</a:t>
             </a:fld>
             <a:endParaRPr lang="ru-RU"/>
           </a:p>
@@ -3253,7 +3253,7 @@
             <a:fld id="{66F6873F-BC63-4C77-8C1F-6337C0BA4F5E}" type="datetimeFigureOut">
               <a:rPr lang="ru-RU" smtClean="0"/>
               <a:pPr/>
-              <a:t>02.12.2025</a:t>
+              <a:t>03.12.2025</a:t>
             </a:fld>
             <a:endParaRPr lang="ru-RU"/>
           </a:p>
@@ -4192,7 +4192,7 @@
             <a:fld id="{66F6873F-BC63-4C77-8C1F-6337C0BA4F5E}" type="datetimeFigureOut">
               <a:rPr lang="ru-RU" smtClean="0"/>
               <a:pPr/>
-              <a:t>02.12.2025</a:t>
+              <a:t>03.12.2025</a:t>
             </a:fld>
             <a:endParaRPr lang="ru-RU"/>
           </a:p>
@@ -4502,7 +4502,7 @@
           <a:p>
             <a:fld id="{66F6873F-BC63-4C77-8C1F-6337C0BA4F5E}" type="datetimeFigureOut">
               <a:rPr lang="ru-RU" smtClean="0"/>
-              <a:t>02.12.2025</a:t>
+              <a:t>03.12.2025</a:t>
             </a:fld>
             <a:endParaRPr lang="ru-RU"/>
           </a:p>
@@ -4779,7 +4779,7 @@
           <a:p>
             <a:fld id="{66F6873F-BC63-4C77-8C1F-6337C0BA4F5E}" type="datetimeFigureOut">
               <a:rPr lang="ru-RU" smtClean="0"/>
-              <a:t>02.12.2025</a:t>
+              <a:t>03.12.2025</a:t>
             </a:fld>
             <a:endParaRPr lang="ru-RU"/>
           </a:p>
@@ -5203,7 +5203,7 @@
           <a:p>
             <a:fld id="{66F6873F-BC63-4C77-8C1F-6337C0BA4F5E}" type="datetimeFigureOut">
               <a:rPr lang="ru-RU" smtClean="0"/>
-              <a:t>02.12.2025</a:t>
+              <a:t>03.12.2025</a:t>
             </a:fld>
             <a:endParaRPr lang="ru-RU"/>
           </a:p>
@@ -5356,7 +5356,7 @@
           <a:p>
             <a:fld id="{66F6873F-BC63-4C77-8C1F-6337C0BA4F5E}" type="datetimeFigureOut">
               <a:rPr lang="ru-RU" smtClean="0"/>
-              <a:t>02.12.2025</a:t>
+              <a:t>03.12.2025</a:t>
             </a:fld>
             <a:endParaRPr lang="ru-RU"/>
           </a:p>
@@ -5609,7 +5609,7 @@
           <a:p>
             <a:fld id="{66F6873F-BC63-4C77-8C1F-6337C0BA4F5E}" type="datetimeFigureOut">
               <a:rPr lang="ru-RU" smtClean="0"/>
-              <a:t>02.12.2025</a:t>
+              <a:t>03.12.2025</a:t>
             </a:fld>
             <a:endParaRPr lang="ru-RU"/>
           </a:p>
@@ -6317,7 +6317,7 @@
         </p:nvSpPr>
         <p:spPr>
           <a:xfrm>
-            <a:off x="2605729" y="2862442"/>
+            <a:off x="2605729" y="3094567"/>
             <a:ext cx="7320743" cy="1200329"/>
           </a:xfrm>
           <a:prstGeom prst="rect">
@@ -7071,10 +7071,16 @@
           <a:lstStyle/>
           <a:p>
             <a:r>
-              <a:rPr lang="ru-RU" dirty="0" smtClean="0"/>
+              <a:rPr lang="ru-RU" dirty="0" smtClean="0">
+                <a:latin typeface="Times New Roman" panose="02020603050405020304" pitchFamily="18" charset="0"/>
+                <a:cs typeface="Times New Roman" panose="02020603050405020304" pitchFamily="18" charset="0"/>
+              </a:rPr>
               <a:t>Актуальность</a:t>
             </a:r>
-            <a:endParaRPr lang="ru-RU" dirty="0"/>
+            <a:endParaRPr lang="ru-RU" dirty="0">
+              <a:latin typeface="Times New Roman" panose="02020603050405020304" pitchFamily="18" charset="0"/>
+              <a:cs typeface="Times New Roman" panose="02020603050405020304" pitchFamily="18" charset="0"/>
+            </a:endParaRPr>
           </a:p>
         </p:txBody>
       </p:sp>
@@ -7216,10 +7222,16 @@
           <a:lstStyle/>
           <a:p>
             <a:r>
-              <a:rPr lang="ru-RU" dirty="0" smtClean="0"/>
+              <a:rPr lang="ru-RU" dirty="0" smtClean="0">
+                <a:latin typeface="Times New Roman" panose="02020603050405020304" pitchFamily="18" charset="0"/>
+                <a:cs typeface="Times New Roman" panose="02020603050405020304" pitchFamily="18" charset="0"/>
+              </a:rPr>
               <a:t>Целевая аудитория</a:t>
             </a:r>
-            <a:endParaRPr lang="ru-RU" dirty="0"/>
+            <a:endParaRPr lang="ru-RU" dirty="0">
+              <a:latin typeface="Times New Roman" panose="02020603050405020304" pitchFamily="18" charset="0"/>
+              <a:cs typeface="Times New Roman" panose="02020603050405020304" pitchFamily="18" charset="0"/>
+            </a:endParaRPr>
           </a:p>
         </p:txBody>
       </p:sp>
@@ -7267,14 +7279,7 @@
                 <a:latin typeface="Times New Roman" panose="02020603050405020304" pitchFamily="18" charset="0"/>
                 <a:cs typeface="Times New Roman" panose="02020603050405020304" pitchFamily="18" charset="0"/>
               </a:rPr>
-              <a:t> </a:t>
-            </a:r>
-            <a:r>
-              <a:rPr lang="ru-RU" sz="3200" dirty="0" smtClean="0">
-                <a:latin typeface="Times New Roman" panose="02020603050405020304" pitchFamily="18" charset="0"/>
-                <a:cs typeface="Times New Roman" panose="02020603050405020304" pitchFamily="18" charset="0"/>
-              </a:rPr>
-              <a:t>отделов:</a:t>
+              <a:t> отделов:</a:t>
             </a:r>
           </a:p>
           <a:p>
@@ -7315,10 +7320,6 @@
               </a:rPr>
               <a:t>Неавторизованный сотрудник</a:t>
             </a:r>
-            <a:endParaRPr lang="ru-RU" sz="3200" dirty="0" smtClean="0">
-              <a:latin typeface="Times New Roman" panose="02020603050405020304" pitchFamily="18" charset="0"/>
-              <a:cs typeface="Times New Roman" panose="02020603050405020304" pitchFamily="18" charset="0"/>
-            </a:endParaRPr>
           </a:p>
         </p:txBody>
       </p:sp>
@@ -7390,7 +7391,7 @@
         </p:blipFill>
         <p:spPr bwMode="auto">
           <a:xfrm>
-            <a:off x="6948169" y="2004172"/>
+            <a:off x="6761356" y="2004172"/>
             <a:ext cx="4405631" cy="4307728"/>
           </a:xfrm>
           <a:prstGeom prst="rect">
@@ -7440,7 +7441,7 @@
         </p:blipFill>
         <p:spPr bwMode="auto">
           <a:xfrm>
-            <a:off x="8664156" y="-122058"/>
+            <a:off x="8664156" y="365125"/>
             <a:ext cx="3231356" cy="3231356"/>
           </a:xfrm>
           <a:prstGeom prst="rect">
@@ -7521,10 +7522,16 @@
           <a:lstStyle/>
           <a:p>
             <a:r>
-              <a:rPr lang="ru-RU" dirty="0" smtClean="0"/>
+              <a:rPr lang="ru-RU" dirty="0" smtClean="0">
+                <a:latin typeface="Times New Roman" panose="02020603050405020304" pitchFamily="18" charset="0"/>
+                <a:cs typeface="Times New Roman" panose="02020603050405020304" pitchFamily="18" charset="0"/>
+              </a:rPr>
               <a:t>Цель</a:t>
             </a:r>
-            <a:endParaRPr lang="ru-RU" dirty="0"/>
+            <a:endParaRPr lang="ru-RU" dirty="0">
+              <a:latin typeface="Times New Roman" panose="02020603050405020304" pitchFamily="18" charset="0"/>
+              <a:cs typeface="Times New Roman" panose="02020603050405020304" pitchFamily="18" charset="0"/>
+            </a:endParaRPr>
           </a:p>
         </p:txBody>
       </p:sp>
@@ -7545,35 +7552,37 @@
           </a:xfrm>
         </p:spPr>
         <p:txBody>
-          <a:bodyPr/>
+          <a:bodyPr>
+            <a:normAutofit/>
+          </a:bodyPr>
           <a:lstStyle/>
           <a:p>
             <a:pPr marL="0" indent="0" algn="just">
               <a:buNone/>
             </a:pPr>
             <a:r>
-              <a:rPr lang="ru-RU" dirty="0" smtClean="0">
+              <a:rPr lang="ru-RU" sz="3200" dirty="0" smtClean="0">
                 <a:latin typeface="Times New Roman" panose="02020603050405020304" pitchFamily="18" charset="0"/>
                 <a:cs typeface="Times New Roman" panose="02020603050405020304" pitchFamily="18" charset="0"/>
               </a:rPr>
               <a:t>Требуется разработать подсистему для </a:t>
             </a:r>
             <a:r>
-              <a:rPr lang="ru-RU" dirty="0">
+              <a:rPr lang="ru-RU" sz="3200" dirty="0">
                 <a:latin typeface="Times New Roman" panose="02020603050405020304" pitchFamily="18" charset="0"/>
                 <a:cs typeface="Times New Roman" panose="02020603050405020304" pitchFamily="18" charset="0"/>
               </a:rPr>
               <a:t>использования в отделе </a:t>
             </a:r>
             <a:r>
-              <a:rPr lang="ru-RU" dirty="0" err="1">
+              <a:rPr lang="ru-RU" sz="3200" dirty="0" err="1">
                 <a:latin typeface="Times New Roman" panose="02020603050405020304" pitchFamily="18" charset="0"/>
                 <a:cs typeface="Times New Roman" panose="02020603050405020304" pitchFamily="18" charset="0"/>
               </a:rPr>
               <a:t>телемаркетинга</a:t>
             </a:r>
             <a:r>
-              <a:rPr lang="ru-RU" dirty="0">
+              <a:rPr lang="ru-RU" sz="3200" dirty="0">
                 <a:latin typeface="Times New Roman" panose="02020603050405020304" pitchFamily="18" charset="0"/>
                 <a:cs typeface="Times New Roman" panose="02020603050405020304" pitchFamily="18" charset="0"/>
               </a:rPr>
@@ -7718,7 +7727,10 @@
           <a:lstStyle/>
           <a:p>
             <a:r>
-              <a:rPr lang="ru-RU" dirty="0"/>
+              <a:rPr lang="ru-RU" dirty="0">
+                <a:latin typeface="Times New Roman" panose="02020603050405020304" pitchFamily="18" charset="0"/>
+                <a:cs typeface="Times New Roman" panose="02020603050405020304" pitchFamily="18" charset="0"/>
+              </a:rPr>
               <a:t>Задачи</a:t>
             </a:r>
           </a:p>
@@ -7935,10 +7947,16 @@
           <a:lstStyle/>
           <a:p>
             <a:r>
-              <a:rPr lang="ru-RU" dirty="0" smtClean="0"/>
+              <a:rPr lang="ru-RU" dirty="0" smtClean="0">
+                <a:latin typeface="Times New Roman" panose="02020603050405020304" pitchFamily="18" charset="0"/>
+                <a:cs typeface="Times New Roman" panose="02020603050405020304" pitchFamily="18" charset="0"/>
+              </a:rPr>
               <a:t>Средства разработки</a:t>
             </a:r>
-            <a:endParaRPr lang="ru-RU" dirty="0"/>
+            <a:endParaRPr lang="ru-RU" dirty="0">
+              <a:latin typeface="Times New Roman" panose="02020603050405020304" pitchFamily="18" charset="0"/>
+              <a:cs typeface="Times New Roman" panose="02020603050405020304" pitchFamily="18" charset="0"/>
+            </a:endParaRPr>
           </a:p>
         </p:txBody>
       </p:sp>
@@ -8225,10 +8243,16 @@
           <a:lstStyle/>
           <a:p>
             <a:r>
-              <a:rPr lang="ru-RU" dirty="0" smtClean="0"/>
+              <a:rPr lang="ru-RU" dirty="0" smtClean="0">
+                <a:latin typeface="Times New Roman" panose="02020603050405020304" pitchFamily="18" charset="0"/>
+                <a:cs typeface="Times New Roman" panose="02020603050405020304" pitchFamily="18" charset="0"/>
+              </a:rPr>
               <a:t>Архитектура системы</a:t>
             </a:r>
-            <a:endParaRPr lang="ru-RU" dirty="0"/>
+            <a:endParaRPr lang="ru-RU" dirty="0">
+              <a:latin typeface="Times New Roman" panose="02020603050405020304" pitchFamily="18" charset="0"/>
+              <a:cs typeface="Times New Roman" panose="02020603050405020304" pitchFamily="18" charset="0"/>
+            </a:endParaRPr>
           </a:p>
         </p:txBody>
       </p:sp>
@@ -8360,10 +8384,16 @@
           <a:lstStyle/>
           <a:p>
             <a:r>
-              <a:rPr lang="ru-RU" dirty="0" smtClean="0"/>
+              <a:rPr lang="ru-RU" dirty="0" smtClean="0">
+                <a:latin typeface="Times New Roman" panose="02020603050405020304" pitchFamily="18" charset="0"/>
+                <a:cs typeface="Times New Roman" panose="02020603050405020304" pitchFamily="18" charset="0"/>
+              </a:rPr>
               <a:t>Преимущества</a:t>
             </a:r>
-            <a:endParaRPr lang="ru-RU" dirty="0"/>
+            <a:endParaRPr lang="ru-RU" dirty="0">
+              <a:latin typeface="Times New Roman" panose="02020603050405020304" pitchFamily="18" charset="0"/>
+              <a:cs typeface="Times New Roman" panose="02020603050405020304" pitchFamily="18" charset="0"/>
+            </a:endParaRPr>
           </a:p>
         </p:txBody>
       </p:sp>
@@ -8571,10 +8601,12 @@
           <a:lstStyle/>
           <a:p>
             <a:r>
-              <a:rPr lang="ru-RU" dirty="0"/>
+              <a:rPr lang="ru-RU" dirty="0">
+                <a:latin typeface="Times New Roman" panose="02020603050405020304" pitchFamily="18" charset="0"/>
+                <a:cs typeface="Times New Roman" panose="02020603050405020304" pitchFamily="18" charset="0"/>
+              </a:rPr>
               <a:t>Заключение</a:t>
             </a:r>
-            <a:endParaRPr lang="ru-RU" dirty="0"/>
           </a:p>
         </p:txBody>
       </p:sp>
